--- a/office_notes/PPT/study1.pptx
+++ b/office_notes/PPT/study1.pptx
@@ -5,7 +5,7 @@
     <p:sldMasterId id="2147483648" r:id="rId1"/>
   </p:sldMasterIdLst>
   <p:notesMasterIdLst>
-    <p:notesMasterId r:id="rId11"/>
+    <p:notesMasterId r:id="rId15"/>
   </p:notesMasterIdLst>
   <p:sldIdLst>
     <p:sldId id="259" r:id="rId2"/>
@@ -17,30 +17,39 @@
     <p:sldId id="265" r:id="rId8"/>
     <p:sldId id="266" r:id="rId9"/>
     <p:sldId id="267" r:id="rId10"/>
+    <p:sldId id="268" r:id="rId11"/>
+    <p:sldId id="269" r:id="rId12"/>
+    <p:sldId id="270" r:id="rId13"/>
+    <p:sldId id="271" r:id="rId14"/>
   </p:sldIdLst>
   <p:sldSz cx="12192000" cy="6858000"/>
   <p:notesSz cx="6858000" cy="9144000"/>
   <p:embeddedFontLst>
     <p:embeddedFont>
-      <p:font typeface="Showcard Gothic" panose="04020904020102020604" pitchFamily="82" charset="0"/>
-      <p:regular r:id="rId12"/>
-    </p:embeddedFont>
-    <p:embeddedFont>
-      <p:font typeface="等线 Light" panose="02010600030101010101" pitchFamily="2" charset="-122"/>
-      <p:regular r:id="rId13"/>
-    </p:embeddedFont>
-    <p:embeddedFont>
-      <p:font typeface="等线" panose="02010600030101010101" pitchFamily="2" charset="-122"/>
-      <p:regular r:id="rId14"/>
-      <p:bold r:id="rId15"/>
-    </p:embeddedFont>
-    <p:embeddedFont>
       <p:font typeface="仿宋" panose="02010609060101010101" pitchFamily="49" charset="-122"/>
       <p:regular r:id="rId16"/>
     </p:embeddedFont>
     <p:embeddedFont>
+      <p:font typeface="等线 Light" panose="02010600030101010101" pitchFamily="2" charset="-122"/>
+      <p:regular r:id="rId17"/>
+    </p:embeddedFont>
+    <p:embeddedFont>
+      <p:font typeface="微软雅黑" panose="020B0503020204020204" pitchFamily="34" charset="-122"/>
+      <p:regular r:id="rId18"/>
+      <p:bold r:id="rId19"/>
+    </p:embeddedFont>
+    <p:embeddedFont>
+      <p:font typeface="等线" panose="02010600030101010101" pitchFamily="2" charset="-122"/>
+      <p:regular r:id="rId20"/>
+      <p:bold r:id="rId21"/>
+    </p:embeddedFont>
+    <p:embeddedFont>
       <p:font typeface="黑体" panose="02010609060101010101" pitchFamily="49" charset="-122"/>
-      <p:regular r:id="rId17"/>
+      <p:regular r:id="rId22"/>
+    </p:embeddedFont>
+    <p:embeddedFont>
+      <p:font typeface="Showcard Gothic" panose="04020904020102020604" pitchFamily="82" charset="0"/>
+      <p:regular r:id="rId23"/>
     </p:embeddedFont>
   </p:embeddedFontLst>
   <p:defaultTextStyle>
@@ -146,6 +155,4639 @@
 </p:presentation>
 </file>
 
+<file path=ppt/charts/chart1.xml><?xml version="1.0" encoding="utf-8"?>
+<c:chartSpace xmlns:c="http://schemas.openxmlformats.org/drawingml/2006/chart" xmlns:a="http://schemas.openxmlformats.org/drawingml/2006/main" xmlns:r="http://schemas.openxmlformats.org/officeDocument/2006/relationships" xmlns:c16r2="http://schemas.microsoft.com/office/drawing/2015/06/chart">
+  <c:date1904 val="0"/>
+  <c:lang val="zh-CN"/>
+  <c:roundedCorners val="0"/>
+  <mc:AlternateContent xmlns:mc="http://schemas.openxmlformats.org/markup-compatibility/2006">
+    <mc:Choice xmlns:c14="http://schemas.microsoft.com/office/drawing/2007/8/2/chart" Requires="c14">
+      <c14:style val="102"/>
+    </mc:Choice>
+    <mc:Fallback>
+      <c:style val="2"/>
+    </mc:Fallback>
+  </mc:AlternateContent>
+  <c:chart>
+    <c:title>
+      <c:layout/>
+      <c:overlay val="0"/>
+      <c:spPr>
+        <a:noFill/>
+        <a:ln>
+          <a:noFill/>
+        </a:ln>
+        <a:effectLst/>
+      </c:spPr>
+      <c:txPr>
+        <a:bodyPr rot="0" spcFirstLastPara="1" vertOverflow="ellipsis" vert="horz" wrap="square" anchor="ctr" anchorCtr="1"/>
+        <a:lstStyle/>
+        <a:p>
+          <a:pPr>
+            <a:defRPr sz="1862" b="0" i="0" u="none" strike="noStrike" kern="1200" spc="0" baseline="0">
+              <a:solidFill>
+                <a:schemeClr val="tx1">
+                  <a:lumMod val="65000"/>
+                  <a:lumOff val="35000"/>
+                </a:schemeClr>
+              </a:solidFill>
+              <a:latin typeface="+mn-lt"/>
+              <a:ea typeface="+mn-ea"/>
+              <a:cs typeface="+mn-cs"/>
+            </a:defRPr>
+          </a:pPr>
+          <a:endParaRPr lang="zh-CN"/>
+        </a:p>
+      </c:txPr>
+    </c:title>
+    <c:autoTitleDeleted val="0"/>
+    <c:plotArea>
+      <c:layout>
+        <c:manualLayout>
+          <c:layoutTarget val="inner"/>
+          <c:xMode val="edge"/>
+          <c:yMode val="edge"/>
+          <c:x val="5.1987073893851626E-2"/>
+          <c:y val="0.10976964622227588"/>
+          <c:w val="0.94801291830708656"/>
+          <c:h val="0.76801859202641531"/>
+        </c:manualLayout>
+      </c:layout>
+      <c:barChart>
+        <c:barDir val="col"/>
+        <c:grouping val="clustered"/>
+        <c:varyColors val="0"/>
+        <c:ser>
+          <c:idx val="0"/>
+          <c:order val="0"/>
+          <c:tx>
+            <c:strRef>
+              <c:f>Sheet1!$B$1</c:f>
+              <c:strCache>
+                <c:ptCount val="1"/>
+                <c:pt idx="0">
+                  <c:v>A</c:v>
+                </c:pt>
+              </c:strCache>
+            </c:strRef>
+          </c:tx>
+          <c:spPr>
+            <a:solidFill>
+              <a:srgbClr val="031C44"/>
+            </a:solidFill>
+            <a:ln>
+              <a:noFill/>
+            </a:ln>
+            <a:effectLst/>
+          </c:spPr>
+          <c:invertIfNegative val="0"/>
+          <c:cat>
+            <c:strRef>
+              <c:f>Sheet1!$A$2:$A$5</c:f>
+              <c:strCache>
+                <c:ptCount val="4"/>
+                <c:pt idx="0">
+                  <c:v>Part1</c:v>
+                </c:pt>
+                <c:pt idx="1">
+                  <c:v>Part2</c:v>
+                </c:pt>
+                <c:pt idx="2">
+                  <c:v>Part3</c:v>
+                </c:pt>
+                <c:pt idx="3">
+                  <c:v>Part4</c:v>
+                </c:pt>
+              </c:strCache>
+            </c:strRef>
+          </c:cat>
+          <c:val>
+            <c:numRef>
+              <c:f>Sheet1!$B$2:$B$5</c:f>
+              <c:numCache>
+                <c:formatCode>General</c:formatCode>
+                <c:ptCount val="4"/>
+                <c:pt idx="0">
+                  <c:v>4.3</c:v>
+                </c:pt>
+                <c:pt idx="1">
+                  <c:v>2.5</c:v>
+                </c:pt>
+                <c:pt idx="2">
+                  <c:v>3.5</c:v>
+                </c:pt>
+                <c:pt idx="3">
+                  <c:v>4.5</c:v>
+                </c:pt>
+              </c:numCache>
+            </c:numRef>
+          </c:val>
+          <c:extLst>
+            <c:ext xmlns:c16="http://schemas.microsoft.com/office/drawing/2014/chart" uri="{C3380CC4-5D6E-409C-BE32-E72D297353CC}">
+              <c16:uniqueId val="{00000000-0575-4418-A54F-8133017CB474}"/>
+            </c:ext>
+          </c:extLst>
+        </c:ser>
+        <c:ser>
+          <c:idx val="1"/>
+          <c:order val="1"/>
+          <c:tx>
+            <c:strRef>
+              <c:f>Sheet1!$C$1</c:f>
+              <c:strCache>
+                <c:ptCount val="1"/>
+                <c:pt idx="0">
+                  <c:v>B</c:v>
+                </c:pt>
+              </c:strCache>
+            </c:strRef>
+          </c:tx>
+          <c:spPr>
+            <a:solidFill>
+              <a:srgbClr val="0F362C"/>
+            </a:solidFill>
+            <a:ln>
+              <a:noFill/>
+            </a:ln>
+            <a:effectLst/>
+          </c:spPr>
+          <c:invertIfNegative val="0"/>
+          <c:cat>
+            <c:strRef>
+              <c:f>Sheet1!$A$2:$A$5</c:f>
+              <c:strCache>
+                <c:ptCount val="4"/>
+                <c:pt idx="0">
+                  <c:v>Part1</c:v>
+                </c:pt>
+                <c:pt idx="1">
+                  <c:v>Part2</c:v>
+                </c:pt>
+                <c:pt idx="2">
+                  <c:v>Part3</c:v>
+                </c:pt>
+                <c:pt idx="3">
+                  <c:v>Part4</c:v>
+                </c:pt>
+              </c:strCache>
+            </c:strRef>
+          </c:cat>
+          <c:val>
+            <c:numRef>
+              <c:f>Sheet1!$C$2:$C$5</c:f>
+              <c:numCache>
+                <c:formatCode>General</c:formatCode>
+                <c:ptCount val="4"/>
+                <c:pt idx="0">
+                  <c:v>2.4</c:v>
+                </c:pt>
+                <c:pt idx="1">
+                  <c:v>4.4000000000000004</c:v>
+                </c:pt>
+                <c:pt idx="2">
+                  <c:v>1.8</c:v>
+                </c:pt>
+                <c:pt idx="3">
+                  <c:v>2.8</c:v>
+                </c:pt>
+              </c:numCache>
+            </c:numRef>
+          </c:val>
+          <c:extLst>
+            <c:ext xmlns:c16="http://schemas.microsoft.com/office/drawing/2014/chart" uri="{C3380CC4-5D6E-409C-BE32-E72D297353CC}">
+              <c16:uniqueId val="{00000001-0575-4418-A54F-8133017CB474}"/>
+            </c:ext>
+          </c:extLst>
+        </c:ser>
+        <c:ser>
+          <c:idx val="2"/>
+          <c:order val="2"/>
+          <c:tx>
+            <c:strRef>
+              <c:f>Sheet1!$D$1</c:f>
+              <c:strCache>
+                <c:ptCount val="1"/>
+                <c:pt idx="0">
+                  <c:v>C</c:v>
+                </c:pt>
+              </c:strCache>
+            </c:strRef>
+          </c:tx>
+          <c:spPr>
+            <a:solidFill>
+              <a:srgbClr val="B6A262"/>
+            </a:solidFill>
+            <a:ln>
+              <a:noFill/>
+            </a:ln>
+            <a:effectLst/>
+          </c:spPr>
+          <c:invertIfNegative val="0"/>
+          <c:cat>
+            <c:strRef>
+              <c:f>Sheet1!$A$2:$A$5</c:f>
+              <c:strCache>
+                <c:ptCount val="4"/>
+                <c:pt idx="0">
+                  <c:v>Part1</c:v>
+                </c:pt>
+                <c:pt idx="1">
+                  <c:v>Part2</c:v>
+                </c:pt>
+                <c:pt idx="2">
+                  <c:v>Part3</c:v>
+                </c:pt>
+                <c:pt idx="3">
+                  <c:v>Part4</c:v>
+                </c:pt>
+              </c:strCache>
+            </c:strRef>
+          </c:cat>
+          <c:val>
+            <c:numRef>
+              <c:f>Sheet1!$D$2:$D$5</c:f>
+              <c:numCache>
+                <c:formatCode>General</c:formatCode>
+                <c:ptCount val="4"/>
+                <c:pt idx="0">
+                  <c:v>2</c:v>
+                </c:pt>
+                <c:pt idx="1">
+                  <c:v>2</c:v>
+                </c:pt>
+                <c:pt idx="2">
+                  <c:v>3</c:v>
+                </c:pt>
+                <c:pt idx="3">
+                  <c:v>5</c:v>
+                </c:pt>
+              </c:numCache>
+            </c:numRef>
+          </c:val>
+          <c:extLst>
+            <c:ext xmlns:c16="http://schemas.microsoft.com/office/drawing/2014/chart" uri="{C3380CC4-5D6E-409C-BE32-E72D297353CC}">
+              <c16:uniqueId val="{00000002-0575-4418-A54F-8133017CB474}"/>
+            </c:ext>
+          </c:extLst>
+        </c:ser>
+        <c:dLbls>
+          <c:showLegendKey val="0"/>
+          <c:showVal val="0"/>
+          <c:showCatName val="0"/>
+          <c:showSerName val="0"/>
+          <c:showPercent val="0"/>
+          <c:showBubbleSize val="0"/>
+        </c:dLbls>
+        <c:gapWidth val="27"/>
+        <c:axId val="818924543"/>
+        <c:axId val="818928703"/>
+      </c:barChart>
+      <c:catAx>
+        <c:axId val="818924543"/>
+        <c:scaling>
+          <c:orientation val="minMax"/>
+        </c:scaling>
+        <c:delete val="0"/>
+        <c:axPos val="b"/>
+        <c:numFmt formatCode="General" sourceLinked="1"/>
+        <c:majorTickMark val="none"/>
+        <c:minorTickMark val="none"/>
+        <c:tickLblPos val="nextTo"/>
+        <c:spPr>
+          <a:noFill/>
+          <a:ln w="9525" cap="flat" cmpd="sng" algn="ctr">
+            <a:solidFill>
+              <a:schemeClr val="tx1">
+                <a:lumMod val="15000"/>
+                <a:lumOff val="85000"/>
+              </a:schemeClr>
+            </a:solidFill>
+            <a:round/>
+          </a:ln>
+          <a:effectLst/>
+        </c:spPr>
+        <c:txPr>
+          <a:bodyPr rot="-60000000" spcFirstLastPara="1" vertOverflow="ellipsis" vert="horz" wrap="square" anchor="ctr" anchorCtr="1"/>
+          <a:lstStyle/>
+          <a:p>
+            <a:pPr>
+              <a:defRPr sz="1197" b="0" i="0" u="none" strike="noStrike" kern="1200" baseline="0">
+                <a:solidFill>
+                  <a:schemeClr val="tx1">
+                    <a:lumMod val="65000"/>
+                    <a:lumOff val="35000"/>
+                  </a:schemeClr>
+                </a:solidFill>
+                <a:latin typeface="+mn-lt"/>
+                <a:ea typeface="+mn-ea"/>
+                <a:cs typeface="+mn-cs"/>
+              </a:defRPr>
+            </a:pPr>
+            <a:endParaRPr lang="zh-CN"/>
+          </a:p>
+        </c:txPr>
+        <c:crossAx val="818928703"/>
+        <c:crosses val="autoZero"/>
+        <c:auto val="1"/>
+        <c:lblAlgn val="ctr"/>
+        <c:lblOffset val="100"/>
+        <c:noMultiLvlLbl val="0"/>
+      </c:catAx>
+      <c:valAx>
+        <c:axId val="818928703"/>
+        <c:scaling>
+          <c:orientation val="minMax"/>
+        </c:scaling>
+        <c:delete val="0"/>
+        <c:axPos val="l"/>
+        <c:majorGridlines>
+          <c:spPr>
+            <a:ln w="9525" cap="flat" cmpd="sng" algn="ctr">
+              <a:solidFill>
+                <a:schemeClr val="tx1">
+                  <a:lumMod val="15000"/>
+                  <a:lumOff val="85000"/>
+                </a:schemeClr>
+              </a:solidFill>
+              <a:round/>
+            </a:ln>
+            <a:effectLst/>
+          </c:spPr>
+        </c:majorGridlines>
+        <c:numFmt formatCode="General" sourceLinked="1"/>
+        <c:majorTickMark val="none"/>
+        <c:minorTickMark val="none"/>
+        <c:tickLblPos val="nextTo"/>
+        <c:spPr>
+          <a:noFill/>
+          <a:ln>
+            <a:noFill/>
+          </a:ln>
+          <a:effectLst/>
+        </c:spPr>
+        <c:txPr>
+          <a:bodyPr rot="-60000000" spcFirstLastPara="1" vertOverflow="ellipsis" vert="horz" wrap="square" anchor="ctr" anchorCtr="1"/>
+          <a:lstStyle/>
+          <a:p>
+            <a:pPr>
+              <a:defRPr sz="1197" b="0" i="0" u="none" strike="noStrike" kern="1200" baseline="0">
+                <a:solidFill>
+                  <a:schemeClr val="tx1">
+                    <a:lumMod val="65000"/>
+                    <a:lumOff val="35000"/>
+                  </a:schemeClr>
+                </a:solidFill>
+                <a:latin typeface="+mn-lt"/>
+                <a:ea typeface="+mn-ea"/>
+                <a:cs typeface="+mn-cs"/>
+              </a:defRPr>
+            </a:pPr>
+            <a:endParaRPr lang="zh-CN"/>
+          </a:p>
+        </c:txPr>
+        <c:crossAx val="818924543"/>
+        <c:crosses val="autoZero"/>
+        <c:crossBetween val="between"/>
+        <c:majorUnit val="0.5"/>
+      </c:valAx>
+      <c:spPr>
+        <a:noFill/>
+        <a:ln>
+          <a:noFill/>
+        </a:ln>
+        <a:effectLst/>
+      </c:spPr>
+    </c:plotArea>
+    <c:legend>
+      <c:legendPos val="b"/>
+      <c:layout>
+        <c:manualLayout>
+          <c:xMode val="edge"/>
+          <c:yMode val="edge"/>
+          <c:x val="0.23402667214182943"/>
+          <c:y val="0.93386391918280676"/>
+          <c:w val="0.48924643813689955"/>
+          <c:h val="5.6050608423990074E-2"/>
+        </c:manualLayout>
+      </c:layout>
+      <c:overlay val="0"/>
+      <c:spPr>
+        <a:noFill/>
+        <a:ln>
+          <a:noFill/>
+        </a:ln>
+        <a:effectLst/>
+      </c:spPr>
+      <c:txPr>
+        <a:bodyPr rot="0" spcFirstLastPara="1" vertOverflow="ellipsis" vert="horz" wrap="square" anchor="ctr" anchorCtr="1"/>
+        <a:lstStyle/>
+        <a:p>
+          <a:pPr>
+            <a:defRPr sz="1197" b="0" i="0" u="none" strike="noStrike" kern="1200" baseline="0">
+              <a:solidFill>
+                <a:schemeClr val="tx1">
+                  <a:lumMod val="65000"/>
+                  <a:lumOff val="35000"/>
+                </a:schemeClr>
+              </a:solidFill>
+              <a:latin typeface="+mn-lt"/>
+              <a:ea typeface="+mn-ea"/>
+              <a:cs typeface="+mn-cs"/>
+            </a:defRPr>
+          </a:pPr>
+          <a:endParaRPr lang="zh-CN"/>
+        </a:p>
+      </c:txPr>
+    </c:legend>
+    <c:plotVisOnly val="1"/>
+    <c:dispBlanksAs val="gap"/>
+    <c:showDLblsOverMax val="0"/>
+  </c:chart>
+  <c:spPr>
+    <a:noFill/>
+    <a:ln>
+      <a:noFill/>
+    </a:ln>
+    <a:effectLst/>
+  </c:spPr>
+  <c:txPr>
+    <a:bodyPr/>
+    <a:lstStyle/>
+    <a:p>
+      <a:pPr>
+        <a:defRPr/>
+      </a:pPr>
+      <a:endParaRPr lang="zh-CN"/>
+    </a:p>
+  </c:txPr>
+  <c:externalData r:id="rId3">
+    <c:autoUpdate val="0"/>
+  </c:externalData>
+</c:chartSpace>
+</file>
+
+<file path=ppt/charts/chart2.xml><?xml version="1.0" encoding="utf-8"?>
+<c:chartSpace xmlns:c="http://schemas.openxmlformats.org/drawingml/2006/chart" xmlns:a="http://schemas.openxmlformats.org/drawingml/2006/main" xmlns:r="http://schemas.openxmlformats.org/officeDocument/2006/relationships" xmlns:c16r2="http://schemas.microsoft.com/office/drawing/2015/06/chart">
+  <c:date1904 val="0"/>
+  <c:lang val="zh-CN"/>
+  <c:roundedCorners val="0"/>
+  <mc:AlternateContent xmlns:mc="http://schemas.openxmlformats.org/markup-compatibility/2006">
+    <mc:Choice xmlns:c14="http://schemas.microsoft.com/office/drawing/2007/8/2/chart" Requires="c14">
+      <c14:style val="102"/>
+    </mc:Choice>
+    <mc:Fallback>
+      <c:style val="2"/>
+    </mc:Fallback>
+  </mc:AlternateContent>
+  <c:chart>
+    <c:autoTitleDeleted val="1"/>
+    <c:plotArea>
+      <c:layout>
+        <c:manualLayout>
+          <c:layoutTarget val="inner"/>
+          <c:xMode val="edge"/>
+          <c:yMode val="edge"/>
+          <c:x val="6.4377829724409447E-2"/>
+          <c:y val="9.0950228164971197E-2"/>
+          <c:w val="0.93405967027559056"/>
+          <c:h val="0.76801859202641531"/>
+        </c:manualLayout>
+      </c:layout>
+      <c:barChart>
+        <c:barDir val="col"/>
+        <c:grouping val="clustered"/>
+        <c:varyColors val="0"/>
+        <c:ser>
+          <c:idx val="0"/>
+          <c:order val="0"/>
+          <c:tx>
+            <c:strRef>
+              <c:f>Sheet1!$B$1</c:f>
+              <c:strCache>
+                <c:ptCount val="1"/>
+                <c:pt idx="0">
+                  <c:v>系列 1</c:v>
+                </c:pt>
+              </c:strCache>
+            </c:strRef>
+          </c:tx>
+          <c:spPr>
+            <a:blipFill>
+              <a:blip xmlns:r="http://schemas.openxmlformats.org/officeDocument/2006/relationships" r:embed="rId3"/>
+              <a:stretch>
+                <a:fillRect/>
+              </a:stretch>
+            </a:blipFill>
+            <a:ln>
+              <a:noFill/>
+            </a:ln>
+            <a:effectLst/>
+          </c:spPr>
+          <c:invertIfNegative val="0"/>
+          <c:cat>
+            <c:strRef>
+              <c:f>Sheet1!$A$2:$A$5</c:f>
+              <c:strCache>
+                <c:ptCount val="4"/>
+                <c:pt idx="0">
+                  <c:v>类别 1</c:v>
+                </c:pt>
+                <c:pt idx="1">
+                  <c:v>类别 2</c:v>
+                </c:pt>
+                <c:pt idx="2">
+                  <c:v>类别 3</c:v>
+                </c:pt>
+                <c:pt idx="3">
+                  <c:v>类别 4</c:v>
+                </c:pt>
+              </c:strCache>
+            </c:strRef>
+          </c:cat>
+          <c:val>
+            <c:numRef>
+              <c:f>Sheet1!$B$2:$B$5</c:f>
+              <c:numCache>
+                <c:formatCode>General</c:formatCode>
+                <c:ptCount val="4"/>
+                <c:pt idx="0">
+                  <c:v>4.3</c:v>
+                </c:pt>
+                <c:pt idx="1">
+                  <c:v>2.5</c:v>
+                </c:pt>
+                <c:pt idx="2">
+                  <c:v>3.5</c:v>
+                </c:pt>
+                <c:pt idx="3">
+                  <c:v>4.5</c:v>
+                </c:pt>
+              </c:numCache>
+            </c:numRef>
+          </c:val>
+          <c:extLst>
+            <c:ext xmlns:c16="http://schemas.microsoft.com/office/drawing/2014/chart" uri="{C3380CC4-5D6E-409C-BE32-E72D297353CC}">
+              <c16:uniqueId val="{00000000-7594-4F06-95DB-DF06D5E8848D}"/>
+            </c:ext>
+          </c:extLst>
+        </c:ser>
+        <c:ser>
+          <c:idx val="1"/>
+          <c:order val="1"/>
+          <c:tx>
+            <c:strRef>
+              <c:f>Sheet1!$C$1</c:f>
+              <c:strCache>
+                <c:ptCount val="1"/>
+                <c:pt idx="0">
+                  <c:v>系列 2</c:v>
+                </c:pt>
+              </c:strCache>
+            </c:strRef>
+          </c:tx>
+          <c:spPr>
+            <a:blipFill>
+              <a:blip xmlns:r="http://schemas.openxmlformats.org/officeDocument/2006/relationships" r:embed="rId4"/>
+              <a:stretch>
+                <a:fillRect/>
+              </a:stretch>
+            </a:blipFill>
+            <a:ln>
+              <a:noFill/>
+            </a:ln>
+            <a:effectLst/>
+          </c:spPr>
+          <c:invertIfNegative val="0"/>
+          <c:cat>
+            <c:strRef>
+              <c:f>Sheet1!$A$2:$A$5</c:f>
+              <c:strCache>
+                <c:ptCount val="4"/>
+                <c:pt idx="0">
+                  <c:v>类别 1</c:v>
+                </c:pt>
+                <c:pt idx="1">
+                  <c:v>类别 2</c:v>
+                </c:pt>
+                <c:pt idx="2">
+                  <c:v>类别 3</c:v>
+                </c:pt>
+                <c:pt idx="3">
+                  <c:v>类别 4</c:v>
+                </c:pt>
+              </c:strCache>
+            </c:strRef>
+          </c:cat>
+          <c:val>
+            <c:numRef>
+              <c:f>Sheet1!$C$2:$C$5</c:f>
+              <c:numCache>
+                <c:formatCode>General</c:formatCode>
+                <c:ptCount val="4"/>
+                <c:pt idx="0">
+                  <c:v>2.4</c:v>
+                </c:pt>
+                <c:pt idx="1">
+                  <c:v>4.4000000000000004</c:v>
+                </c:pt>
+                <c:pt idx="2">
+                  <c:v>1.8</c:v>
+                </c:pt>
+                <c:pt idx="3">
+                  <c:v>2.8</c:v>
+                </c:pt>
+              </c:numCache>
+            </c:numRef>
+          </c:val>
+          <c:extLst>
+            <c:ext xmlns:c16="http://schemas.microsoft.com/office/drawing/2014/chart" uri="{C3380CC4-5D6E-409C-BE32-E72D297353CC}">
+              <c16:uniqueId val="{00000001-7594-4F06-95DB-DF06D5E8848D}"/>
+            </c:ext>
+          </c:extLst>
+        </c:ser>
+        <c:dLbls>
+          <c:showLegendKey val="0"/>
+          <c:showVal val="0"/>
+          <c:showCatName val="0"/>
+          <c:showSerName val="0"/>
+          <c:showPercent val="0"/>
+          <c:showBubbleSize val="0"/>
+        </c:dLbls>
+        <c:gapWidth val="304"/>
+        <c:overlap val="-6"/>
+        <c:axId val="807716975"/>
+        <c:axId val="807718223"/>
+      </c:barChart>
+      <c:catAx>
+        <c:axId val="807716975"/>
+        <c:scaling>
+          <c:orientation val="minMax"/>
+        </c:scaling>
+        <c:delete val="0"/>
+        <c:axPos val="b"/>
+        <c:numFmt formatCode="General" sourceLinked="1"/>
+        <c:majorTickMark val="none"/>
+        <c:minorTickMark val="none"/>
+        <c:tickLblPos val="nextTo"/>
+        <c:spPr>
+          <a:noFill/>
+          <a:ln w="9525" cap="flat" cmpd="sng" algn="ctr">
+            <a:solidFill>
+              <a:schemeClr val="tx1">
+                <a:lumMod val="15000"/>
+                <a:lumOff val="85000"/>
+              </a:schemeClr>
+            </a:solidFill>
+            <a:round/>
+          </a:ln>
+          <a:effectLst/>
+        </c:spPr>
+        <c:txPr>
+          <a:bodyPr rot="-60000000" spcFirstLastPara="1" vertOverflow="ellipsis" vert="horz" wrap="square" anchor="ctr" anchorCtr="1"/>
+          <a:lstStyle/>
+          <a:p>
+            <a:pPr>
+              <a:defRPr sz="1197" b="0" i="0" u="none" strike="noStrike" kern="1200" baseline="0">
+                <a:solidFill>
+                  <a:schemeClr val="tx1">
+                    <a:lumMod val="65000"/>
+                    <a:lumOff val="35000"/>
+                  </a:schemeClr>
+                </a:solidFill>
+                <a:latin typeface="+mn-lt"/>
+                <a:ea typeface="+mn-ea"/>
+                <a:cs typeface="+mn-cs"/>
+              </a:defRPr>
+            </a:pPr>
+            <a:endParaRPr lang="zh-CN"/>
+          </a:p>
+        </c:txPr>
+        <c:crossAx val="807718223"/>
+        <c:crosses val="autoZero"/>
+        <c:auto val="1"/>
+        <c:lblAlgn val="ctr"/>
+        <c:lblOffset val="100"/>
+        <c:noMultiLvlLbl val="0"/>
+      </c:catAx>
+      <c:valAx>
+        <c:axId val="807718223"/>
+        <c:scaling>
+          <c:orientation val="minMax"/>
+        </c:scaling>
+        <c:delete val="0"/>
+        <c:axPos val="l"/>
+        <c:majorGridlines>
+          <c:spPr>
+            <a:ln w="9525" cap="flat" cmpd="sng" algn="ctr">
+              <a:solidFill>
+                <a:schemeClr val="tx1">
+                  <a:alpha val="12000"/>
+                </a:schemeClr>
+              </a:solidFill>
+              <a:round/>
+            </a:ln>
+            <a:effectLst/>
+          </c:spPr>
+        </c:majorGridlines>
+        <c:numFmt formatCode="General" sourceLinked="1"/>
+        <c:majorTickMark val="none"/>
+        <c:minorTickMark val="none"/>
+        <c:tickLblPos val="nextTo"/>
+        <c:spPr>
+          <a:noFill/>
+          <a:ln>
+            <a:noFill/>
+          </a:ln>
+          <a:effectLst/>
+        </c:spPr>
+        <c:txPr>
+          <a:bodyPr rot="-60000000" spcFirstLastPara="1" vertOverflow="ellipsis" vert="horz" wrap="square" anchor="ctr" anchorCtr="1"/>
+          <a:lstStyle/>
+          <a:p>
+            <a:pPr>
+              <a:defRPr sz="1197" b="0" i="0" u="none" strike="noStrike" kern="1200" baseline="0">
+                <a:solidFill>
+                  <a:schemeClr val="tx1">
+                    <a:lumMod val="65000"/>
+                    <a:lumOff val="35000"/>
+                  </a:schemeClr>
+                </a:solidFill>
+                <a:latin typeface="+mn-lt"/>
+                <a:ea typeface="+mn-ea"/>
+                <a:cs typeface="+mn-cs"/>
+              </a:defRPr>
+            </a:pPr>
+            <a:endParaRPr lang="zh-CN"/>
+          </a:p>
+        </c:txPr>
+        <c:crossAx val="807716975"/>
+        <c:crosses val="autoZero"/>
+        <c:crossBetween val="between"/>
+        <c:majorUnit val="0.25"/>
+      </c:valAx>
+      <c:spPr>
+        <a:noFill/>
+        <a:ln>
+          <a:noFill/>
+        </a:ln>
+        <a:effectLst/>
+      </c:spPr>
+    </c:plotArea>
+    <c:legend>
+      <c:legendPos val="b"/>
+      <c:layout/>
+      <c:overlay val="0"/>
+      <c:spPr>
+        <a:noFill/>
+        <a:ln>
+          <a:noFill/>
+        </a:ln>
+        <a:effectLst/>
+      </c:spPr>
+      <c:txPr>
+        <a:bodyPr rot="0" spcFirstLastPara="1" vertOverflow="ellipsis" vert="horz" wrap="square" anchor="ctr" anchorCtr="1"/>
+        <a:lstStyle/>
+        <a:p>
+          <a:pPr>
+            <a:defRPr sz="1197" b="0" i="0" u="none" strike="noStrike" kern="1200" baseline="0">
+              <a:solidFill>
+                <a:schemeClr val="tx1">
+                  <a:lumMod val="65000"/>
+                  <a:lumOff val="35000"/>
+                </a:schemeClr>
+              </a:solidFill>
+              <a:latin typeface="+mn-lt"/>
+              <a:ea typeface="+mn-ea"/>
+              <a:cs typeface="+mn-cs"/>
+            </a:defRPr>
+          </a:pPr>
+          <a:endParaRPr lang="zh-CN"/>
+        </a:p>
+      </c:txPr>
+    </c:legend>
+    <c:plotVisOnly val="1"/>
+    <c:dispBlanksAs val="gap"/>
+    <c:showDLblsOverMax val="0"/>
+  </c:chart>
+  <c:spPr>
+    <a:noFill/>
+    <a:ln w="19050">
+      <a:solidFill>
+        <a:schemeClr val="tx1"/>
+      </a:solidFill>
+    </a:ln>
+    <a:effectLst/>
+  </c:spPr>
+  <c:txPr>
+    <a:bodyPr/>
+    <a:lstStyle/>
+    <a:p>
+      <a:pPr>
+        <a:defRPr/>
+      </a:pPr>
+      <a:endParaRPr lang="zh-CN"/>
+    </a:p>
+  </c:txPr>
+  <c:externalData r:id="rId5">
+    <c:autoUpdate val="0"/>
+  </c:externalData>
+</c:chartSpace>
+</file>
+
+<file path=ppt/charts/chart3.xml><?xml version="1.0" encoding="utf-8"?>
+<c:chartSpace xmlns:c="http://schemas.openxmlformats.org/drawingml/2006/chart" xmlns:a="http://schemas.openxmlformats.org/drawingml/2006/main" xmlns:r="http://schemas.openxmlformats.org/officeDocument/2006/relationships" xmlns:c16r2="http://schemas.microsoft.com/office/drawing/2015/06/chart">
+  <c:date1904 val="0"/>
+  <c:lang val="zh-CN"/>
+  <c:roundedCorners val="0"/>
+  <mc:AlternateContent xmlns:mc="http://schemas.openxmlformats.org/markup-compatibility/2006">
+    <mc:Choice xmlns:c14="http://schemas.microsoft.com/office/drawing/2007/8/2/chart" Requires="c14">
+      <c14:style val="102"/>
+    </mc:Choice>
+    <mc:Fallback>
+      <c:style val="2"/>
+    </mc:Fallback>
+  </mc:AlternateContent>
+  <c:chart>
+    <c:autoTitleDeleted val="1"/>
+    <c:plotArea>
+      <c:layout/>
+      <c:lineChart>
+        <c:grouping val="standard"/>
+        <c:varyColors val="0"/>
+        <c:ser>
+          <c:idx val="0"/>
+          <c:order val="0"/>
+          <c:tx>
+            <c:strRef>
+              <c:f>Sheet1!$B$1</c:f>
+              <c:strCache>
+                <c:ptCount val="1"/>
+                <c:pt idx="0">
+                  <c:v>系列 1</c:v>
+                </c:pt>
+              </c:strCache>
+            </c:strRef>
+          </c:tx>
+          <c:spPr>
+            <a:ln w="28575" cap="rnd">
+              <a:solidFill>
+                <a:srgbClr val="FF0000"/>
+              </a:solidFill>
+              <a:round/>
+            </a:ln>
+            <a:effectLst/>
+          </c:spPr>
+          <c:marker>
+            <c:symbol val="square"/>
+            <c:size val="12"/>
+            <c:spPr>
+              <a:solidFill>
+                <a:srgbClr val="FF0000">
+                  <a:alpha val="99000"/>
+                </a:srgbClr>
+              </a:solidFill>
+              <a:ln w="9525">
+                <a:solidFill>
+                  <a:srgbClr val="FF0000">
+                    <a:alpha val="98000"/>
+                  </a:srgbClr>
+                </a:solidFill>
+              </a:ln>
+              <a:effectLst/>
+            </c:spPr>
+          </c:marker>
+          <c:cat>
+            <c:strRef>
+              <c:f>Sheet1!$A$2:$A$5</c:f>
+              <c:strCache>
+                <c:ptCount val="4"/>
+                <c:pt idx="0">
+                  <c:v>类别 1</c:v>
+                </c:pt>
+                <c:pt idx="1">
+                  <c:v>类别 2</c:v>
+                </c:pt>
+                <c:pt idx="2">
+                  <c:v>类别 3</c:v>
+                </c:pt>
+                <c:pt idx="3">
+                  <c:v>类别 4</c:v>
+                </c:pt>
+              </c:strCache>
+            </c:strRef>
+          </c:cat>
+          <c:val>
+            <c:numRef>
+              <c:f>Sheet1!$B$2:$B$5</c:f>
+              <c:numCache>
+                <c:formatCode>General</c:formatCode>
+                <c:ptCount val="4"/>
+                <c:pt idx="0">
+                  <c:v>4.3</c:v>
+                </c:pt>
+                <c:pt idx="1">
+                  <c:v>2.5</c:v>
+                </c:pt>
+                <c:pt idx="2">
+                  <c:v>3.5</c:v>
+                </c:pt>
+                <c:pt idx="3">
+                  <c:v>4.5</c:v>
+                </c:pt>
+              </c:numCache>
+            </c:numRef>
+          </c:val>
+          <c:smooth val="0"/>
+          <c:extLst>
+            <c:ext xmlns:c16="http://schemas.microsoft.com/office/drawing/2014/chart" uri="{C3380CC4-5D6E-409C-BE32-E72D297353CC}">
+              <c16:uniqueId val="{00000000-C1F5-4662-9B68-2919017E5E0B}"/>
+            </c:ext>
+          </c:extLst>
+        </c:ser>
+        <c:ser>
+          <c:idx val="1"/>
+          <c:order val="1"/>
+          <c:tx>
+            <c:strRef>
+              <c:f>Sheet1!$C$1</c:f>
+              <c:strCache>
+                <c:ptCount val="1"/>
+                <c:pt idx="0">
+                  <c:v>系列 2</c:v>
+                </c:pt>
+              </c:strCache>
+            </c:strRef>
+          </c:tx>
+          <c:spPr>
+            <a:ln w="28575" cap="rnd">
+              <a:solidFill>
+                <a:srgbClr val="00B0F0"/>
+              </a:solidFill>
+              <a:round/>
+            </a:ln>
+            <a:effectLst/>
+          </c:spPr>
+          <c:marker>
+            <c:symbol val="circle"/>
+            <c:size val="12"/>
+            <c:spPr>
+              <a:solidFill>
+                <a:srgbClr val="117DF3"/>
+              </a:solidFill>
+              <a:ln w="25400">
+                <a:noFill/>
+              </a:ln>
+              <a:effectLst/>
+            </c:spPr>
+          </c:marker>
+          <c:cat>
+            <c:strRef>
+              <c:f>Sheet1!$A$2:$A$5</c:f>
+              <c:strCache>
+                <c:ptCount val="4"/>
+                <c:pt idx="0">
+                  <c:v>类别 1</c:v>
+                </c:pt>
+                <c:pt idx="1">
+                  <c:v>类别 2</c:v>
+                </c:pt>
+                <c:pt idx="2">
+                  <c:v>类别 3</c:v>
+                </c:pt>
+                <c:pt idx="3">
+                  <c:v>类别 4</c:v>
+                </c:pt>
+              </c:strCache>
+            </c:strRef>
+          </c:cat>
+          <c:val>
+            <c:numRef>
+              <c:f>Sheet1!$C$2:$C$5</c:f>
+              <c:numCache>
+                <c:formatCode>General</c:formatCode>
+                <c:ptCount val="4"/>
+                <c:pt idx="0">
+                  <c:v>2.4</c:v>
+                </c:pt>
+                <c:pt idx="1">
+                  <c:v>4.4000000000000004</c:v>
+                </c:pt>
+                <c:pt idx="2">
+                  <c:v>1.8</c:v>
+                </c:pt>
+                <c:pt idx="3">
+                  <c:v>2.8</c:v>
+                </c:pt>
+              </c:numCache>
+            </c:numRef>
+          </c:val>
+          <c:smooth val="0"/>
+          <c:extLst>
+            <c:ext xmlns:c16="http://schemas.microsoft.com/office/drawing/2014/chart" uri="{C3380CC4-5D6E-409C-BE32-E72D297353CC}">
+              <c16:uniqueId val="{00000001-C1F5-4662-9B68-2919017E5E0B}"/>
+            </c:ext>
+          </c:extLst>
+        </c:ser>
+        <c:dLbls>
+          <c:showLegendKey val="0"/>
+          <c:showVal val="0"/>
+          <c:showCatName val="0"/>
+          <c:showSerName val="0"/>
+          <c:showPercent val="0"/>
+          <c:showBubbleSize val="0"/>
+        </c:dLbls>
+        <c:marker val="1"/>
+        <c:smooth val="0"/>
+        <c:axId val="686242287"/>
+        <c:axId val="686247279"/>
+      </c:lineChart>
+      <c:catAx>
+        <c:axId val="686242287"/>
+        <c:scaling>
+          <c:orientation val="minMax"/>
+        </c:scaling>
+        <c:delete val="0"/>
+        <c:axPos val="b"/>
+        <c:numFmt formatCode="General" sourceLinked="1"/>
+        <c:majorTickMark val="none"/>
+        <c:minorTickMark val="none"/>
+        <c:tickLblPos val="nextTo"/>
+        <c:spPr>
+          <a:noFill/>
+          <a:ln w="9525" cap="flat" cmpd="sng" algn="ctr">
+            <a:solidFill>
+              <a:schemeClr val="tx1">
+                <a:lumMod val="15000"/>
+                <a:lumOff val="85000"/>
+              </a:schemeClr>
+            </a:solidFill>
+            <a:round/>
+          </a:ln>
+          <a:effectLst/>
+        </c:spPr>
+        <c:txPr>
+          <a:bodyPr rot="-60000000" spcFirstLastPara="1" vertOverflow="ellipsis" vert="horz" wrap="square" anchor="ctr" anchorCtr="1"/>
+          <a:lstStyle/>
+          <a:p>
+            <a:pPr>
+              <a:defRPr sz="1197" b="1" i="0" u="none" strike="noStrike" kern="1200" baseline="0">
+                <a:solidFill>
+                  <a:schemeClr val="tx1">
+                    <a:lumMod val="65000"/>
+                    <a:lumOff val="35000"/>
+                  </a:schemeClr>
+                </a:solidFill>
+                <a:latin typeface="+mn-lt"/>
+                <a:ea typeface="+mn-ea"/>
+                <a:cs typeface="+mn-cs"/>
+              </a:defRPr>
+            </a:pPr>
+            <a:endParaRPr lang="zh-CN"/>
+          </a:p>
+        </c:txPr>
+        <c:crossAx val="686247279"/>
+        <c:crosses val="autoZero"/>
+        <c:auto val="1"/>
+        <c:lblAlgn val="ctr"/>
+        <c:lblOffset val="100"/>
+        <c:noMultiLvlLbl val="0"/>
+      </c:catAx>
+      <c:valAx>
+        <c:axId val="686247279"/>
+        <c:scaling>
+          <c:orientation val="minMax"/>
+        </c:scaling>
+        <c:delete val="0"/>
+        <c:axPos val="l"/>
+        <c:majorGridlines>
+          <c:spPr>
+            <a:ln w="9525" cap="flat" cmpd="sng" algn="ctr">
+              <a:solidFill>
+                <a:schemeClr val="tx1">
+                  <a:lumMod val="15000"/>
+                  <a:lumOff val="85000"/>
+                </a:schemeClr>
+              </a:solidFill>
+              <a:round/>
+            </a:ln>
+            <a:effectLst/>
+          </c:spPr>
+        </c:majorGridlines>
+        <c:numFmt formatCode="General" sourceLinked="1"/>
+        <c:majorTickMark val="none"/>
+        <c:minorTickMark val="none"/>
+        <c:tickLblPos val="nextTo"/>
+        <c:spPr>
+          <a:noFill/>
+          <a:ln>
+            <a:noFill/>
+          </a:ln>
+          <a:effectLst/>
+        </c:spPr>
+        <c:txPr>
+          <a:bodyPr rot="-60000000" spcFirstLastPara="1" vertOverflow="ellipsis" vert="horz" wrap="square" anchor="ctr" anchorCtr="1"/>
+          <a:lstStyle/>
+          <a:p>
+            <a:pPr>
+              <a:defRPr sz="1200" b="0" i="0" u="none" strike="noStrike" kern="1200" baseline="0">
+                <a:solidFill>
+                  <a:schemeClr val="tx1">
+                    <a:lumMod val="65000"/>
+                    <a:lumOff val="35000"/>
+                  </a:schemeClr>
+                </a:solidFill>
+                <a:latin typeface="+mn-lt"/>
+                <a:ea typeface="+mn-ea"/>
+                <a:cs typeface="+mn-cs"/>
+              </a:defRPr>
+            </a:pPr>
+            <a:endParaRPr lang="zh-CN"/>
+          </a:p>
+        </c:txPr>
+        <c:crossAx val="686242287"/>
+        <c:crosses val="autoZero"/>
+        <c:crossBetween val="between"/>
+        <c:majorUnit val="1"/>
+      </c:valAx>
+      <c:spPr>
+        <a:noFill/>
+        <a:ln>
+          <a:noFill/>
+        </a:ln>
+        <a:effectLst/>
+      </c:spPr>
+    </c:plotArea>
+    <c:plotVisOnly val="1"/>
+    <c:dispBlanksAs val="gap"/>
+    <c:showDLblsOverMax val="0"/>
+  </c:chart>
+  <c:spPr>
+    <a:noFill/>
+    <a:ln w="38100">
+      <a:solidFill>
+        <a:schemeClr val="tx1"/>
+      </a:solidFill>
+    </a:ln>
+    <a:effectLst/>
+  </c:spPr>
+  <c:txPr>
+    <a:bodyPr/>
+    <a:lstStyle/>
+    <a:p>
+      <a:pPr>
+        <a:defRPr/>
+      </a:pPr>
+      <a:endParaRPr lang="zh-CN"/>
+    </a:p>
+  </c:txPr>
+  <c:externalData r:id="rId3">
+    <c:autoUpdate val="0"/>
+  </c:externalData>
+  <c:userShapes r:id="rId4"/>
+</c:chartSpace>
+</file>
+
+<file path=ppt/charts/chart4.xml><?xml version="1.0" encoding="utf-8"?>
+<c:chartSpace xmlns:c="http://schemas.openxmlformats.org/drawingml/2006/chart" xmlns:a="http://schemas.openxmlformats.org/drawingml/2006/main" xmlns:r="http://schemas.openxmlformats.org/officeDocument/2006/relationships" xmlns:c16r2="http://schemas.microsoft.com/office/drawing/2015/06/chart">
+  <c:date1904 val="0"/>
+  <c:lang val="zh-CN"/>
+  <c:roundedCorners val="0"/>
+  <mc:AlternateContent xmlns:mc="http://schemas.openxmlformats.org/markup-compatibility/2006">
+    <mc:Choice xmlns:c14="http://schemas.microsoft.com/office/drawing/2007/8/2/chart" Requires="c14">
+      <c14:style val="102"/>
+    </mc:Choice>
+    <mc:Fallback>
+      <c:style val="2"/>
+    </mc:Fallback>
+  </mc:AlternateContent>
+  <c:chart>
+    <c:autoTitleDeleted val="1"/>
+    <c:plotArea>
+      <c:layout>
+        <c:manualLayout>
+          <c:layoutTarget val="inner"/>
+          <c:xMode val="edge"/>
+          <c:yMode val="edge"/>
+          <c:x val="3.9487081692913387E-2"/>
+          <c:y val="2.3988372047959398E-2"/>
+          <c:w val="0.94801291830708656"/>
+          <c:h val="0.91405838373164472"/>
+        </c:manualLayout>
+      </c:layout>
+      <c:lineChart>
+        <c:grouping val="standard"/>
+        <c:varyColors val="0"/>
+        <c:ser>
+          <c:idx val="0"/>
+          <c:order val="0"/>
+          <c:tx>
+            <c:strRef>
+              <c:f>Sheet1!$B$1</c:f>
+              <c:strCache>
+                <c:ptCount val="1"/>
+                <c:pt idx="0">
+                  <c:v>系列 1</c:v>
+                </c:pt>
+              </c:strCache>
+            </c:strRef>
+          </c:tx>
+          <c:spPr>
+            <a:ln w="28575" cap="rnd">
+              <a:gradFill>
+                <a:gsLst>
+                  <a:gs pos="0">
+                    <a:schemeClr val="accent2">
+                      <a:lumMod val="50000"/>
+                    </a:schemeClr>
+                  </a:gs>
+                  <a:gs pos="40000">
+                    <a:schemeClr val="accent2">
+                      <a:lumMod val="75000"/>
+                    </a:schemeClr>
+                  </a:gs>
+                  <a:gs pos="83000">
+                    <a:schemeClr val="accent2">
+                      <a:lumMod val="60000"/>
+                      <a:lumOff val="40000"/>
+                    </a:schemeClr>
+                  </a:gs>
+                  <a:gs pos="100000">
+                    <a:schemeClr val="accent2">
+                      <a:lumMod val="20000"/>
+                      <a:lumOff val="80000"/>
+                    </a:schemeClr>
+                  </a:gs>
+                </a:gsLst>
+                <a:lin ang="0" scaled="0"/>
+              </a:gradFill>
+              <a:round/>
+            </a:ln>
+            <a:effectLst/>
+          </c:spPr>
+          <c:marker>
+            <c:symbol val="none"/>
+          </c:marker>
+          <c:dPt>
+            <c:idx val="6"/>
+            <c:marker>
+              <c:symbol val="none"/>
+            </c:marker>
+            <c:bubble3D val="0"/>
+            <c:extLst>
+              <c:ext xmlns:c16="http://schemas.microsoft.com/office/drawing/2014/chart" uri="{C3380CC4-5D6E-409C-BE32-E72D297353CC}">
+                <c16:uniqueId val="{00000004-C544-47C7-93B3-37A49F08283C}"/>
+              </c:ext>
+            </c:extLst>
+          </c:dPt>
+          <c:cat>
+            <c:strRef>
+              <c:f>Sheet1!$A$2:$A$9</c:f>
+              <c:strCache>
+                <c:ptCount val="8"/>
+                <c:pt idx="0">
+                  <c:v>A</c:v>
+                </c:pt>
+                <c:pt idx="1">
+                  <c:v>B</c:v>
+                </c:pt>
+                <c:pt idx="2">
+                  <c:v>C</c:v>
+                </c:pt>
+                <c:pt idx="3">
+                  <c:v>D</c:v>
+                </c:pt>
+                <c:pt idx="4">
+                  <c:v>E</c:v>
+                </c:pt>
+                <c:pt idx="5">
+                  <c:v>F</c:v>
+                </c:pt>
+                <c:pt idx="6">
+                  <c:v>G</c:v>
+                </c:pt>
+                <c:pt idx="7">
+                  <c:v>H</c:v>
+                </c:pt>
+              </c:strCache>
+            </c:strRef>
+          </c:cat>
+          <c:val>
+            <c:numRef>
+              <c:f>Sheet1!$B$2:$B$9</c:f>
+              <c:numCache>
+                <c:formatCode>General</c:formatCode>
+                <c:ptCount val="8"/>
+                <c:pt idx="0">
+                  <c:v>4.3</c:v>
+                </c:pt>
+                <c:pt idx="1">
+                  <c:v>2.5</c:v>
+                </c:pt>
+                <c:pt idx="2">
+                  <c:v>3.5</c:v>
+                </c:pt>
+                <c:pt idx="3">
+                  <c:v>4.5</c:v>
+                </c:pt>
+                <c:pt idx="4">
+                  <c:v>2</c:v>
+                </c:pt>
+                <c:pt idx="5">
+                  <c:v>2</c:v>
+                </c:pt>
+                <c:pt idx="6">
+                  <c:v>3</c:v>
+                </c:pt>
+                <c:pt idx="7">
+                  <c:v>5</c:v>
+                </c:pt>
+              </c:numCache>
+            </c:numRef>
+          </c:val>
+          <c:smooth val="1"/>
+          <c:extLst>
+            <c:ext xmlns:c16="http://schemas.microsoft.com/office/drawing/2014/chart" uri="{C3380CC4-5D6E-409C-BE32-E72D297353CC}">
+              <c16:uniqueId val="{00000000-C544-47C7-93B3-37A49F08283C}"/>
+            </c:ext>
+          </c:extLst>
+        </c:ser>
+        <c:dLbls>
+          <c:showLegendKey val="0"/>
+          <c:showVal val="0"/>
+          <c:showCatName val="0"/>
+          <c:showSerName val="0"/>
+          <c:showPercent val="0"/>
+          <c:showBubbleSize val="0"/>
+        </c:dLbls>
+        <c:smooth val="0"/>
+        <c:axId val="818925791"/>
+        <c:axId val="818929951"/>
+      </c:lineChart>
+      <c:catAx>
+        <c:axId val="818925791"/>
+        <c:scaling>
+          <c:orientation val="minMax"/>
+        </c:scaling>
+        <c:delete val="0"/>
+        <c:axPos val="b"/>
+        <c:minorGridlines>
+          <c:spPr>
+            <a:ln w="9525" cap="flat" cmpd="sng" algn="ctr">
+              <a:solidFill>
+                <a:schemeClr val="tx1">
+                  <a:lumMod val="65000"/>
+                  <a:lumOff val="35000"/>
+                </a:schemeClr>
+              </a:solidFill>
+              <a:prstDash val="dash"/>
+              <a:round/>
+            </a:ln>
+            <a:effectLst/>
+          </c:spPr>
+        </c:minorGridlines>
+        <c:numFmt formatCode="General" sourceLinked="1"/>
+        <c:majorTickMark val="none"/>
+        <c:minorTickMark val="none"/>
+        <c:tickLblPos val="nextTo"/>
+        <c:spPr>
+          <a:noFill/>
+          <a:ln w="9525" cap="flat" cmpd="sng" algn="ctr">
+            <a:solidFill>
+              <a:schemeClr val="tx1">
+                <a:lumMod val="15000"/>
+                <a:lumOff val="85000"/>
+              </a:schemeClr>
+            </a:solidFill>
+            <a:round/>
+          </a:ln>
+          <a:effectLst/>
+        </c:spPr>
+        <c:txPr>
+          <a:bodyPr rot="-60000000" spcFirstLastPara="1" vertOverflow="ellipsis" vert="horz" wrap="square" anchor="ctr" anchorCtr="1"/>
+          <a:lstStyle/>
+          <a:p>
+            <a:pPr>
+              <a:defRPr sz="1197" b="0" i="0" u="none" strike="noStrike" kern="1200" baseline="0">
+                <a:solidFill>
+                  <a:schemeClr val="bg1"/>
+                </a:solidFill>
+                <a:latin typeface="+mn-lt"/>
+                <a:ea typeface="+mn-ea"/>
+                <a:cs typeface="+mn-cs"/>
+              </a:defRPr>
+            </a:pPr>
+            <a:endParaRPr lang="zh-CN"/>
+          </a:p>
+        </c:txPr>
+        <c:crossAx val="818929951"/>
+        <c:crosses val="autoZero"/>
+        <c:auto val="1"/>
+        <c:lblAlgn val="ctr"/>
+        <c:lblOffset val="100"/>
+        <c:noMultiLvlLbl val="0"/>
+      </c:catAx>
+      <c:valAx>
+        <c:axId val="818929951"/>
+        <c:scaling>
+          <c:orientation val="minMax"/>
+        </c:scaling>
+        <c:delete val="0"/>
+        <c:axPos val="l"/>
+        <c:majorGridlines>
+          <c:spPr>
+            <a:ln w="9525" cap="flat" cmpd="sng" algn="ctr">
+              <a:solidFill>
+                <a:schemeClr val="tx1">
+                  <a:lumMod val="65000"/>
+                  <a:lumOff val="35000"/>
+                </a:schemeClr>
+              </a:solidFill>
+              <a:prstDash val="dash"/>
+              <a:round/>
+            </a:ln>
+            <a:effectLst/>
+          </c:spPr>
+        </c:majorGridlines>
+        <c:numFmt formatCode="General" sourceLinked="1"/>
+        <c:majorTickMark val="none"/>
+        <c:minorTickMark val="none"/>
+        <c:tickLblPos val="nextTo"/>
+        <c:spPr>
+          <a:noFill/>
+          <a:ln>
+            <a:noFill/>
+          </a:ln>
+          <a:effectLst/>
+        </c:spPr>
+        <c:txPr>
+          <a:bodyPr rot="-60000000" spcFirstLastPara="1" vertOverflow="ellipsis" vert="horz" wrap="square" anchor="ctr" anchorCtr="1"/>
+          <a:lstStyle/>
+          <a:p>
+            <a:pPr>
+              <a:defRPr sz="1197" b="0" i="0" u="none" strike="noStrike" kern="1200" baseline="0">
+                <a:solidFill>
+                  <a:schemeClr val="bg1"/>
+                </a:solidFill>
+                <a:latin typeface="+mn-lt"/>
+                <a:ea typeface="+mn-ea"/>
+                <a:cs typeface="+mn-cs"/>
+              </a:defRPr>
+            </a:pPr>
+            <a:endParaRPr lang="zh-CN"/>
+          </a:p>
+        </c:txPr>
+        <c:crossAx val="818925791"/>
+        <c:crosses val="autoZero"/>
+        <c:crossBetween val="between"/>
+      </c:valAx>
+      <c:spPr>
+        <a:noFill/>
+        <a:ln>
+          <a:solidFill>
+            <a:schemeClr val="tx1"/>
+          </a:solidFill>
+        </a:ln>
+        <a:effectLst/>
+      </c:spPr>
+    </c:plotArea>
+    <c:plotVisOnly val="1"/>
+    <c:dispBlanksAs val="gap"/>
+    <c:showDLblsOverMax val="0"/>
+  </c:chart>
+  <c:spPr>
+    <a:solidFill>
+      <a:schemeClr val="tx1">
+        <a:lumMod val="50000"/>
+        <a:lumOff val="50000"/>
+      </a:schemeClr>
+    </a:solidFill>
+    <a:ln>
+      <a:noFill/>
+    </a:ln>
+    <a:effectLst/>
+  </c:spPr>
+  <c:txPr>
+    <a:bodyPr/>
+    <a:lstStyle/>
+    <a:p>
+      <a:pPr>
+        <a:defRPr/>
+      </a:pPr>
+      <a:endParaRPr lang="zh-CN"/>
+    </a:p>
+  </c:txPr>
+  <c:externalData r:id="rId3">
+    <c:autoUpdate val="0"/>
+  </c:externalData>
+</c:chartSpace>
+</file>
+
+<file path=ppt/charts/chart5.xml><?xml version="1.0" encoding="utf-8"?>
+<c:chartSpace xmlns:c="http://schemas.openxmlformats.org/drawingml/2006/chart" xmlns:a="http://schemas.openxmlformats.org/drawingml/2006/main" xmlns:r="http://schemas.openxmlformats.org/officeDocument/2006/relationships" xmlns:c16r2="http://schemas.microsoft.com/office/drawing/2015/06/chart">
+  <c:date1904 val="0"/>
+  <c:lang val="zh-CN"/>
+  <c:roundedCorners val="0"/>
+  <mc:AlternateContent xmlns:mc="http://schemas.openxmlformats.org/markup-compatibility/2006">
+    <mc:Choice xmlns:c14="http://schemas.microsoft.com/office/drawing/2007/8/2/chart" Requires="c14">
+      <c14:style val="102"/>
+    </mc:Choice>
+    <mc:Fallback>
+      <c:style val="2"/>
+    </mc:Fallback>
+  </mc:AlternateContent>
+  <c:chart>
+    <c:autoTitleDeleted val="1"/>
+    <c:plotArea>
+      <c:layout/>
+      <c:doughnutChart>
+        <c:varyColors val="1"/>
+        <c:ser>
+          <c:idx val="0"/>
+          <c:order val="0"/>
+          <c:tx>
+            <c:strRef>
+              <c:f>Sheet1!$B$1</c:f>
+              <c:strCache>
+                <c:ptCount val="1"/>
+                <c:pt idx="0">
+                  <c:v>销售额</c:v>
+                </c:pt>
+              </c:strCache>
+            </c:strRef>
+          </c:tx>
+          <c:dPt>
+            <c:idx val="0"/>
+            <c:bubble3D val="0"/>
+            <c:spPr>
+              <a:noFill/>
+              <a:ln w="19050">
+                <a:noFill/>
+              </a:ln>
+              <a:effectLst/>
+            </c:spPr>
+            <c:extLst>
+              <c:ext xmlns:c16="http://schemas.microsoft.com/office/drawing/2014/chart" uri="{C3380CC4-5D6E-409C-BE32-E72D297353CC}">
+                <c16:uniqueId val="{00000001-EDB4-412E-ADB2-4032FCCF26C9}"/>
+              </c:ext>
+            </c:extLst>
+          </c:dPt>
+          <c:dPt>
+            <c:idx val="1"/>
+            <c:bubble3D val="0"/>
+            <c:spPr>
+              <a:solidFill>
+                <a:schemeClr val="accent2"/>
+              </a:solidFill>
+              <a:ln w="19050">
+                <a:solidFill>
+                  <a:schemeClr val="lt1"/>
+                </a:solidFill>
+              </a:ln>
+              <a:effectLst/>
+            </c:spPr>
+          </c:dPt>
+          <c:dPt>
+            <c:idx val="2"/>
+            <c:bubble3D val="0"/>
+            <c:spPr>
+              <a:solidFill>
+                <a:schemeClr val="accent3"/>
+              </a:solidFill>
+              <a:ln w="19050">
+                <a:solidFill>
+                  <a:schemeClr val="lt1"/>
+                </a:solidFill>
+              </a:ln>
+              <a:effectLst/>
+            </c:spPr>
+          </c:dPt>
+          <c:dPt>
+            <c:idx val="3"/>
+            <c:bubble3D val="0"/>
+            <c:spPr>
+              <a:solidFill>
+                <a:schemeClr val="accent4"/>
+              </a:solidFill>
+              <a:ln w="19050">
+                <a:solidFill>
+                  <a:schemeClr val="lt1"/>
+                </a:solidFill>
+              </a:ln>
+              <a:effectLst/>
+            </c:spPr>
+          </c:dPt>
+          <c:cat>
+            <c:strRef>
+              <c:f>Sheet1!$A$2:$A$5</c:f>
+              <c:strCache>
+                <c:ptCount val="4"/>
+                <c:pt idx="0">
+                  <c:v>第一季度</c:v>
+                </c:pt>
+                <c:pt idx="1">
+                  <c:v>第二季度</c:v>
+                </c:pt>
+                <c:pt idx="2">
+                  <c:v>第三季度</c:v>
+                </c:pt>
+                <c:pt idx="3">
+                  <c:v>第四季度</c:v>
+                </c:pt>
+              </c:strCache>
+            </c:strRef>
+          </c:cat>
+          <c:val>
+            <c:numRef>
+              <c:f>Sheet1!$B$2:$B$5</c:f>
+              <c:numCache>
+                <c:formatCode>General</c:formatCode>
+                <c:ptCount val="4"/>
+                <c:pt idx="0">
+                  <c:v>8.1999999999999993</c:v>
+                </c:pt>
+                <c:pt idx="1">
+                  <c:v>3.2</c:v>
+                </c:pt>
+                <c:pt idx="2">
+                  <c:v>1.4</c:v>
+                </c:pt>
+                <c:pt idx="3">
+                  <c:v>1.2</c:v>
+                </c:pt>
+              </c:numCache>
+            </c:numRef>
+          </c:val>
+          <c:extLst>
+            <c:ext xmlns:c16="http://schemas.microsoft.com/office/drawing/2014/chart" uri="{C3380CC4-5D6E-409C-BE32-E72D297353CC}">
+              <c16:uniqueId val="{00000000-EDB4-412E-ADB2-4032FCCF26C9}"/>
+            </c:ext>
+          </c:extLst>
+        </c:ser>
+        <c:dLbls>
+          <c:showLegendKey val="0"/>
+          <c:showVal val="0"/>
+          <c:showCatName val="0"/>
+          <c:showSerName val="0"/>
+          <c:showPercent val="0"/>
+          <c:showBubbleSize val="0"/>
+          <c:showLeaderLines val="1"/>
+        </c:dLbls>
+        <c:firstSliceAng val="0"/>
+        <c:holeSize val="90"/>
+      </c:doughnutChart>
+      <c:spPr>
+        <a:noFill/>
+        <a:ln>
+          <a:noFill/>
+        </a:ln>
+        <a:effectLst/>
+      </c:spPr>
+    </c:plotArea>
+    <c:plotVisOnly val="1"/>
+    <c:dispBlanksAs val="gap"/>
+    <c:showDLblsOverMax val="0"/>
+  </c:chart>
+  <c:spPr>
+    <a:noFill/>
+    <a:ln>
+      <a:noFill/>
+    </a:ln>
+    <a:effectLst/>
+  </c:spPr>
+  <c:txPr>
+    <a:bodyPr/>
+    <a:lstStyle/>
+    <a:p>
+      <a:pPr>
+        <a:defRPr/>
+      </a:pPr>
+      <a:endParaRPr lang="zh-CN"/>
+    </a:p>
+  </c:txPr>
+  <c:externalData r:id="rId3">
+    <c:autoUpdate val="0"/>
+  </c:externalData>
+</c:chartSpace>
+</file>
+
+<file path=ppt/charts/colors1.xml><?xml version="1.0" encoding="utf-8"?>
+<cs:colorStyle xmlns:cs="http://schemas.microsoft.com/office/drawing/2012/chartStyle" xmlns:a="http://schemas.openxmlformats.org/drawingml/2006/main" meth="cycle" id="10">
+  <a:schemeClr val="accent1"/>
+  <a:schemeClr val="accent2"/>
+  <a:schemeClr val="accent3"/>
+  <a:schemeClr val="accent4"/>
+  <a:schemeClr val="accent5"/>
+  <a:schemeClr val="accent6"/>
+  <cs:variation/>
+  <cs:variation>
+    <a:lumMod val="60000"/>
+  </cs:variation>
+  <cs:variation>
+    <a:lumMod val="80000"/>
+    <a:lumOff val="20000"/>
+  </cs:variation>
+  <cs:variation>
+    <a:lumMod val="80000"/>
+  </cs:variation>
+  <cs:variation>
+    <a:lumMod val="60000"/>
+    <a:lumOff val="40000"/>
+  </cs:variation>
+  <cs:variation>
+    <a:lumMod val="50000"/>
+  </cs:variation>
+  <cs:variation>
+    <a:lumMod val="70000"/>
+    <a:lumOff val="30000"/>
+  </cs:variation>
+  <cs:variation>
+    <a:lumMod val="70000"/>
+  </cs:variation>
+  <cs:variation>
+    <a:lumMod val="50000"/>
+    <a:lumOff val="50000"/>
+  </cs:variation>
+</cs:colorStyle>
+</file>
+
+<file path=ppt/charts/colors2.xml><?xml version="1.0" encoding="utf-8"?>
+<cs:colorStyle xmlns:cs="http://schemas.microsoft.com/office/drawing/2012/chartStyle" xmlns:a="http://schemas.openxmlformats.org/drawingml/2006/main" meth="cycle" id="10">
+  <a:schemeClr val="accent1"/>
+  <a:schemeClr val="accent2"/>
+  <a:schemeClr val="accent3"/>
+  <a:schemeClr val="accent4"/>
+  <a:schemeClr val="accent5"/>
+  <a:schemeClr val="accent6"/>
+  <cs:variation/>
+  <cs:variation>
+    <a:lumMod val="60000"/>
+  </cs:variation>
+  <cs:variation>
+    <a:lumMod val="80000"/>
+    <a:lumOff val="20000"/>
+  </cs:variation>
+  <cs:variation>
+    <a:lumMod val="80000"/>
+  </cs:variation>
+  <cs:variation>
+    <a:lumMod val="60000"/>
+    <a:lumOff val="40000"/>
+  </cs:variation>
+  <cs:variation>
+    <a:lumMod val="50000"/>
+  </cs:variation>
+  <cs:variation>
+    <a:lumMod val="70000"/>
+    <a:lumOff val="30000"/>
+  </cs:variation>
+  <cs:variation>
+    <a:lumMod val="70000"/>
+  </cs:variation>
+  <cs:variation>
+    <a:lumMod val="50000"/>
+    <a:lumOff val="50000"/>
+  </cs:variation>
+</cs:colorStyle>
+</file>
+
+<file path=ppt/charts/colors3.xml><?xml version="1.0" encoding="utf-8"?>
+<cs:colorStyle xmlns:cs="http://schemas.microsoft.com/office/drawing/2012/chartStyle" xmlns:a="http://schemas.openxmlformats.org/drawingml/2006/main" meth="cycle" id="10">
+  <a:schemeClr val="accent1"/>
+  <a:schemeClr val="accent2"/>
+  <a:schemeClr val="accent3"/>
+  <a:schemeClr val="accent4"/>
+  <a:schemeClr val="accent5"/>
+  <a:schemeClr val="accent6"/>
+  <cs:variation/>
+  <cs:variation>
+    <a:lumMod val="60000"/>
+  </cs:variation>
+  <cs:variation>
+    <a:lumMod val="80000"/>
+    <a:lumOff val="20000"/>
+  </cs:variation>
+  <cs:variation>
+    <a:lumMod val="80000"/>
+  </cs:variation>
+  <cs:variation>
+    <a:lumMod val="60000"/>
+    <a:lumOff val="40000"/>
+  </cs:variation>
+  <cs:variation>
+    <a:lumMod val="50000"/>
+  </cs:variation>
+  <cs:variation>
+    <a:lumMod val="70000"/>
+    <a:lumOff val="30000"/>
+  </cs:variation>
+  <cs:variation>
+    <a:lumMod val="70000"/>
+  </cs:variation>
+  <cs:variation>
+    <a:lumMod val="50000"/>
+    <a:lumOff val="50000"/>
+  </cs:variation>
+</cs:colorStyle>
+</file>
+
+<file path=ppt/charts/colors4.xml><?xml version="1.0" encoding="utf-8"?>
+<cs:colorStyle xmlns:cs="http://schemas.microsoft.com/office/drawing/2012/chartStyle" xmlns:a="http://schemas.openxmlformats.org/drawingml/2006/main" meth="cycle" id="10">
+  <a:schemeClr val="accent1"/>
+  <a:schemeClr val="accent2"/>
+  <a:schemeClr val="accent3"/>
+  <a:schemeClr val="accent4"/>
+  <a:schemeClr val="accent5"/>
+  <a:schemeClr val="accent6"/>
+  <cs:variation/>
+  <cs:variation>
+    <a:lumMod val="60000"/>
+  </cs:variation>
+  <cs:variation>
+    <a:lumMod val="80000"/>
+    <a:lumOff val="20000"/>
+  </cs:variation>
+  <cs:variation>
+    <a:lumMod val="80000"/>
+  </cs:variation>
+  <cs:variation>
+    <a:lumMod val="60000"/>
+    <a:lumOff val="40000"/>
+  </cs:variation>
+  <cs:variation>
+    <a:lumMod val="50000"/>
+  </cs:variation>
+  <cs:variation>
+    <a:lumMod val="70000"/>
+    <a:lumOff val="30000"/>
+  </cs:variation>
+  <cs:variation>
+    <a:lumMod val="70000"/>
+  </cs:variation>
+  <cs:variation>
+    <a:lumMod val="50000"/>
+    <a:lumOff val="50000"/>
+  </cs:variation>
+</cs:colorStyle>
+</file>
+
+<file path=ppt/charts/colors5.xml><?xml version="1.0" encoding="utf-8"?>
+<cs:colorStyle xmlns:cs="http://schemas.microsoft.com/office/drawing/2012/chartStyle" xmlns:a="http://schemas.openxmlformats.org/drawingml/2006/main" meth="cycle" id="10">
+  <a:schemeClr val="accent1"/>
+  <a:schemeClr val="accent2"/>
+  <a:schemeClr val="accent3"/>
+  <a:schemeClr val="accent4"/>
+  <a:schemeClr val="accent5"/>
+  <a:schemeClr val="accent6"/>
+  <cs:variation/>
+  <cs:variation>
+    <a:lumMod val="60000"/>
+  </cs:variation>
+  <cs:variation>
+    <a:lumMod val="80000"/>
+    <a:lumOff val="20000"/>
+  </cs:variation>
+  <cs:variation>
+    <a:lumMod val="80000"/>
+  </cs:variation>
+  <cs:variation>
+    <a:lumMod val="60000"/>
+    <a:lumOff val="40000"/>
+  </cs:variation>
+  <cs:variation>
+    <a:lumMod val="50000"/>
+  </cs:variation>
+  <cs:variation>
+    <a:lumMod val="70000"/>
+    <a:lumOff val="30000"/>
+  </cs:variation>
+  <cs:variation>
+    <a:lumMod val="70000"/>
+  </cs:variation>
+  <cs:variation>
+    <a:lumMod val="50000"/>
+    <a:lumOff val="50000"/>
+  </cs:variation>
+</cs:colorStyle>
+</file>
+
+<file path=ppt/charts/style1.xml><?xml version="1.0" encoding="utf-8"?>
+<cs:chartStyle xmlns:cs="http://schemas.microsoft.com/office/drawing/2012/chartStyle" xmlns:a="http://schemas.openxmlformats.org/drawingml/2006/main" id="201">
+  <cs:axisTitle>
+    <cs:lnRef idx="0"/>
+    <cs:fillRef idx="0"/>
+    <cs:effectRef idx="0"/>
+    <cs:fontRef idx="minor">
+      <a:schemeClr val="tx1">
+        <a:lumMod val="65000"/>
+        <a:lumOff val="35000"/>
+      </a:schemeClr>
+    </cs:fontRef>
+    <cs:defRPr sz="1330" kern="1200"/>
+  </cs:axisTitle>
+  <cs:categoryAxis>
+    <cs:lnRef idx="0"/>
+    <cs:fillRef idx="0"/>
+    <cs:effectRef idx="0"/>
+    <cs:fontRef idx="minor">
+      <a:schemeClr val="tx1">
+        <a:lumMod val="65000"/>
+        <a:lumOff val="35000"/>
+      </a:schemeClr>
+    </cs:fontRef>
+    <cs:spPr>
+      <a:ln w="9525" cap="flat" cmpd="sng" algn="ctr">
+        <a:solidFill>
+          <a:schemeClr val="tx1">
+            <a:lumMod val="15000"/>
+            <a:lumOff val="85000"/>
+          </a:schemeClr>
+        </a:solidFill>
+        <a:round/>
+      </a:ln>
+    </cs:spPr>
+    <cs:defRPr sz="1197" kern="1200"/>
+  </cs:categoryAxis>
+  <cs:chartArea mods="allowNoFillOverride allowNoLineOverride">
+    <cs:lnRef idx="0"/>
+    <cs:fillRef idx="0"/>
+    <cs:effectRef idx="0"/>
+    <cs:fontRef idx="minor">
+      <a:schemeClr val="tx1"/>
+    </cs:fontRef>
+    <cs:spPr>
+      <a:solidFill>
+        <a:schemeClr val="bg1"/>
+      </a:solidFill>
+      <a:ln w="9525" cap="flat" cmpd="sng" algn="ctr">
+        <a:solidFill>
+          <a:schemeClr val="tx1">
+            <a:lumMod val="15000"/>
+            <a:lumOff val="85000"/>
+          </a:schemeClr>
+        </a:solidFill>
+        <a:round/>
+      </a:ln>
+    </cs:spPr>
+    <cs:defRPr sz="1330" kern="1200"/>
+  </cs:chartArea>
+  <cs:dataLabel>
+    <cs:lnRef idx="0"/>
+    <cs:fillRef idx="0"/>
+    <cs:effectRef idx="0"/>
+    <cs:fontRef idx="minor">
+      <a:schemeClr val="tx1">
+        <a:lumMod val="75000"/>
+        <a:lumOff val="25000"/>
+      </a:schemeClr>
+    </cs:fontRef>
+    <cs:defRPr sz="1197" kern="1200"/>
+  </cs:dataLabel>
+  <cs:dataLabelCallout>
+    <cs:lnRef idx="0"/>
+    <cs:fillRef idx="0"/>
+    <cs:effectRef idx="0"/>
+    <cs:fontRef idx="minor">
+      <a:schemeClr val="dk1">
+        <a:lumMod val="65000"/>
+        <a:lumOff val="35000"/>
+      </a:schemeClr>
+    </cs:fontRef>
+    <cs:spPr>
+      <a:solidFill>
+        <a:schemeClr val="lt1"/>
+      </a:solidFill>
+      <a:ln>
+        <a:solidFill>
+          <a:schemeClr val="dk1">
+            <a:lumMod val="25000"/>
+            <a:lumOff val="75000"/>
+          </a:schemeClr>
+        </a:solidFill>
+      </a:ln>
+    </cs:spPr>
+    <cs:defRPr sz="1197" kern="1200"/>
+    <cs:bodyPr rot="0" spcFirstLastPara="1" vertOverflow="clip" horzOverflow="clip" vert="horz" wrap="square" lIns="36576" tIns="18288" rIns="36576" bIns="18288" anchor="ctr" anchorCtr="1">
+      <a:spAutoFit/>
+    </cs:bodyPr>
+  </cs:dataLabelCallout>
+  <cs:dataPoint>
+    <cs:lnRef idx="0"/>
+    <cs:fillRef idx="1">
+      <cs:styleClr val="auto"/>
+    </cs:fillRef>
+    <cs:effectRef idx="0"/>
+    <cs:fontRef idx="minor">
+      <a:schemeClr val="tx1"/>
+    </cs:fontRef>
+  </cs:dataPoint>
+  <cs:dataPoint3D>
+    <cs:lnRef idx="0"/>
+    <cs:fillRef idx="1">
+      <cs:styleClr val="auto"/>
+    </cs:fillRef>
+    <cs:effectRef idx="0"/>
+    <cs:fontRef idx="minor">
+      <a:schemeClr val="tx1"/>
+    </cs:fontRef>
+  </cs:dataPoint3D>
+  <cs:dataPointLine>
+    <cs:lnRef idx="0">
+      <cs:styleClr val="auto"/>
+    </cs:lnRef>
+    <cs:fillRef idx="1"/>
+    <cs:effectRef idx="0"/>
+    <cs:fontRef idx="minor">
+      <a:schemeClr val="tx1"/>
+    </cs:fontRef>
+    <cs:spPr>
+      <a:ln w="28575" cap="rnd">
+        <a:solidFill>
+          <a:schemeClr val="phClr"/>
+        </a:solidFill>
+        <a:round/>
+      </a:ln>
+    </cs:spPr>
+  </cs:dataPointLine>
+  <cs:dataPointMarker>
+    <cs:lnRef idx="0">
+      <cs:styleClr val="auto"/>
+    </cs:lnRef>
+    <cs:fillRef idx="1">
+      <cs:styleClr val="auto"/>
+    </cs:fillRef>
+    <cs:effectRef idx="0"/>
+    <cs:fontRef idx="minor">
+      <a:schemeClr val="tx1"/>
+    </cs:fontRef>
+    <cs:spPr>
+      <a:ln w="9525">
+        <a:solidFill>
+          <a:schemeClr val="phClr"/>
+        </a:solidFill>
+      </a:ln>
+    </cs:spPr>
+  </cs:dataPointMarker>
+  <cs:dataPointMarkerLayout symbol="circle" size="5"/>
+  <cs:dataPointWireframe>
+    <cs:lnRef idx="0">
+      <cs:styleClr val="auto"/>
+    </cs:lnRef>
+    <cs:fillRef idx="1"/>
+    <cs:effectRef idx="0"/>
+    <cs:fontRef idx="minor">
+      <a:schemeClr val="tx1"/>
+    </cs:fontRef>
+    <cs:spPr>
+      <a:ln w="9525" cap="rnd">
+        <a:solidFill>
+          <a:schemeClr val="phClr"/>
+        </a:solidFill>
+        <a:round/>
+      </a:ln>
+    </cs:spPr>
+  </cs:dataPointWireframe>
+  <cs:dataTable>
+    <cs:lnRef idx="0"/>
+    <cs:fillRef idx="0"/>
+    <cs:effectRef idx="0"/>
+    <cs:fontRef idx="minor">
+      <a:schemeClr val="tx1">
+        <a:lumMod val="65000"/>
+        <a:lumOff val="35000"/>
+      </a:schemeClr>
+    </cs:fontRef>
+    <cs:spPr>
+      <a:noFill/>
+      <a:ln w="9525" cap="flat" cmpd="sng" algn="ctr">
+        <a:solidFill>
+          <a:schemeClr val="tx1">
+            <a:lumMod val="15000"/>
+            <a:lumOff val="85000"/>
+          </a:schemeClr>
+        </a:solidFill>
+        <a:round/>
+      </a:ln>
+    </cs:spPr>
+    <cs:defRPr sz="1197" kern="1200"/>
+  </cs:dataTable>
+  <cs:downBar>
+    <cs:lnRef idx="0"/>
+    <cs:fillRef idx="0"/>
+    <cs:effectRef idx="0"/>
+    <cs:fontRef idx="minor">
+      <a:schemeClr val="dk1"/>
+    </cs:fontRef>
+    <cs:spPr>
+      <a:solidFill>
+        <a:schemeClr val="dk1">
+          <a:lumMod val="65000"/>
+          <a:lumOff val="35000"/>
+        </a:schemeClr>
+      </a:solidFill>
+      <a:ln w="9525">
+        <a:solidFill>
+          <a:schemeClr val="tx1">
+            <a:lumMod val="65000"/>
+            <a:lumOff val="35000"/>
+          </a:schemeClr>
+        </a:solidFill>
+      </a:ln>
+    </cs:spPr>
+  </cs:downBar>
+  <cs:dropLine>
+    <cs:lnRef idx="0"/>
+    <cs:fillRef idx="0"/>
+    <cs:effectRef idx="0"/>
+    <cs:fontRef idx="minor">
+      <a:schemeClr val="tx1"/>
+    </cs:fontRef>
+    <cs:spPr>
+      <a:ln w="9525" cap="flat" cmpd="sng" algn="ctr">
+        <a:solidFill>
+          <a:schemeClr val="tx1">
+            <a:lumMod val="35000"/>
+            <a:lumOff val="65000"/>
+          </a:schemeClr>
+        </a:solidFill>
+        <a:round/>
+      </a:ln>
+    </cs:spPr>
+  </cs:dropLine>
+  <cs:errorBar>
+    <cs:lnRef idx="0"/>
+    <cs:fillRef idx="0"/>
+    <cs:effectRef idx="0"/>
+    <cs:fontRef idx="minor">
+      <a:schemeClr val="tx1"/>
+    </cs:fontRef>
+    <cs:spPr>
+      <a:ln w="9525" cap="flat" cmpd="sng" algn="ctr">
+        <a:solidFill>
+          <a:schemeClr val="tx1">
+            <a:lumMod val="65000"/>
+            <a:lumOff val="35000"/>
+          </a:schemeClr>
+        </a:solidFill>
+        <a:round/>
+      </a:ln>
+    </cs:spPr>
+  </cs:errorBar>
+  <cs:floor>
+    <cs:lnRef idx="0"/>
+    <cs:fillRef idx="0"/>
+    <cs:effectRef idx="0"/>
+    <cs:fontRef idx="minor">
+      <a:schemeClr val="tx1"/>
+    </cs:fontRef>
+    <cs:spPr>
+      <a:noFill/>
+      <a:ln>
+        <a:noFill/>
+      </a:ln>
+    </cs:spPr>
+  </cs:floor>
+  <cs:gridlineMajor>
+    <cs:lnRef idx="0"/>
+    <cs:fillRef idx="0"/>
+    <cs:effectRef idx="0"/>
+    <cs:fontRef idx="minor">
+      <a:schemeClr val="tx1"/>
+    </cs:fontRef>
+    <cs:spPr>
+      <a:ln w="9525" cap="flat" cmpd="sng" algn="ctr">
+        <a:solidFill>
+          <a:schemeClr val="tx1">
+            <a:lumMod val="15000"/>
+            <a:lumOff val="85000"/>
+          </a:schemeClr>
+        </a:solidFill>
+        <a:round/>
+      </a:ln>
+    </cs:spPr>
+  </cs:gridlineMajor>
+  <cs:gridlineMinor>
+    <cs:lnRef idx="0"/>
+    <cs:fillRef idx="0"/>
+    <cs:effectRef idx="0"/>
+    <cs:fontRef idx="minor">
+      <a:schemeClr val="tx1"/>
+    </cs:fontRef>
+    <cs:spPr>
+      <a:ln w="9525" cap="flat" cmpd="sng" algn="ctr">
+        <a:solidFill>
+          <a:schemeClr val="tx1">
+            <a:lumMod val="5000"/>
+            <a:lumOff val="95000"/>
+          </a:schemeClr>
+        </a:solidFill>
+        <a:round/>
+      </a:ln>
+    </cs:spPr>
+  </cs:gridlineMinor>
+  <cs:hiLoLine>
+    <cs:lnRef idx="0"/>
+    <cs:fillRef idx="0"/>
+    <cs:effectRef idx="0"/>
+    <cs:fontRef idx="minor">
+      <a:schemeClr val="tx1"/>
+    </cs:fontRef>
+    <cs:spPr>
+      <a:ln w="9525" cap="flat" cmpd="sng" algn="ctr">
+        <a:solidFill>
+          <a:schemeClr val="tx1">
+            <a:lumMod val="75000"/>
+            <a:lumOff val="25000"/>
+          </a:schemeClr>
+        </a:solidFill>
+        <a:round/>
+      </a:ln>
+    </cs:spPr>
+  </cs:hiLoLine>
+  <cs:leaderLine>
+    <cs:lnRef idx="0"/>
+    <cs:fillRef idx="0"/>
+    <cs:effectRef idx="0"/>
+    <cs:fontRef idx="minor">
+      <a:schemeClr val="tx1"/>
+    </cs:fontRef>
+    <cs:spPr>
+      <a:ln w="9525" cap="flat" cmpd="sng" algn="ctr">
+        <a:solidFill>
+          <a:schemeClr val="tx1">
+            <a:lumMod val="35000"/>
+            <a:lumOff val="65000"/>
+          </a:schemeClr>
+        </a:solidFill>
+        <a:round/>
+      </a:ln>
+    </cs:spPr>
+  </cs:leaderLine>
+  <cs:legend>
+    <cs:lnRef idx="0"/>
+    <cs:fillRef idx="0"/>
+    <cs:effectRef idx="0"/>
+    <cs:fontRef idx="minor">
+      <a:schemeClr val="tx1">
+        <a:lumMod val="65000"/>
+        <a:lumOff val="35000"/>
+      </a:schemeClr>
+    </cs:fontRef>
+    <cs:defRPr sz="1197" kern="1200"/>
+  </cs:legend>
+  <cs:plotArea mods="allowNoFillOverride allowNoLineOverride">
+    <cs:lnRef idx="0"/>
+    <cs:fillRef idx="0"/>
+    <cs:effectRef idx="0"/>
+    <cs:fontRef idx="minor">
+      <a:schemeClr val="tx1"/>
+    </cs:fontRef>
+  </cs:plotArea>
+  <cs:plotArea3D mods="allowNoFillOverride allowNoLineOverride">
+    <cs:lnRef idx="0"/>
+    <cs:fillRef idx="0"/>
+    <cs:effectRef idx="0"/>
+    <cs:fontRef idx="minor">
+      <a:schemeClr val="tx1"/>
+    </cs:fontRef>
+  </cs:plotArea3D>
+  <cs:seriesAxis>
+    <cs:lnRef idx="0"/>
+    <cs:fillRef idx="0"/>
+    <cs:effectRef idx="0"/>
+    <cs:fontRef idx="minor">
+      <a:schemeClr val="tx1">
+        <a:lumMod val="65000"/>
+        <a:lumOff val="35000"/>
+      </a:schemeClr>
+    </cs:fontRef>
+    <cs:defRPr sz="1197" kern="1200"/>
+  </cs:seriesAxis>
+  <cs:seriesLine>
+    <cs:lnRef idx="0"/>
+    <cs:fillRef idx="0"/>
+    <cs:effectRef idx="0"/>
+    <cs:fontRef idx="minor">
+      <a:schemeClr val="tx1"/>
+    </cs:fontRef>
+    <cs:spPr>
+      <a:ln w="9525" cap="flat" cmpd="sng" algn="ctr">
+        <a:solidFill>
+          <a:schemeClr val="tx1">
+            <a:lumMod val="35000"/>
+            <a:lumOff val="65000"/>
+          </a:schemeClr>
+        </a:solidFill>
+        <a:round/>
+      </a:ln>
+    </cs:spPr>
+  </cs:seriesLine>
+  <cs:title>
+    <cs:lnRef idx="0"/>
+    <cs:fillRef idx="0"/>
+    <cs:effectRef idx="0"/>
+    <cs:fontRef idx="minor">
+      <a:schemeClr val="tx1">
+        <a:lumMod val="65000"/>
+        <a:lumOff val="35000"/>
+      </a:schemeClr>
+    </cs:fontRef>
+    <cs:defRPr sz="1862" b="0" kern="1200" spc="0" baseline="0"/>
+  </cs:title>
+  <cs:trendline>
+    <cs:lnRef idx="0">
+      <cs:styleClr val="auto"/>
+    </cs:lnRef>
+    <cs:fillRef idx="0"/>
+    <cs:effectRef idx="0"/>
+    <cs:fontRef idx="minor">
+      <a:schemeClr val="tx1"/>
+    </cs:fontRef>
+    <cs:spPr>
+      <a:ln w="19050" cap="rnd">
+        <a:solidFill>
+          <a:schemeClr val="phClr"/>
+        </a:solidFill>
+        <a:prstDash val="sysDot"/>
+      </a:ln>
+    </cs:spPr>
+  </cs:trendline>
+  <cs:trendlineLabel>
+    <cs:lnRef idx="0"/>
+    <cs:fillRef idx="0"/>
+    <cs:effectRef idx="0"/>
+    <cs:fontRef idx="minor">
+      <a:schemeClr val="tx1">
+        <a:lumMod val="65000"/>
+        <a:lumOff val="35000"/>
+      </a:schemeClr>
+    </cs:fontRef>
+    <cs:defRPr sz="1197" kern="1200"/>
+  </cs:trendlineLabel>
+  <cs:upBar>
+    <cs:lnRef idx="0"/>
+    <cs:fillRef idx="0"/>
+    <cs:effectRef idx="0"/>
+    <cs:fontRef idx="minor">
+      <a:schemeClr val="dk1"/>
+    </cs:fontRef>
+    <cs:spPr>
+      <a:solidFill>
+        <a:schemeClr val="lt1"/>
+      </a:solidFill>
+      <a:ln w="9525">
+        <a:solidFill>
+          <a:schemeClr val="tx1">
+            <a:lumMod val="15000"/>
+            <a:lumOff val="85000"/>
+          </a:schemeClr>
+        </a:solidFill>
+      </a:ln>
+    </cs:spPr>
+  </cs:upBar>
+  <cs:valueAxis>
+    <cs:lnRef idx="0"/>
+    <cs:fillRef idx="0"/>
+    <cs:effectRef idx="0"/>
+    <cs:fontRef idx="minor">
+      <a:schemeClr val="tx1">
+        <a:lumMod val="65000"/>
+        <a:lumOff val="35000"/>
+      </a:schemeClr>
+    </cs:fontRef>
+    <cs:defRPr sz="1197" kern="1200"/>
+  </cs:valueAxis>
+  <cs:wall>
+    <cs:lnRef idx="0"/>
+    <cs:fillRef idx="0"/>
+    <cs:effectRef idx="0"/>
+    <cs:fontRef idx="minor">
+      <a:schemeClr val="tx1"/>
+    </cs:fontRef>
+    <cs:spPr>
+      <a:noFill/>
+      <a:ln>
+        <a:noFill/>
+      </a:ln>
+    </cs:spPr>
+  </cs:wall>
+</cs:chartStyle>
+</file>
+
+<file path=ppt/charts/style2.xml><?xml version="1.0" encoding="utf-8"?>
+<cs:chartStyle xmlns:cs="http://schemas.microsoft.com/office/drawing/2012/chartStyle" xmlns:a="http://schemas.openxmlformats.org/drawingml/2006/main" id="201">
+  <cs:axisTitle>
+    <cs:lnRef idx="0"/>
+    <cs:fillRef idx="0"/>
+    <cs:effectRef idx="0"/>
+    <cs:fontRef idx="minor">
+      <a:schemeClr val="tx1">
+        <a:lumMod val="65000"/>
+        <a:lumOff val="35000"/>
+      </a:schemeClr>
+    </cs:fontRef>
+    <cs:defRPr sz="1330" kern="1200"/>
+  </cs:axisTitle>
+  <cs:categoryAxis>
+    <cs:lnRef idx="0"/>
+    <cs:fillRef idx="0"/>
+    <cs:effectRef idx="0"/>
+    <cs:fontRef idx="minor">
+      <a:schemeClr val="tx1">
+        <a:lumMod val="65000"/>
+        <a:lumOff val="35000"/>
+      </a:schemeClr>
+    </cs:fontRef>
+    <cs:spPr>
+      <a:ln w="9525" cap="flat" cmpd="sng" algn="ctr">
+        <a:solidFill>
+          <a:schemeClr val="tx1">
+            <a:lumMod val="15000"/>
+            <a:lumOff val="85000"/>
+          </a:schemeClr>
+        </a:solidFill>
+        <a:round/>
+      </a:ln>
+    </cs:spPr>
+    <cs:defRPr sz="1197" kern="1200"/>
+  </cs:categoryAxis>
+  <cs:chartArea mods="allowNoFillOverride allowNoLineOverride">
+    <cs:lnRef idx="0"/>
+    <cs:fillRef idx="0"/>
+    <cs:effectRef idx="0"/>
+    <cs:fontRef idx="minor">
+      <a:schemeClr val="tx1"/>
+    </cs:fontRef>
+    <cs:spPr>
+      <a:solidFill>
+        <a:schemeClr val="bg1"/>
+      </a:solidFill>
+      <a:ln w="9525" cap="flat" cmpd="sng" algn="ctr">
+        <a:solidFill>
+          <a:schemeClr val="tx1">
+            <a:lumMod val="15000"/>
+            <a:lumOff val="85000"/>
+          </a:schemeClr>
+        </a:solidFill>
+        <a:round/>
+      </a:ln>
+    </cs:spPr>
+    <cs:defRPr sz="1330" kern="1200"/>
+  </cs:chartArea>
+  <cs:dataLabel>
+    <cs:lnRef idx="0"/>
+    <cs:fillRef idx="0"/>
+    <cs:effectRef idx="0"/>
+    <cs:fontRef idx="minor">
+      <a:schemeClr val="tx1">
+        <a:lumMod val="75000"/>
+        <a:lumOff val="25000"/>
+      </a:schemeClr>
+    </cs:fontRef>
+    <cs:defRPr sz="1197" kern="1200"/>
+  </cs:dataLabel>
+  <cs:dataLabelCallout>
+    <cs:lnRef idx="0"/>
+    <cs:fillRef idx="0"/>
+    <cs:effectRef idx="0"/>
+    <cs:fontRef idx="minor">
+      <a:schemeClr val="dk1">
+        <a:lumMod val="65000"/>
+        <a:lumOff val="35000"/>
+      </a:schemeClr>
+    </cs:fontRef>
+    <cs:spPr>
+      <a:solidFill>
+        <a:schemeClr val="lt1"/>
+      </a:solidFill>
+      <a:ln>
+        <a:solidFill>
+          <a:schemeClr val="dk1">
+            <a:lumMod val="25000"/>
+            <a:lumOff val="75000"/>
+          </a:schemeClr>
+        </a:solidFill>
+      </a:ln>
+    </cs:spPr>
+    <cs:defRPr sz="1197" kern="1200"/>
+    <cs:bodyPr rot="0" spcFirstLastPara="1" vertOverflow="clip" horzOverflow="clip" vert="horz" wrap="square" lIns="36576" tIns="18288" rIns="36576" bIns="18288" anchor="ctr" anchorCtr="1">
+      <a:spAutoFit/>
+    </cs:bodyPr>
+  </cs:dataLabelCallout>
+  <cs:dataPoint>
+    <cs:lnRef idx="0"/>
+    <cs:fillRef idx="1">
+      <cs:styleClr val="auto"/>
+    </cs:fillRef>
+    <cs:effectRef idx="0"/>
+    <cs:fontRef idx="minor">
+      <a:schemeClr val="tx1"/>
+    </cs:fontRef>
+  </cs:dataPoint>
+  <cs:dataPoint3D>
+    <cs:lnRef idx="0"/>
+    <cs:fillRef idx="1">
+      <cs:styleClr val="auto"/>
+    </cs:fillRef>
+    <cs:effectRef idx="0"/>
+    <cs:fontRef idx="minor">
+      <a:schemeClr val="tx1"/>
+    </cs:fontRef>
+  </cs:dataPoint3D>
+  <cs:dataPointLine>
+    <cs:lnRef idx="0">
+      <cs:styleClr val="auto"/>
+    </cs:lnRef>
+    <cs:fillRef idx="1"/>
+    <cs:effectRef idx="0"/>
+    <cs:fontRef idx="minor">
+      <a:schemeClr val="tx1"/>
+    </cs:fontRef>
+    <cs:spPr>
+      <a:ln w="28575" cap="rnd">
+        <a:solidFill>
+          <a:schemeClr val="phClr"/>
+        </a:solidFill>
+        <a:round/>
+      </a:ln>
+    </cs:spPr>
+  </cs:dataPointLine>
+  <cs:dataPointMarker>
+    <cs:lnRef idx="0">
+      <cs:styleClr val="auto"/>
+    </cs:lnRef>
+    <cs:fillRef idx="1">
+      <cs:styleClr val="auto"/>
+    </cs:fillRef>
+    <cs:effectRef idx="0"/>
+    <cs:fontRef idx="minor">
+      <a:schemeClr val="tx1"/>
+    </cs:fontRef>
+    <cs:spPr>
+      <a:ln w="9525">
+        <a:solidFill>
+          <a:schemeClr val="phClr"/>
+        </a:solidFill>
+      </a:ln>
+    </cs:spPr>
+  </cs:dataPointMarker>
+  <cs:dataPointMarkerLayout symbol="circle" size="5"/>
+  <cs:dataPointWireframe>
+    <cs:lnRef idx="0">
+      <cs:styleClr val="auto"/>
+    </cs:lnRef>
+    <cs:fillRef idx="1"/>
+    <cs:effectRef idx="0"/>
+    <cs:fontRef idx="minor">
+      <a:schemeClr val="tx1"/>
+    </cs:fontRef>
+    <cs:spPr>
+      <a:ln w="9525" cap="rnd">
+        <a:solidFill>
+          <a:schemeClr val="phClr"/>
+        </a:solidFill>
+        <a:round/>
+      </a:ln>
+    </cs:spPr>
+  </cs:dataPointWireframe>
+  <cs:dataTable>
+    <cs:lnRef idx="0"/>
+    <cs:fillRef idx="0"/>
+    <cs:effectRef idx="0"/>
+    <cs:fontRef idx="minor">
+      <a:schemeClr val="tx1">
+        <a:lumMod val="65000"/>
+        <a:lumOff val="35000"/>
+      </a:schemeClr>
+    </cs:fontRef>
+    <cs:spPr>
+      <a:noFill/>
+      <a:ln w="9525" cap="flat" cmpd="sng" algn="ctr">
+        <a:solidFill>
+          <a:schemeClr val="tx1">
+            <a:lumMod val="15000"/>
+            <a:lumOff val="85000"/>
+          </a:schemeClr>
+        </a:solidFill>
+        <a:round/>
+      </a:ln>
+    </cs:spPr>
+    <cs:defRPr sz="1197" kern="1200"/>
+  </cs:dataTable>
+  <cs:downBar>
+    <cs:lnRef idx="0"/>
+    <cs:fillRef idx="0"/>
+    <cs:effectRef idx="0"/>
+    <cs:fontRef idx="minor">
+      <a:schemeClr val="dk1"/>
+    </cs:fontRef>
+    <cs:spPr>
+      <a:solidFill>
+        <a:schemeClr val="dk1">
+          <a:lumMod val="65000"/>
+          <a:lumOff val="35000"/>
+        </a:schemeClr>
+      </a:solidFill>
+      <a:ln w="9525">
+        <a:solidFill>
+          <a:schemeClr val="tx1">
+            <a:lumMod val="65000"/>
+            <a:lumOff val="35000"/>
+          </a:schemeClr>
+        </a:solidFill>
+      </a:ln>
+    </cs:spPr>
+  </cs:downBar>
+  <cs:dropLine>
+    <cs:lnRef idx="0"/>
+    <cs:fillRef idx="0"/>
+    <cs:effectRef idx="0"/>
+    <cs:fontRef idx="minor">
+      <a:schemeClr val="tx1"/>
+    </cs:fontRef>
+    <cs:spPr>
+      <a:ln w="9525" cap="flat" cmpd="sng" algn="ctr">
+        <a:solidFill>
+          <a:schemeClr val="tx1">
+            <a:lumMod val="35000"/>
+            <a:lumOff val="65000"/>
+          </a:schemeClr>
+        </a:solidFill>
+        <a:round/>
+      </a:ln>
+    </cs:spPr>
+  </cs:dropLine>
+  <cs:errorBar>
+    <cs:lnRef idx="0"/>
+    <cs:fillRef idx="0"/>
+    <cs:effectRef idx="0"/>
+    <cs:fontRef idx="minor">
+      <a:schemeClr val="tx1"/>
+    </cs:fontRef>
+    <cs:spPr>
+      <a:ln w="9525" cap="flat" cmpd="sng" algn="ctr">
+        <a:solidFill>
+          <a:schemeClr val="tx1">
+            <a:lumMod val="65000"/>
+            <a:lumOff val="35000"/>
+          </a:schemeClr>
+        </a:solidFill>
+        <a:round/>
+      </a:ln>
+    </cs:spPr>
+  </cs:errorBar>
+  <cs:floor>
+    <cs:lnRef idx="0"/>
+    <cs:fillRef idx="0"/>
+    <cs:effectRef idx="0"/>
+    <cs:fontRef idx="minor">
+      <a:schemeClr val="tx1"/>
+    </cs:fontRef>
+    <cs:spPr>
+      <a:noFill/>
+      <a:ln>
+        <a:noFill/>
+      </a:ln>
+    </cs:spPr>
+  </cs:floor>
+  <cs:gridlineMajor>
+    <cs:lnRef idx="0"/>
+    <cs:fillRef idx="0"/>
+    <cs:effectRef idx="0"/>
+    <cs:fontRef idx="minor">
+      <a:schemeClr val="tx1"/>
+    </cs:fontRef>
+    <cs:spPr>
+      <a:ln w="9525" cap="flat" cmpd="sng" algn="ctr">
+        <a:solidFill>
+          <a:schemeClr val="tx1">
+            <a:lumMod val="15000"/>
+            <a:lumOff val="85000"/>
+          </a:schemeClr>
+        </a:solidFill>
+        <a:round/>
+      </a:ln>
+    </cs:spPr>
+  </cs:gridlineMajor>
+  <cs:gridlineMinor>
+    <cs:lnRef idx="0"/>
+    <cs:fillRef idx="0"/>
+    <cs:effectRef idx="0"/>
+    <cs:fontRef idx="minor">
+      <a:schemeClr val="tx1"/>
+    </cs:fontRef>
+    <cs:spPr>
+      <a:ln w="9525" cap="flat" cmpd="sng" algn="ctr">
+        <a:solidFill>
+          <a:schemeClr val="tx1">
+            <a:lumMod val="5000"/>
+            <a:lumOff val="95000"/>
+          </a:schemeClr>
+        </a:solidFill>
+        <a:round/>
+      </a:ln>
+    </cs:spPr>
+  </cs:gridlineMinor>
+  <cs:hiLoLine>
+    <cs:lnRef idx="0"/>
+    <cs:fillRef idx="0"/>
+    <cs:effectRef idx="0"/>
+    <cs:fontRef idx="minor">
+      <a:schemeClr val="tx1"/>
+    </cs:fontRef>
+    <cs:spPr>
+      <a:ln w="9525" cap="flat" cmpd="sng" algn="ctr">
+        <a:solidFill>
+          <a:schemeClr val="tx1">
+            <a:lumMod val="75000"/>
+            <a:lumOff val="25000"/>
+          </a:schemeClr>
+        </a:solidFill>
+        <a:round/>
+      </a:ln>
+    </cs:spPr>
+  </cs:hiLoLine>
+  <cs:leaderLine>
+    <cs:lnRef idx="0"/>
+    <cs:fillRef idx="0"/>
+    <cs:effectRef idx="0"/>
+    <cs:fontRef idx="minor">
+      <a:schemeClr val="tx1"/>
+    </cs:fontRef>
+    <cs:spPr>
+      <a:ln w="9525" cap="flat" cmpd="sng" algn="ctr">
+        <a:solidFill>
+          <a:schemeClr val="tx1">
+            <a:lumMod val="35000"/>
+            <a:lumOff val="65000"/>
+          </a:schemeClr>
+        </a:solidFill>
+        <a:round/>
+      </a:ln>
+    </cs:spPr>
+  </cs:leaderLine>
+  <cs:legend>
+    <cs:lnRef idx="0"/>
+    <cs:fillRef idx="0"/>
+    <cs:effectRef idx="0"/>
+    <cs:fontRef idx="minor">
+      <a:schemeClr val="tx1">
+        <a:lumMod val="65000"/>
+        <a:lumOff val="35000"/>
+      </a:schemeClr>
+    </cs:fontRef>
+    <cs:defRPr sz="1197" kern="1200"/>
+  </cs:legend>
+  <cs:plotArea mods="allowNoFillOverride allowNoLineOverride">
+    <cs:lnRef idx="0"/>
+    <cs:fillRef idx="0"/>
+    <cs:effectRef idx="0"/>
+    <cs:fontRef idx="minor">
+      <a:schemeClr val="tx1"/>
+    </cs:fontRef>
+  </cs:plotArea>
+  <cs:plotArea3D mods="allowNoFillOverride allowNoLineOverride">
+    <cs:lnRef idx="0"/>
+    <cs:fillRef idx="0"/>
+    <cs:effectRef idx="0"/>
+    <cs:fontRef idx="minor">
+      <a:schemeClr val="tx1"/>
+    </cs:fontRef>
+  </cs:plotArea3D>
+  <cs:seriesAxis>
+    <cs:lnRef idx="0"/>
+    <cs:fillRef idx="0"/>
+    <cs:effectRef idx="0"/>
+    <cs:fontRef idx="minor">
+      <a:schemeClr val="tx1">
+        <a:lumMod val="65000"/>
+        <a:lumOff val="35000"/>
+      </a:schemeClr>
+    </cs:fontRef>
+    <cs:defRPr sz="1197" kern="1200"/>
+  </cs:seriesAxis>
+  <cs:seriesLine>
+    <cs:lnRef idx="0"/>
+    <cs:fillRef idx="0"/>
+    <cs:effectRef idx="0"/>
+    <cs:fontRef idx="minor">
+      <a:schemeClr val="tx1"/>
+    </cs:fontRef>
+    <cs:spPr>
+      <a:ln w="9525" cap="flat" cmpd="sng" algn="ctr">
+        <a:solidFill>
+          <a:schemeClr val="tx1">
+            <a:lumMod val="35000"/>
+            <a:lumOff val="65000"/>
+          </a:schemeClr>
+        </a:solidFill>
+        <a:round/>
+      </a:ln>
+    </cs:spPr>
+  </cs:seriesLine>
+  <cs:title>
+    <cs:lnRef idx="0"/>
+    <cs:fillRef idx="0"/>
+    <cs:effectRef idx="0"/>
+    <cs:fontRef idx="minor">
+      <a:schemeClr val="tx1">
+        <a:lumMod val="65000"/>
+        <a:lumOff val="35000"/>
+      </a:schemeClr>
+    </cs:fontRef>
+    <cs:defRPr sz="1862" b="0" kern="1200" spc="0" baseline="0"/>
+  </cs:title>
+  <cs:trendline>
+    <cs:lnRef idx="0">
+      <cs:styleClr val="auto"/>
+    </cs:lnRef>
+    <cs:fillRef idx="0"/>
+    <cs:effectRef idx="0"/>
+    <cs:fontRef idx="minor">
+      <a:schemeClr val="tx1"/>
+    </cs:fontRef>
+    <cs:spPr>
+      <a:ln w="19050" cap="rnd">
+        <a:solidFill>
+          <a:schemeClr val="phClr"/>
+        </a:solidFill>
+        <a:prstDash val="sysDot"/>
+      </a:ln>
+    </cs:spPr>
+  </cs:trendline>
+  <cs:trendlineLabel>
+    <cs:lnRef idx="0"/>
+    <cs:fillRef idx="0"/>
+    <cs:effectRef idx="0"/>
+    <cs:fontRef idx="minor">
+      <a:schemeClr val="tx1">
+        <a:lumMod val="65000"/>
+        <a:lumOff val="35000"/>
+      </a:schemeClr>
+    </cs:fontRef>
+    <cs:defRPr sz="1197" kern="1200"/>
+  </cs:trendlineLabel>
+  <cs:upBar>
+    <cs:lnRef idx="0"/>
+    <cs:fillRef idx="0"/>
+    <cs:effectRef idx="0"/>
+    <cs:fontRef idx="minor">
+      <a:schemeClr val="dk1"/>
+    </cs:fontRef>
+    <cs:spPr>
+      <a:solidFill>
+        <a:schemeClr val="lt1"/>
+      </a:solidFill>
+      <a:ln w="9525">
+        <a:solidFill>
+          <a:schemeClr val="tx1">
+            <a:lumMod val="15000"/>
+            <a:lumOff val="85000"/>
+          </a:schemeClr>
+        </a:solidFill>
+      </a:ln>
+    </cs:spPr>
+  </cs:upBar>
+  <cs:valueAxis>
+    <cs:lnRef idx="0"/>
+    <cs:fillRef idx="0"/>
+    <cs:effectRef idx="0"/>
+    <cs:fontRef idx="minor">
+      <a:schemeClr val="tx1">
+        <a:lumMod val="65000"/>
+        <a:lumOff val="35000"/>
+      </a:schemeClr>
+    </cs:fontRef>
+    <cs:defRPr sz="1197" kern="1200"/>
+  </cs:valueAxis>
+  <cs:wall>
+    <cs:lnRef idx="0"/>
+    <cs:fillRef idx="0"/>
+    <cs:effectRef idx="0"/>
+    <cs:fontRef idx="minor">
+      <a:schemeClr val="tx1"/>
+    </cs:fontRef>
+    <cs:spPr>
+      <a:noFill/>
+      <a:ln>
+        <a:noFill/>
+      </a:ln>
+    </cs:spPr>
+  </cs:wall>
+</cs:chartStyle>
+</file>
+
+<file path=ppt/charts/style3.xml><?xml version="1.0" encoding="utf-8"?>
+<cs:chartStyle xmlns:cs="http://schemas.microsoft.com/office/drawing/2012/chartStyle" xmlns:a="http://schemas.openxmlformats.org/drawingml/2006/main" id="227">
+  <cs:axisTitle>
+    <cs:lnRef idx="0"/>
+    <cs:fillRef idx="0"/>
+    <cs:effectRef idx="0"/>
+    <cs:fontRef idx="minor">
+      <a:schemeClr val="tx1">
+        <a:lumMod val="65000"/>
+        <a:lumOff val="35000"/>
+      </a:schemeClr>
+    </cs:fontRef>
+    <cs:defRPr sz="1330" kern="1200"/>
+  </cs:axisTitle>
+  <cs:categoryAxis>
+    <cs:lnRef idx="0"/>
+    <cs:fillRef idx="0"/>
+    <cs:effectRef idx="0"/>
+    <cs:fontRef idx="minor">
+      <a:schemeClr val="tx1">
+        <a:lumMod val="65000"/>
+        <a:lumOff val="35000"/>
+      </a:schemeClr>
+    </cs:fontRef>
+    <cs:spPr>
+      <a:ln w="9525" cap="flat" cmpd="sng" algn="ctr">
+        <a:solidFill>
+          <a:schemeClr val="tx1">
+            <a:lumMod val="15000"/>
+            <a:lumOff val="85000"/>
+          </a:schemeClr>
+        </a:solidFill>
+        <a:round/>
+      </a:ln>
+    </cs:spPr>
+    <cs:defRPr sz="1197" kern="1200"/>
+  </cs:categoryAxis>
+  <cs:chartArea mods="allowNoFillOverride allowNoLineOverride">
+    <cs:lnRef idx="0"/>
+    <cs:fillRef idx="0"/>
+    <cs:effectRef idx="0"/>
+    <cs:fontRef idx="minor">
+      <a:schemeClr val="tx1"/>
+    </cs:fontRef>
+    <cs:spPr>
+      <a:solidFill>
+        <a:schemeClr val="bg1"/>
+      </a:solidFill>
+      <a:ln w="9525" cap="flat" cmpd="sng" algn="ctr">
+        <a:solidFill>
+          <a:schemeClr val="tx1">
+            <a:lumMod val="15000"/>
+            <a:lumOff val="85000"/>
+          </a:schemeClr>
+        </a:solidFill>
+        <a:round/>
+      </a:ln>
+    </cs:spPr>
+    <cs:defRPr sz="1330" kern="1200"/>
+  </cs:chartArea>
+  <cs:dataLabel>
+    <cs:lnRef idx="0"/>
+    <cs:fillRef idx="0"/>
+    <cs:effectRef idx="0"/>
+    <cs:fontRef idx="minor">
+      <a:schemeClr val="tx1">
+        <a:lumMod val="75000"/>
+        <a:lumOff val="25000"/>
+      </a:schemeClr>
+    </cs:fontRef>
+    <cs:defRPr sz="1197" kern="1200"/>
+  </cs:dataLabel>
+  <cs:dataLabelCallout>
+    <cs:lnRef idx="0"/>
+    <cs:fillRef idx="0"/>
+    <cs:effectRef idx="0"/>
+    <cs:fontRef idx="minor">
+      <a:schemeClr val="dk1">
+        <a:lumMod val="65000"/>
+        <a:lumOff val="35000"/>
+      </a:schemeClr>
+    </cs:fontRef>
+    <cs:spPr>
+      <a:solidFill>
+        <a:schemeClr val="lt1"/>
+      </a:solidFill>
+      <a:ln>
+        <a:solidFill>
+          <a:schemeClr val="dk1">
+            <a:lumMod val="25000"/>
+            <a:lumOff val="75000"/>
+          </a:schemeClr>
+        </a:solidFill>
+      </a:ln>
+    </cs:spPr>
+    <cs:defRPr sz="1197" kern="1200"/>
+    <cs:bodyPr rot="0" spcFirstLastPara="1" vertOverflow="clip" horzOverflow="clip" vert="horz" wrap="square" lIns="36576" tIns="18288" rIns="36576" bIns="18288" anchor="ctr" anchorCtr="1">
+      <a:spAutoFit/>
+    </cs:bodyPr>
+  </cs:dataLabelCallout>
+  <cs:dataPoint>
+    <cs:lnRef idx="0"/>
+    <cs:fillRef idx="1">
+      <cs:styleClr val="auto"/>
+    </cs:fillRef>
+    <cs:effectRef idx="0"/>
+    <cs:fontRef idx="minor">
+      <a:schemeClr val="tx1"/>
+    </cs:fontRef>
+    <cs:spPr>
+      <a:solidFill>
+        <a:schemeClr val="phClr"/>
+      </a:solidFill>
+    </cs:spPr>
+  </cs:dataPoint>
+  <cs:dataPoint3D>
+    <cs:lnRef idx="0"/>
+    <cs:fillRef idx="1">
+      <cs:styleClr val="auto"/>
+    </cs:fillRef>
+    <cs:effectRef idx="0"/>
+    <cs:fontRef idx="minor">
+      <a:schemeClr val="tx1"/>
+    </cs:fontRef>
+    <cs:spPr>
+      <a:solidFill>
+        <a:schemeClr val="phClr"/>
+      </a:solidFill>
+    </cs:spPr>
+  </cs:dataPoint3D>
+  <cs:dataPointLine>
+    <cs:lnRef idx="0">
+      <cs:styleClr val="auto"/>
+    </cs:lnRef>
+    <cs:fillRef idx="1"/>
+    <cs:effectRef idx="0"/>
+    <cs:fontRef idx="minor">
+      <a:schemeClr val="tx1"/>
+    </cs:fontRef>
+    <cs:spPr>
+      <a:ln w="28575" cap="rnd">
+        <a:solidFill>
+          <a:schemeClr val="phClr"/>
+        </a:solidFill>
+        <a:round/>
+      </a:ln>
+    </cs:spPr>
+  </cs:dataPointLine>
+  <cs:dataPointMarker>
+    <cs:lnRef idx="0">
+      <cs:styleClr val="auto"/>
+    </cs:lnRef>
+    <cs:fillRef idx="1">
+      <cs:styleClr val="auto"/>
+    </cs:fillRef>
+    <cs:effectRef idx="0"/>
+    <cs:fontRef idx="minor">
+      <a:schemeClr val="tx1"/>
+    </cs:fontRef>
+    <cs:spPr>
+      <a:solidFill>
+        <a:schemeClr val="phClr"/>
+      </a:solidFill>
+      <a:ln w="9525">
+        <a:solidFill>
+          <a:schemeClr val="phClr"/>
+        </a:solidFill>
+      </a:ln>
+    </cs:spPr>
+  </cs:dataPointMarker>
+  <cs:dataPointMarkerLayout symbol="circle" size="5"/>
+  <cs:dataPointWireframe>
+    <cs:lnRef idx="0">
+      <cs:styleClr val="auto"/>
+    </cs:lnRef>
+    <cs:fillRef idx="1"/>
+    <cs:effectRef idx="0"/>
+    <cs:fontRef idx="minor">
+      <a:schemeClr val="tx1"/>
+    </cs:fontRef>
+    <cs:spPr>
+      <a:ln w="9525" cap="rnd">
+        <a:solidFill>
+          <a:schemeClr val="phClr"/>
+        </a:solidFill>
+        <a:round/>
+      </a:ln>
+    </cs:spPr>
+  </cs:dataPointWireframe>
+  <cs:dataTable>
+    <cs:lnRef idx="0"/>
+    <cs:fillRef idx="0"/>
+    <cs:effectRef idx="0"/>
+    <cs:fontRef idx="minor">
+      <a:schemeClr val="tx1">
+        <a:lumMod val="65000"/>
+        <a:lumOff val="35000"/>
+      </a:schemeClr>
+    </cs:fontRef>
+    <cs:spPr>
+      <a:noFill/>
+      <a:ln w="9525" cap="flat" cmpd="sng" algn="ctr">
+        <a:solidFill>
+          <a:schemeClr val="tx1">
+            <a:lumMod val="15000"/>
+            <a:lumOff val="85000"/>
+          </a:schemeClr>
+        </a:solidFill>
+        <a:round/>
+      </a:ln>
+    </cs:spPr>
+    <cs:defRPr sz="1197" kern="1200"/>
+  </cs:dataTable>
+  <cs:downBar>
+    <cs:lnRef idx="0"/>
+    <cs:fillRef idx="0"/>
+    <cs:effectRef idx="0"/>
+    <cs:fontRef idx="minor">
+      <a:schemeClr val="dk1"/>
+    </cs:fontRef>
+    <cs:spPr>
+      <a:solidFill>
+        <a:schemeClr val="dk1">
+          <a:lumMod val="65000"/>
+          <a:lumOff val="35000"/>
+        </a:schemeClr>
+      </a:solidFill>
+      <a:ln w="9525">
+        <a:solidFill>
+          <a:schemeClr val="tx1">
+            <a:lumMod val="65000"/>
+            <a:lumOff val="35000"/>
+          </a:schemeClr>
+        </a:solidFill>
+      </a:ln>
+    </cs:spPr>
+  </cs:downBar>
+  <cs:dropLine>
+    <cs:lnRef idx="0"/>
+    <cs:fillRef idx="0"/>
+    <cs:effectRef idx="0"/>
+    <cs:fontRef idx="minor">
+      <a:schemeClr val="tx1"/>
+    </cs:fontRef>
+    <cs:spPr>
+      <a:ln w="9525" cap="flat" cmpd="sng" algn="ctr">
+        <a:solidFill>
+          <a:schemeClr val="tx1">
+            <a:lumMod val="35000"/>
+            <a:lumOff val="65000"/>
+          </a:schemeClr>
+        </a:solidFill>
+        <a:round/>
+      </a:ln>
+    </cs:spPr>
+  </cs:dropLine>
+  <cs:errorBar>
+    <cs:lnRef idx="0"/>
+    <cs:fillRef idx="0"/>
+    <cs:effectRef idx="0"/>
+    <cs:fontRef idx="minor">
+      <a:schemeClr val="tx1"/>
+    </cs:fontRef>
+    <cs:spPr>
+      <a:ln w="9525" cap="flat" cmpd="sng" algn="ctr">
+        <a:solidFill>
+          <a:schemeClr val="tx1">
+            <a:lumMod val="65000"/>
+            <a:lumOff val="35000"/>
+          </a:schemeClr>
+        </a:solidFill>
+        <a:round/>
+      </a:ln>
+    </cs:spPr>
+  </cs:errorBar>
+  <cs:floor>
+    <cs:lnRef idx="0"/>
+    <cs:fillRef idx="0"/>
+    <cs:effectRef idx="0"/>
+    <cs:fontRef idx="minor">
+      <a:schemeClr val="tx1"/>
+    </cs:fontRef>
+    <cs:spPr>
+      <a:noFill/>
+      <a:ln>
+        <a:noFill/>
+      </a:ln>
+    </cs:spPr>
+  </cs:floor>
+  <cs:gridlineMajor>
+    <cs:lnRef idx="0"/>
+    <cs:fillRef idx="0"/>
+    <cs:effectRef idx="0"/>
+    <cs:fontRef idx="minor">
+      <a:schemeClr val="tx1"/>
+    </cs:fontRef>
+    <cs:spPr>
+      <a:ln w="9525" cap="flat" cmpd="sng" algn="ctr">
+        <a:solidFill>
+          <a:schemeClr val="tx1">
+            <a:lumMod val="15000"/>
+            <a:lumOff val="85000"/>
+          </a:schemeClr>
+        </a:solidFill>
+        <a:round/>
+      </a:ln>
+    </cs:spPr>
+  </cs:gridlineMajor>
+  <cs:gridlineMinor>
+    <cs:lnRef idx="0"/>
+    <cs:fillRef idx="0"/>
+    <cs:effectRef idx="0"/>
+    <cs:fontRef idx="minor">
+      <a:schemeClr val="tx1"/>
+    </cs:fontRef>
+    <cs:spPr>
+      <a:ln w="9525" cap="flat" cmpd="sng" algn="ctr">
+        <a:solidFill>
+          <a:schemeClr val="tx1">
+            <a:lumMod val="5000"/>
+            <a:lumOff val="95000"/>
+          </a:schemeClr>
+        </a:solidFill>
+        <a:round/>
+      </a:ln>
+    </cs:spPr>
+  </cs:gridlineMinor>
+  <cs:hiLoLine>
+    <cs:lnRef idx="0"/>
+    <cs:fillRef idx="0"/>
+    <cs:effectRef idx="0"/>
+    <cs:fontRef idx="minor">
+      <a:schemeClr val="tx1"/>
+    </cs:fontRef>
+    <cs:spPr>
+      <a:ln w="9525" cap="flat" cmpd="sng" algn="ctr">
+        <a:solidFill>
+          <a:schemeClr val="tx1">
+            <a:lumMod val="75000"/>
+            <a:lumOff val="25000"/>
+          </a:schemeClr>
+        </a:solidFill>
+        <a:round/>
+      </a:ln>
+    </cs:spPr>
+  </cs:hiLoLine>
+  <cs:leaderLine>
+    <cs:lnRef idx="0"/>
+    <cs:fillRef idx="0"/>
+    <cs:effectRef idx="0"/>
+    <cs:fontRef idx="minor">
+      <a:schemeClr val="tx1"/>
+    </cs:fontRef>
+    <cs:spPr>
+      <a:ln w="9525" cap="flat" cmpd="sng" algn="ctr">
+        <a:solidFill>
+          <a:schemeClr val="tx1">
+            <a:lumMod val="35000"/>
+            <a:lumOff val="65000"/>
+          </a:schemeClr>
+        </a:solidFill>
+        <a:round/>
+      </a:ln>
+    </cs:spPr>
+  </cs:leaderLine>
+  <cs:legend>
+    <cs:lnRef idx="0"/>
+    <cs:fillRef idx="0"/>
+    <cs:effectRef idx="0"/>
+    <cs:fontRef idx="minor">
+      <a:schemeClr val="tx1">
+        <a:lumMod val="65000"/>
+        <a:lumOff val="35000"/>
+      </a:schemeClr>
+    </cs:fontRef>
+    <cs:defRPr sz="1197" kern="1200"/>
+  </cs:legend>
+  <cs:plotArea mods="allowNoFillOverride allowNoLineOverride">
+    <cs:lnRef idx="0"/>
+    <cs:fillRef idx="0"/>
+    <cs:effectRef idx="0"/>
+    <cs:fontRef idx="minor">
+      <a:schemeClr val="tx1"/>
+    </cs:fontRef>
+  </cs:plotArea>
+  <cs:plotArea3D mods="allowNoFillOverride allowNoLineOverride">
+    <cs:lnRef idx="0"/>
+    <cs:fillRef idx="0"/>
+    <cs:effectRef idx="0"/>
+    <cs:fontRef idx="minor">
+      <a:schemeClr val="tx1"/>
+    </cs:fontRef>
+  </cs:plotArea3D>
+  <cs:seriesAxis>
+    <cs:lnRef idx="0"/>
+    <cs:fillRef idx="0"/>
+    <cs:effectRef idx="0"/>
+    <cs:fontRef idx="minor">
+      <a:schemeClr val="tx1">
+        <a:lumMod val="65000"/>
+        <a:lumOff val="35000"/>
+      </a:schemeClr>
+    </cs:fontRef>
+    <cs:defRPr sz="1197" kern="1200"/>
+  </cs:seriesAxis>
+  <cs:seriesLine>
+    <cs:lnRef idx="0"/>
+    <cs:fillRef idx="0"/>
+    <cs:effectRef idx="0"/>
+    <cs:fontRef idx="minor">
+      <a:schemeClr val="tx1"/>
+    </cs:fontRef>
+    <cs:spPr>
+      <a:ln w="9525" cap="flat" cmpd="sng" algn="ctr">
+        <a:solidFill>
+          <a:schemeClr val="tx1">
+            <a:lumMod val="35000"/>
+            <a:lumOff val="65000"/>
+          </a:schemeClr>
+        </a:solidFill>
+        <a:round/>
+      </a:ln>
+    </cs:spPr>
+  </cs:seriesLine>
+  <cs:title>
+    <cs:lnRef idx="0"/>
+    <cs:fillRef idx="0"/>
+    <cs:effectRef idx="0"/>
+    <cs:fontRef idx="minor">
+      <a:schemeClr val="tx1">
+        <a:lumMod val="65000"/>
+        <a:lumOff val="35000"/>
+      </a:schemeClr>
+    </cs:fontRef>
+    <cs:defRPr sz="1862" b="0" kern="1200" spc="0" baseline="0"/>
+  </cs:title>
+  <cs:trendline>
+    <cs:lnRef idx="0">
+      <cs:styleClr val="auto"/>
+    </cs:lnRef>
+    <cs:fillRef idx="0"/>
+    <cs:effectRef idx="0"/>
+    <cs:fontRef idx="minor">
+      <a:schemeClr val="tx1"/>
+    </cs:fontRef>
+    <cs:spPr>
+      <a:ln w="19050" cap="rnd">
+        <a:solidFill>
+          <a:schemeClr val="phClr"/>
+        </a:solidFill>
+        <a:prstDash val="sysDot"/>
+      </a:ln>
+    </cs:spPr>
+  </cs:trendline>
+  <cs:trendlineLabel>
+    <cs:lnRef idx="0"/>
+    <cs:fillRef idx="0"/>
+    <cs:effectRef idx="0"/>
+    <cs:fontRef idx="minor">
+      <a:schemeClr val="tx1">
+        <a:lumMod val="65000"/>
+        <a:lumOff val="35000"/>
+      </a:schemeClr>
+    </cs:fontRef>
+    <cs:defRPr sz="1197" kern="1200"/>
+  </cs:trendlineLabel>
+  <cs:upBar>
+    <cs:lnRef idx="0"/>
+    <cs:fillRef idx="0"/>
+    <cs:effectRef idx="0"/>
+    <cs:fontRef idx="minor">
+      <a:schemeClr val="dk1"/>
+    </cs:fontRef>
+    <cs:spPr>
+      <a:solidFill>
+        <a:schemeClr val="lt1"/>
+      </a:solidFill>
+      <a:ln w="9525">
+        <a:solidFill>
+          <a:schemeClr val="tx1">
+            <a:lumMod val="15000"/>
+            <a:lumOff val="85000"/>
+          </a:schemeClr>
+        </a:solidFill>
+      </a:ln>
+    </cs:spPr>
+  </cs:upBar>
+  <cs:valueAxis>
+    <cs:lnRef idx="0"/>
+    <cs:fillRef idx="0"/>
+    <cs:effectRef idx="0"/>
+    <cs:fontRef idx="minor">
+      <a:schemeClr val="tx1">
+        <a:lumMod val="65000"/>
+        <a:lumOff val="35000"/>
+      </a:schemeClr>
+    </cs:fontRef>
+    <cs:defRPr sz="1197" kern="1200"/>
+  </cs:valueAxis>
+  <cs:wall>
+    <cs:lnRef idx="0"/>
+    <cs:fillRef idx="0"/>
+    <cs:effectRef idx="0"/>
+    <cs:fontRef idx="minor">
+      <a:schemeClr val="tx1"/>
+    </cs:fontRef>
+    <cs:spPr>
+      <a:noFill/>
+      <a:ln>
+        <a:noFill/>
+      </a:ln>
+    </cs:spPr>
+  </cs:wall>
+</cs:chartStyle>
+</file>
+
+<file path=ppt/charts/style4.xml><?xml version="1.0" encoding="utf-8"?>
+<cs:chartStyle xmlns:cs="http://schemas.microsoft.com/office/drawing/2012/chartStyle" xmlns:a="http://schemas.openxmlformats.org/drawingml/2006/main" id="227">
+  <cs:axisTitle>
+    <cs:lnRef idx="0"/>
+    <cs:fillRef idx="0"/>
+    <cs:effectRef idx="0"/>
+    <cs:fontRef idx="minor">
+      <a:schemeClr val="tx1">
+        <a:lumMod val="65000"/>
+        <a:lumOff val="35000"/>
+      </a:schemeClr>
+    </cs:fontRef>
+    <cs:defRPr sz="1330" kern="1200"/>
+  </cs:axisTitle>
+  <cs:categoryAxis>
+    <cs:lnRef idx="0"/>
+    <cs:fillRef idx="0"/>
+    <cs:effectRef idx="0"/>
+    <cs:fontRef idx="minor">
+      <a:schemeClr val="tx1">
+        <a:lumMod val="65000"/>
+        <a:lumOff val="35000"/>
+      </a:schemeClr>
+    </cs:fontRef>
+    <cs:spPr>
+      <a:ln w="9525" cap="flat" cmpd="sng" algn="ctr">
+        <a:solidFill>
+          <a:schemeClr val="tx1">
+            <a:lumMod val="15000"/>
+            <a:lumOff val="85000"/>
+          </a:schemeClr>
+        </a:solidFill>
+        <a:round/>
+      </a:ln>
+    </cs:spPr>
+    <cs:defRPr sz="1197" kern="1200"/>
+  </cs:categoryAxis>
+  <cs:chartArea mods="allowNoFillOverride allowNoLineOverride">
+    <cs:lnRef idx="0"/>
+    <cs:fillRef idx="0"/>
+    <cs:effectRef idx="0"/>
+    <cs:fontRef idx="minor">
+      <a:schemeClr val="tx1"/>
+    </cs:fontRef>
+    <cs:spPr>
+      <a:solidFill>
+        <a:schemeClr val="bg1"/>
+      </a:solidFill>
+      <a:ln w="9525" cap="flat" cmpd="sng" algn="ctr">
+        <a:solidFill>
+          <a:schemeClr val="tx1">
+            <a:lumMod val="15000"/>
+            <a:lumOff val="85000"/>
+          </a:schemeClr>
+        </a:solidFill>
+        <a:round/>
+      </a:ln>
+    </cs:spPr>
+    <cs:defRPr sz="1330" kern="1200"/>
+  </cs:chartArea>
+  <cs:dataLabel>
+    <cs:lnRef idx="0"/>
+    <cs:fillRef idx="0"/>
+    <cs:effectRef idx="0"/>
+    <cs:fontRef idx="minor">
+      <a:schemeClr val="tx1">
+        <a:lumMod val="75000"/>
+        <a:lumOff val="25000"/>
+      </a:schemeClr>
+    </cs:fontRef>
+    <cs:defRPr sz="1197" kern="1200"/>
+  </cs:dataLabel>
+  <cs:dataLabelCallout>
+    <cs:lnRef idx="0"/>
+    <cs:fillRef idx="0"/>
+    <cs:effectRef idx="0"/>
+    <cs:fontRef idx="minor">
+      <a:schemeClr val="dk1">
+        <a:lumMod val="65000"/>
+        <a:lumOff val="35000"/>
+      </a:schemeClr>
+    </cs:fontRef>
+    <cs:spPr>
+      <a:solidFill>
+        <a:schemeClr val="lt1"/>
+      </a:solidFill>
+      <a:ln>
+        <a:solidFill>
+          <a:schemeClr val="dk1">
+            <a:lumMod val="25000"/>
+            <a:lumOff val="75000"/>
+          </a:schemeClr>
+        </a:solidFill>
+      </a:ln>
+    </cs:spPr>
+    <cs:defRPr sz="1197" kern="1200"/>
+    <cs:bodyPr rot="0" spcFirstLastPara="1" vertOverflow="clip" horzOverflow="clip" vert="horz" wrap="square" lIns="36576" tIns="18288" rIns="36576" bIns="18288" anchor="ctr" anchorCtr="1">
+      <a:spAutoFit/>
+    </cs:bodyPr>
+  </cs:dataLabelCallout>
+  <cs:dataPoint>
+    <cs:lnRef idx="0"/>
+    <cs:fillRef idx="1">
+      <cs:styleClr val="auto"/>
+    </cs:fillRef>
+    <cs:effectRef idx="0"/>
+    <cs:fontRef idx="minor">
+      <a:schemeClr val="tx1"/>
+    </cs:fontRef>
+    <cs:spPr>
+      <a:solidFill>
+        <a:schemeClr val="phClr"/>
+      </a:solidFill>
+    </cs:spPr>
+  </cs:dataPoint>
+  <cs:dataPoint3D>
+    <cs:lnRef idx="0"/>
+    <cs:fillRef idx="1">
+      <cs:styleClr val="auto"/>
+    </cs:fillRef>
+    <cs:effectRef idx="0"/>
+    <cs:fontRef idx="minor">
+      <a:schemeClr val="tx1"/>
+    </cs:fontRef>
+    <cs:spPr>
+      <a:solidFill>
+        <a:schemeClr val="phClr"/>
+      </a:solidFill>
+    </cs:spPr>
+  </cs:dataPoint3D>
+  <cs:dataPointLine>
+    <cs:lnRef idx="0">
+      <cs:styleClr val="auto"/>
+    </cs:lnRef>
+    <cs:fillRef idx="1"/>
+    <cs:effectRef idx="0"/>
+    <cs:fontRef idx="minor">
+      <a:schemeClr val="tx1"/>
+    </cs:fontRef>
+    <cs:spPr>
+      <a:ln w="28575" cap="rnd">
+        <a:solidFill>
+          <a:schemeClr val="phClr"/>
+        </a:solidFill>
+        <a:round/>
+      </a:ln>
+    </cs:spPr>
+  </cs:dataPointLine>
+  <cs:dataPointMarker>
+    <cs:lnRef idx="0">
+      <cs:styleClr val="auto"/>
+    </cs:lnRef>
+    <cs:fillRef idx="1">
+      <cs:styleClr val="auto"/>
+    </cs:fillRef>
+    <cs:effectRef idx="0"/>
+    <cs:fontRef idx="minor">
+      <a:schemeClr val="tx1"/>
+    </cs:fontRef>
+    <cs:spPr>
+      <a:solidFill>
+        <a:schemeClr val="phClr"/>
+      </a:solidFill>
+      <a:ln w="9525">
+        <a:solidFill>
+          <a:schemeClr val="phClr"/>
+        </a:solidFill>
+      </a:ln>
+    </cs:spPr>
+  </cs:dataPointMarker>
+  <cs:dataPointMarkerLayout symbol="circle" size="5"/>
+  <cs:dataPointWireframe>
+    <cs:lnRef idx="0">
+      <cs:styleClr val="auto"/>
+    </cs:lnRef>
+    <cs:fillRef idx="1"/>
+    <cs:effectRef idx="0"/>
+    <cs:fontRef idx="minor">
+      <a:schemeClr val="tx1"/>
+    </cs:fontRef>
+    <cs:spPr>
+      <a:ln w="9525" cap="rnd">
+        <a:solidFill>
+          <a:schemeClr val="phClr"/>
+        </a:solidFill>
+        <a:round/>
+      </a:ln>
+    </cs:spPr>
+  </cs:dataPointWireframe>
+  <cs:dataTable>
+    <cs:lnRef idx="0"/>
+    <cs:fillRef idx="0"/>
+    <cs:effectRef idx="0"/>
+    <cs:fontRef idx="minor">
+      <a:schemeClr val="tx1">
+        <a:lumMod val="65000"/>
+        <a:lumOff val="35000"/>
+      </a:schemeClr>
+    </cs:fontRef>
+    <cs:spPr>
+      <a:noFill/>
+      <a:ln w="9525" cap="flat" cmpd="sng" algn="ctr">
+        <a:solidFill>
+          <a:schemeClr val="tx1">
+            <a:lumMod val="15000"/>
+            <a:lumOff val="85000"/>
+          </a:schemeClr>
+        </a:solidFill>
+        <a:round/>
+      </a:ln>
+    </cs:spPr>
+    <cs:defRPr sz="1197" kern="1200"/>
+  </cs:dataTable>
+  <cs:downBar>
+    <cs:lnRef idx="0"/>
+    <cs:fillRef idx="0"/>
+    <cs:effectRef idx="0"/>
+    <cs:fontRef idx="minor">
+      <a:schemeClr val="dk1"/>
+    </cs:fontRef>
+    <cs:spPr>
+      <a:solidFill>
+        <a:schemeClr val="dk1">
+          <a:lumMod val="65000"/>
+          <a:lumOff val="35000"/>
+        </a:schemeClr>
+      </a:solidFill>
+      <a:ln w="9525">
+        <a:solidFill>
+          <a:schemeClr val="tx1">
+            <a:lumMod val="65000"/>
+            <a:lumOff val="35000"/>
+          </a:schemeClr>
+        </a:solidFill>
+      </a:ln>
+    </cs:spPr>
+  </cs:downBar>
+  <cs:dropLine>
+    <cs:lnRef idx="0"/>
+    <cs:fillRef idx="0"/>
+    <cs:effectRef idx="0"/>
+    <cs:fontRef idx="minor">
+      <a:schemeClr val="tx1"/>
+    </cs:fontRef>
+    <cs:spPr>
+      <a:ln w="9525" cap="flat" cmpd="sng" algn="ctr">
+        <a:solidFill>
+          <a:schemeClr val="tx1">
+            <a:lumMod val="35000"/>
+            <a:lumOff val="65000"/>
+          </a:schemeClr>
+        </a:solidFill>
+        <a:round/>
+      </a:ln>
+    </cs:spPr>
+  </cs:dropLine>
+  <cs:errorBar>
+    <cs:lnRef idx="0"/>
+    <cs:fillRef idx="0"/>
+    <cs:effectRef idx="0"/>
+    <cs:fontRef idx="minor">
+      <a:schemeClr val="tx1"/>
+    </cs:fontRef>
+    <cs:spPr>
+      <a:ln w="9525" cap="flat" cmpd="sng" algn="ctr">
+        <a:solidFill>
+          <a:schemeClr val="tx1">
+            <a:lumMod val="65000"/>
+            <a:lumOff val="35000"/>
+          </a:schemeClr>
+        </a:solidFill>
+        <a:round/>
+      </a:ln>
+    </cs:spPr>
+  </cs:errorBar>
+  <cs:floor>
+    <cs:lnRef idx="0"/>
+    <cs:fillRef idx="0"/>
+    <cs:effectRef idx="0"/>
+    <cs:fontRef idx="minor">
+      <a:schemeClr val="tx1"/>
+    </cs:fontRef>
+    <cs:spPr>
+      <a:noFill/>
+      <a:ln>
+        <a:noFill/>
+      </a:ln>
+    </cs:spPr>
+  </cs:floor>
+  <cs:gridlineMajor>
+    <cs:lnRef idx="0"/>
+    <cs:fillRef idx="0"/>
+    <cs:effectRef idx="0"/>
+    <cs:fontRef idx="minor">
+      <a:schemeClr val="tx1"/>
+    </cs:fontRef>
+    <cs:spPr>
+      <a:ln w="9525" cap="flat" cmpd="sng" algn="ctr">
+        <a:solidFill>
+          <a:schemeClr val="tx1">
+            <a:lumMod val="15000"/>
+            <a:lumOff val="85000"/>
+          </a:schemeClr>
+        </a:solidFill>
+        <a:round/>
+      </a:ln>
+    </cs:spPr>
+  </cs:gridlineMajor>
+  <cs:gridlineMinor>
+    <cs:lnRef idx="0"/>
+    <cs:fillRef idx="0"/>
+    <cs:effectRef idx="0"/>
+    <cs:fontRef idx="minor">
+      <a:schemeClr val="tx1"/>
+    </cs:fontRef>
+    <cs:spPr>
+      <a:ln w="9525" cap="flat" cmpd="sng" algn="ctr">
+        <a:solidFill>
+          <a:schemeClr val="tx1">
+            <a:lumMod val="5000"/>
+            <a:lumOff val="95000"/>
+          </a:schemeClr>
+        </a:solidFill>
+        <a:round/>
+      </a:ln>
+    </cs:spPr>
+  </cs:gridlineMinor>
+  <cs:hiLoLine>
+    <cs:lnRef idx="0"/>
+    <cs:fillRef idx="0"/>
+    <cs:effectRef idx="0"/>
+    <cs:fontRef idx="minor">
+      <a:schemeClr val="tx1"/>
+    </cs:fontRef>
+    <cs:spPr>
+      <a:ln w="9525" cap="flat" cmpd="sng" algn="ctr">
+        <a:solidFill>
+          <a:schemeClr val="tx1">
+            <a:lumMod val="75000"/>
+            <a:lumOff val="25000"/>
+          </a:schemeClr>
+        </a:solidFill>
+        <a:round/>
+      </a:ln>
+    </cs:spPr>
+  </cs:hiLoLine>
+  <cs:leaderLine>
+    <cs:lnRef idx="0"/>
+    <cs:fillRef idx="0"/>
+    <cs:effectRef idx="0"/>
+    <cs:fontRef idx="minor">
+      <a:schemeClr val="tx1"/>
+    </cs:fontRef>
+    <cs:spPr>
+      <a:ln w="9525" cap="flat" cmpd="sng" algn="ctr">
+        <a:solidFill>
+          <a:schemeClr val="tx1">
+            <a:lumMod val="35000"/>
+            <a:lumOff val="65000"/>
+          </a:schemeClr>
+        </a:solidFill>
+        <a:round/>
+      </a:ln>
+    </cs:spPr>
+  </cs:leaderLine>
+  <cs:legend>
+    <cs:lnRef idx="0"/>
+    <cs:fillRef idx="0"/>
+    <cs:effectRef idx="0"/>
+    <cs:fontRef idx="minor">
+      <a:schemeClr val="tx1">
+        <a:lumMod val="65000"/>
+        <a:lumOff val="35000"/>
+      </a:schemeClr>
+    </cs:fontRef>
+    <cs:defRPr sz="1197" kern="1200"/>
+  </cs:legend>
+  <cs:plotArea mods="allowNoFillOverride allowNoLineOverride">
+    <cs:lnRef idx="0"/>
+    <cs:fillRef idx="0"/>
+    <cs:effectRef idx="0"/>
+    <cs:fontRef idx="minor">
+      <a:schemeClr val="tx1"/>
+    </cs:fontRef>
+  </cs:plotArea>
+  <cs:plotArea3D mods="allowNoFillOverride allowNoLineOverride">
+    <cs:lnRef idx="0"/>
+    <cs:fillRef idx="0"/>
+    <cs:effectRef idx="0"/>
+    <cs:fontRef idx="minor">
+      <a:schemeClr val="tx1"/>
+    </cs:fontRef>
+  </cs:plotArea3D>
+  <cs:seriesAxis>
+    <cs:lnRef idx="0"/>
+    <cs:fillRef idx="0"/>
+    <cs:effectRef idx="0"/>
+    <cs:fontRef idx="minor">
+      <a:schemeClr val="tx1">
+        <a:lumMod val="65000"/>
+        <a:lumOff val="35000"/>
+      </a:schemeClr>
+    </cs:fontRef>
+    <cs:defRPr sz="1197" kern="1200"/>
+  </cs:seriesAxis>
+  <cs:seriesLine>
+    <cs:lnRef idx="0"/>
+    <cs:fillRef idx="0"/>
+    <cs:effectRef idx="0"/>
+    <cs:fontRef idx="minor">
+      <a:schemeClr val="tx1"/>
+    </cs:fontRef>
+    <cs:spPr>
+      <a:ln w="9525" cap="flat" cmpd="sng" algn="ctr">
+        <a:solidFill>
+          <a:schemeClr val="tx1">
+            <a:lumMod val="35000"/>
+            <a:lumOff val="65000"/>
+          </a:schemeClr>
+        </a:solidFill>
+        <a:round/>
+      </a:ln>
+    </cs:spPr>
+  </cs:seriesLine>
+  <cs:title>
+    <cs:lnRef idx="0"/>
+    <cs:fillRef idx="0"/>
+    <cs:effectRef idx="0"/>
+    <cs:fontRef idx="minor">
+      <a:schemeClr val="tx1">
+        <a:lumMod val="65000"/>
+        <a:lumOff val="35000"/>
+      </a:schemeClr>
+    </cs:fontRef>
+    <cs:defRPr sz="1862" b="0" kern="1200" spc="0" baseline="0"/>
+  </cs:title>
+  <cs:trendline>
+    <cs:lnRef idx="0">
+      <cs:styleClr val="auto"/>
+    </cs:lnRef>
+    <cs:fillRef idx="0"/>
+    <cs:effectRef idx="0"/>
+    <cs:fontRef idx="minor">
+      <a:schemeClr val="tx1"/>
+    </cs:fontRef>
+    <cs:spPr>
+      <a:ln w="19050" cap="rnd">
+        <a:solidFill>
+          <a:schemeClr val="phClr"/>
+        </a:solidFill>
+        <a:prstDash val="sysDot"/>
+      </a:ln>
+    </cs:spPr>
+  </cs:trendline>
+  <cs:trendlineLabel>
+    <cs:lnRef idx="0"/>
+    <cs:fillRef idx="0"/>
+    <cs:effectRef idx="0"/>
+    <cs:fontRef idx="minor">
+      <a:schemeClr val="tx1">
+        <a:lumMod val="65000"/>
+        <a:lumOff val="35000"/>
+      </a:schemeClr>
+    </cs:fontRef>
+    <cs:defRPr sz="1197" kern="1200"/>
+  </cs:trendlineLabel>
+  <cs:upBar>
+    <cs:lnRef idx="0"/>
+    <cs:fillRef idx="0"/>
+    <cs:effectRef idx="0"/>
+    <cs:fontRef idx="minor">
+      <a:schemeClr val="dk1"/>
+    </cs:fontRef>
+    <cs:spPr>
+      <a:solidFill>
+        <a:schemeClr val="lt1"/>
+      </a:solidFill>
+      <a:ln w="9525">
+        <a:solidFill>
+          <a:schemeClr val="tx1">
+            <a:lumMod val="15000"/>
+            <a:lumOff val="85000"/>
+          </a:schemeClr>
+        </a:solidFill>
+      </a:ln>
+    </cs:spPr>
+  </cs:upBar>
+  <cs:valueAxis>
+    <cs:lnRef idx="0"/>
+    <cs:fillRef idx="0"/>
+    <cs:effectRef idx="0"/>
+    <cs:fontRef idx="minor">
+      <a:schemeClr val="tx1">
+        <a:lumMod val="65000"/>
+        <a:lumOff val="35000"/>
+      </a:schemeClr>
+    </cs:fontRef>
+    <cs:defRPr sz="1197" kern="1200"/>
+  </cs:valueAxis>
+  <cs:wall>
+    <cs:lnRef idx="0"/>
+    <cs:fillRef idx="0"/>
+    <cs:effectRef idx="0"/>
+    <cs:fontRef idx="minor">
+      <a:schemeClr val="tx1"/>
+    </cs:fontRef>
+    <cs:spPr>
+      <a:noFill/>
+      <a:ln>
+        <a:noFill/>
+      </a:ln>
+    </cs:spPr>
+  </cs:wall>
+</cs:chartStyle>
+</file>
+
+<file path=ppt/charts/style5.xml><?xml version="1.0" encoding="utf-8"?>
+<cs:chartStyle xmlns:cs="http://schemas.microsoft.com/office/drawing/2012/chartStyle" xmlns:a="http://schemas.openxmlformats.org/drawingml/2006/main" id="251">
+  <cs:axisTitle>
+    <cs:lnRef idx="0"/>
+    <cs:fillRef idx="0"/>
+    <cs:effectRef idx="0"/>
+    <cs:fontRef idx="minor">
+      <a:schemeClr val="tx1">
+        <a:lumMod val="65000"/>
+        <a:lumOff val="35000"/>
+      </a:schemeClr>
+    </cs:fontRef>
+    <cs:defRPr sz="1330" kern="1200"/>
+  </cs:axisTitle>
+  <cs:categoryAxis>
+    <cs:lnRef idx="0"/>
+    <cs:fillRef idx="0"/>
+    <cs:effectRef idx="0"/>
+    <cs:fontRef idx="minor">
+      <a:schemeClr val="tx1">
+        <a:lumMod val="65000"/>
+        <a:lumOff val="35000"/>
+      </a:schemeClr>
+    </cs:fontRef>
+    <cs:spPr>
+      <a:ln w="9525" cap="flat" cmpd="sng" algn="ctr">
+        <a:solidFill>
+          <a:schemeClr val="tx1">
+            <a:lumMod val="15000"/>
+            <a:lumOff val="85000"/>
+          </a:schemeClr>
+        </a:solidFill>
+        <a:round/>
+      </a:ln>
+    </cs:spPr>
+    <cs:defRPr sz="1197" kern="1200"/>
+  </cs:categoryAxis>
+  <cs:chartArea mods="allowNoFillOverride allowNoLineOverride">
+    <cs:lnRef idx="0"/>
+    <cs:fillRef idx="0"/>
+    <cs:effectRef idx="0"/>
+    <cs:fontRef idx="minor">
+      <a:schemeClr val="tx1"/>
+    </cs:fontRef>
+    <cs:spPr>
+      <a:solidFill>
+        <a:schemeClr val="bg1"/>
+      </a:solidFill>
+      <a:ln w="9525" cap="flat" cmpd="sng" algn="ctr">
+        <a:solidFill>
+          <a:schemeClr val="tx1">
+            <a:lumMod val="15000"/>
+            <a:lumOff val="85000"/>
+          </a:schemeClr>
+        </a:solidFill>
+        <a:round/>
+      </a:ln>
+    </cs:spPr>
+    <cs:defRPr sz="1197" kern="1200"/>
+  </cs:chartArea>
+  <cs:dataLabel>
+    <cs:lnRef idx="0"/>
+    <cs:fillRef idx="0"/>
+    <cs:effectRef idx="0"/>
+    <cs:fontRef idx="minor">
+      <a:schemeClr val="tx1">
+        <a:lumMod val="75000"/>
+        <a:lumOff val="25000"/>
+      </a:schemeClr>
+    </cs:fontRef>
+    <cs:defRPr sz="1197" kern="1200"/>
+  </cs:dataLabel>
+  <cs:dataLabelCallout>
+    <cs:lnRef idx="0"/>
+    <cs:fillRef idx="0"/>
+    <cs:effectRef idx="0"/>
+    <cs:fontRef idx="minor">
+      <a:schemeClr val="dk1">
+        <a:lumMod val="65000"/>
+        <a:lumOff val="35000"/>
+      </a:schemeClr>
+    </cs:fontRef>
+    <cs:spPr>
+      <a:solidFill>
+        <a:schemeClr val="lt1"/>
+      </a:solidFill>
+      <a:ln>
+        <a:solidFill>
+          <a:schemeClr val="dk1">
+            <a:lumMod val="25000"/>
+            <a:lumOff val="75000"/>
+          </a:schemeClr>
+        </a:solidFill>
+      </a:ln>
+    </cs:spPr>
+    <cs:defRPr sz="1197" kern="1200"/>
+    <cs:bodyPr rot="0" spcFirstLastPara="1" vertOverflow="clip" horzOverflow="clip" vert="horz" wrap="square" lIns="36576" tIns="18288" rIns="36576" bIns="18288" anchor="ctr" anchorCtr="1">
+      <a:spAutoFit/>
+    </cs:bodyPr>
+  </cs:dataLabelCallout>
+  <cs:dataPoint>
+    <cs:lnRef idx="0"/>
+    <cs:fillRef idx="1">
+      <cs:styleClr val="auto"/>
+    </cs:fillRef>
+    <cs:effectRef idx="0"/>
+    <cs:fontRef idx="minor">
+      <a:schemeClr val="tx1"/>
+    </cs:fontRef>
+    <cs:spPr>
+      <a:ln w="19050">
+        <a:solidFill>
+          <a:schemeClr val="lt1"/>
+        </a:solidFill>
+      </a:ln>
+    </cs:spPr>
+  </cs:dataPoint>
+  <cs:dataPoint3D>
+    <cs:lnRef idx="0"/>
+    <cs:fillRef idx="1">
+      <cs:styleClr val="auto"/>
+    </cs:fillRef>
+    <cs:effectRef idx="0"/>
+    <cs:fontRef idx="minor">
+      <a:schemeClr val="tx1"/>
+    </cs:fontRef>
+    <cs:spPr>
+      <a:ln w="25400">
+        <a:solidFill>
+          <a:schemeClr val="lt1"/>
+        </a:solidFill>
+      </a:ln>
+    </cs:spPr>
+  </cs:dataPoint3D>
+  <cs:dataPointLine>
+    <cs:lnRef idx="0">
+      <cs:styleClr val="auto"/>
+    </cs:lnRef>
+    <cs:fillRef idx="0"/>
+    <cs:effectRef idx="0"/>
+    <cs:fontRef idx="minor">
+      <a:schemeClr val="tx1"/>
+    </cs:fontRef>
+    <cs:spPr>
+      <a:ln w="28575" cap="rnd">
+        <a:solidFill>
+          <a:schemeClr val="phClr"/>
+        </a:solidFill>
+        <a:round/>
+      </a:ln>
+    </cs:spPr>
+  </cs:dataPointLine>
+  <cs:dataPointMarker>
+    <cs:lnRef idx="0">
+      <cs:styleClr val="auto"/>
+    </cs:lnRef>
+    <cs:fillRef idx="1">
+      <cs:styleClr val="auto"/>
+    </cs:fillRef>
+    <cs:effectRef idx="0"/>
+    <cs:fontRef idx="minor">
+      <a:schemeClr val="tx1"/>
+    </cs:fontRef>
+    <cs:spPr>
+      <a:ln w="9525">
+        <a:solidFill>
+          <a:schemeClr val="phClr"/>
+        </a:solidFill>
+      </a:ln>
+    </cs:spPr>
+  </cs:dataPointMarker>
+  <cs:dataPointMarkerLayout symbol="circle" size="5"/>
+  <cs:dataPointWireframe>
+    <cs:lnRef idx="0">
+      <cs:styleClr val="auto"/>
+    </cs:lnRef>
+    <cs:fillRef idx="0"/>
+    <cs:effectRef idx="0"/>
+    <cs:fontRef idx="minor">
+      <a:schemeClr val="tx1"/>
+    </cs:fontRef>
+    <cs:spPr>
+      <a:ln w="9525" cap="rnd">
+        <a:solidFill>
+          <a:schemeClr val="phClr"/>
+        </a:solidFill>
+        <a:round/>
+      </a:ln>
+    </cs:spPr>
+  </cs:dataPointWireframe>
+  <cs:dataTable>
+    <cs:lnRef idx="0"/>
+    <cs:fillRef idx="0"/>
+    <cs:effectRef idx="0"/>
+    <cs:fontRef idx="minor">
+      <a:schemeClr val="tx1">
+        <a:lumMod val="65000"/>
+        <a:lumOff val="35000"/>
+      </a:schemeClr>
+    </cs:fontRef>
+    <cs:spPr>
+      <a:noFill/>
+      <a:ln w="9525" cap="flat" cmpd="sng" algn="ctr">
+        <a:solidFill>
+          <a:schemeClr val="tx1">
+            <a:lumMod val="15000"/>
+            <a:lumOff val="85000"/>
+          </a:schemeClr>
+        </a:solidFill>
+        <a:round/>
+      </a:ln>
+    </cs:spPr>
+    <cs:defRPr sz="1197" kern="1200"/>
+  </cs:dataTable>
+  <cs:downBar>
+    <cs:lnRef idx="0"/>
+    <cs:fillRef idx="0"/>
+    <cs:effectRef idx="0"/>
+    <cs:fontRef idx="minor">
+      <a:schemeClr val="tx1"/>
+    </cs:fontRef>
+    <cs:spPr>
+      <a:solidFill>
+        <a:schemeClr val="dk1">
+          <a:lumMod val="75000"/>
+          <a:lumOff val="25000"/>
+        </a:schemeClr>
+      </a:solidFill>
+      <a:ln w="9525" cap="flat" cmpd="sng" algn="ctr">
+        <a:solidFill>
+          <a:schemeClr val="tx1">
+            <a:lumMod val="65000"/>
+            <a:lumOff val="35000"/>
+          </a:schemeClr>
+        </a:solidFill>
+        <a:round/>
+      </a:ln>
+    </cs:spPr>
+  </cs:downBar>
+  <cs:dropLine>
+    <cs:lnRef idx="0"/>
+    <cs:fillRef idx="0"/>
+    <cs:effectRef idx="0"/>
+    <cs:fontRef idx="minor">
+      <a:schemeClr val="tx1"/>
+    </cs:fontRef>
+    <cs:spPr>
+      <a:ln w="9525" cap="flat" cmpd="sng" algn="ctr">
+        <a:solidFill>
+          <a:schemeClr val="tx1">
+            <a:lumMod val="35000"/>
+            <a:lumOff val="65000"/>
+          </a:schemeClr>
+        </a:solidFill>
+        <a:round/>
+      </a:ln>
+    </cs:spPr>
+  </cs:dropLine>
+  <cs:errorBar>
+    <cs:lnRef idx="0"/>
+    <cs:fillRef idx="0"/>
+    <cs:effectRef idx="0"/>
+    <cs:fontRef idx="minor">
+      <a:schemeClr val="tx1"/>
+    </cs:fontRef>
+    <cs:spPr>
+      <a:ln w="9525" cap="flat" cmpd="sng" algn="ctr">
+        <a:solidFill>
+          <a:schemeClr val="tx1">
+            <a:lumMod val="65000"/>
+            <a:lumOff val="35000"/>
+          </a:schemeClr>
+        </a:solidFill>
+        <a:round/>
+      </a:ln>
+    </cs:spPr>
+  </cs:errorBar>
+  <cs:floor>
+    <cs:lnRef idx="0"/>
+    <cs:fillRef idx="0"/>
+    <cs:effectRef idx="0"/>
+    <cs:fontRef idx="minor">
+      <a:schemeClr val="tx1"/>
+    </cs:fontRef>
+    <cs:spPr>
+      <a:noFill/>
+      <a:ln>
+        <a:noFill/>
+      </a:ln>
+    </cs:spPr>
+  </cs:floor>
+  <cs:gridlineMajor>
+    <cs:lnRef idx="0"/>
+    <cs:fillRef idx="0"/>
+    <cs:effectRef idx="0"/>
+    <cs:fontRef idx="minor">
+      <a:schemeClr val="tx1"/>
+    </cs:fontRef>
+    <cs:spPr>
+      <a:ln w="9525" cap="flat" cmpd="sng" algn="ctr">
+        <a:solidFill>
+          <a:schemeClr val="tx1">
+            <a:lumMod val="15000"/>
+            <a:lumOff val="85000"/>
+          </a:schemeClr>
+        </a:solidFill>
+        <a:round/>
+      </a:ln>
+    </cs:spPr>
+  </cs:gridlineMajor>
+  <cs:gridlineMinor>
+    <cs:lnRef idx="0"/>
+    <cs:fillRef idx="0"/>
+    <cs:effectRef idx="0"/>
+    <cs:fontRef idx="minor">
+      <a:schemeClr val="tx1"/>
+    </cs:fontRef>
+    <cs:spPr>
+      <a:ln w="9525" cap="flat" cmpd="sng" algn="ctr">
+        <a:solidFill>
+          <a:schemeClr val="tx1">
+            <a:lumMod val="5000"/>
+            <a:lumOff val="95000"/>
+          </a:schemeClr>
+        </a:solidFill>
+        <a:round/>
+      </a:ln>
+    </cs:spPr>
+  </cs:gridlineMinor>
+  <cs:hiLoLine>
+    <cs:lnRef idx="0"/>
+    <cs:fillRef idx="0"/>
+    <cs:effectRef idx="0"/>
+    <cs:fontRef idx="minor">
+      <a:schemeClr val="tx1"/>
+    </cs:fontRef>
+    <cs:spPr>
+      <a:ln w="9525" cap="flat" cmpd="sng" algn="ctr">
+        <a:solidFill>
+          <a:schemeClr val="tx1">
+            <a:lumMod val="50000"/>
+            <a:lumOff val="50000"/>
+          </a:schemeClr>
+        </a:solidFill>
+        <a:round/>
+      </a:ln>
+    </cs:spPr>
+  </cs:hiLoLine>
+  <cs:leaderLine>
+    <cs:lnRef idx="0"/>
+    <cs:fillRef idx="0"/>
+    <cs:effectRef idx="0"/>
+    <cs:fontRef idx="minor">
+      <a:schemeClr val="tx1"/>
+    </cs:fontRef>
+    <cs:spPr>
+      <a:ln w="9525" cap="flat" cmpd="sng" algn="ctr">
+        <a:solidFill>
+          <a:schemeClr val="tx1">
+            <a:lumMod val="35000"/>
+            <a:lumOff val="65000"/>
+          </a:schemeClr>
+        </a:solidFill>
+        <a:round/>
+      </a:ln>
+    </cs:spPr>
+  </cs:leaderLine>
+  <cs:legend>
+    <cs:lnRef idx="0"/>
+    <cs:fillRef idx="0"/>
+    <cs:effectRef idx="0"/>
+    <cs:fontRef idx="minor">
+      <a:schemeClr val="tx1">
+        <a:lumMod val="65000"/>
+        <a:lumOff val="35000"/>
+      </a:schemeClr>
+    </cs:fontRef>
+    <cs:defRPr sz="1197" kern="1200"/>
+  </cs:legend>
+  <cs:plotArea mods="allowNoFillOverride allowNoLineOverride">
+    <cs:lnRef idx="0"/>
+    <cs:fillRef idx="0"/>
+    <cs:effectRef idx="0"/>
+    <cs:fontRef idx="minor">
+      <a:schemeClr val="tx1"/>
+    </cs:fontRef>
+  </cs:plotArea>
+  <cs:plotArea3D mods="allowNoFillOverride allowNoLineOverride">
+    <cs:lnRef idx="0"/>
+    <cs:fillRef idx="0"/>
+    <cs:effectRef idx="0"/>
+    <cs:fontRef idx="minor">
+      <a:schemeClr val="tx1"/>
+    </cs:fontRef>
+  </cs:plotArea3D>
+  <cs:seriesAxis>
+    <cs:lnRef idx="0"/>
+    <cs:fillRef idx="0"/>
+    <cs:effectRef idx="0"/>
+    <cs:fontRef idx="minor">
+      <a:schemeClr val="tx1">
+        <a:lumMod val="65000"/>
+        <a:lumOff val="35000"/>
+      </a:schemeClr>
+    </cs:fontRef>
+    <cs:defRPr sz="1197" kern="1200"/>
+  </cs:seriesAxis>
+  <cs:seriesLine>
+    <cs:lnRef idx="0"/>
+    <cs:fillRef idx="0"/>
+    <cs:effectRef idx="0"/>
+    <cs:fontRef idx="minor">
+      <a:schemeClr val="tx1"/>
+    </cs:fontRef>
+    <cs:spPr>
+      <a:ln w="9525" cap="flat" cmpd="sng" algn="ctr">
+        <a:solidFill>
+          <a:schemeClr val="tx1">
+            <a:lumMod val="35000"/>
+            <a:lumOff val="65000"/>
+          </a:schemeClr>
+        </a:solidFill>
+        <a:round/>
+      </a:ln>
+    </cs:spPr>
+  </cs:seriesLine>
+  <cs:title>
+    <cs:lnRef idx="0"/>
+    <cs:fillRef idx="0"/>
+    <cs:effectRef idx="0"/>
+    <cs:fontRef idx="minor">
+      <a:schemeClr val="tx1">
+        <a:lumMod val="65000"/>
+        <a:lumOff val="35000"/>
+      </a:schemeClr>
+    </cs:fontRef>
+    <cs:defRPr sz="1862" b="0" kern="1200" spc="0" baseline="0"/>
+  </cs:title>
+  <cs:trendline>
+    <cs:lnRef idx="0">
+      <cs:styleClr val="auto"/>
+    </cs:lnRef>
+    <cs:fillRef idx="0"/>
+    <cs:effectRef idx="0"/>
+    <cs:fontRef idx="minor">
+      <a:schemeClr val="tx1"/>
+    </cs:fontRef>
+    <cs:spPr>
+      <a:ln w="19050" cap="rnd">
+        <a:solidFill>
+          <a:schemeClr val="phClr"/>
+        </a:solidFill>
+        <a:prstDash val="sysDot"/>
+      </a:ln>
+    </cs:spPr>
+  </cs:trendline>
+  <cs:trendlineLabel>
+    <cs:lnRef idx="0"/>
+    <cs:fillRef idx="0"/>
+    <cs:effectRef idx="0"/>
+    <cs:fontRef idx="minor">
+      <a:schemeClr val="tx1">
+        <a:lumMod val="65000"/>
+        <a:lumOff val="35000"/>
+      </a:schemeClr>
+    </cs:fontRef>
+    <cs:defRPr sz="1197" kern="1200"/>
+  </cs:trendlineLabel>
+  <cs:upBar>
+    <cs:lnRef idx="0"/>
+    <cs:fillRef idx="0"/>
+    <cs:effectRef idx="0"/>
+    <cs:fontRef idx="minor">
+      <a:schemeClr val="tx1"/>
+    </cs:fontRef>
+    <cs:spPr>
+      <a:solidFill>
+        <a:schemeClr val="lt1"/>
+      </a:solidFill>
+      <a:ln w="9525" cap="flat" cmpd="sng" algn="ctr">
+        <a:solidFill>
+          <a:schemeClr val="tx1">
+            <a:lumMod val="65000"/>
+            <a:lumOff val="35000"/>
+          </a:schemeClr>
+        </a:solidFill>
+        <a:round/>
+      </a:ln>
+    </cs:spPr>
+  </cs:upBar>
+  <cs:valueAxis>
+    <cs:lnRef idx="0"/>
+    <cs:fillRef idx="0"/>
+    <cs:effectRef idx="0"/>
+    <cs:fontRef idx="minor">
+      <a:schemeClr val="tx1">
+        <a:lumMod val="65000"/>
+        <a:lumOff val="35000"/>
+      </a:schemeClr>
+    </cs:fontRef>
+    <cs:defRPr sz="1197" kern="1200"/>
+  </cs:valueAxis>
+  <cs:wall>
+    <cs:lnRef idx="0"/>
+    <cs:fillRef idx="0"/>
+    <cs:effectRef idx="0"/>
+    <cs:fontRef idx="minor">
+      <a:schemeClr val="tx1"/>
+    </cs:fontRef>
+    <cs:spPr>
+      <a:noFill/>
+      <a:ln>
+        <a:noFill/>
+      </a:ln>
+    </cs:spPr>
+  </cs:wall>
+</cs:chartStyle>
+</file>
+
+<file path=ppt/drawings/drawing1.xml><?xml version="1.0" encoding="utf-8"?>
+<c:userShapes xmlns:c="http://schemas.openxmlformats.org/drawingml/2006/chart">
+  <cdr:relSizeAnchor xmlns:cdr="http://schemas.openxmlformats.org/drawingml/2006/chartDrawing">
+    <cdr:from>
+      <cdr:x>0.56145</cdr:x>
+      <cdr:y>0.25784</cdr:y>
+    </cdr:from>
+    <cdr:to>
+      <cdr:x>0.93017</cdr:x>
+      <cdr:y>0.89895</cdr:y>
+    </cdr:to>
+    <cdr:sp macro="" textlink="">
+      <cdr:nvSpPr>
+        <cdr:cNvPr id="2" name="矩形 1"/>
+        <cdr:cNvSpPr/>
+      </cdr:nvSpPr>
+      <cdr:spPr>
+        <a:xfrm xmlns:a="http://schemas.openxmlformats.org/drawingml/2006/main">
+          <a:off x="3829050" y="939800"/>
+          <a:ext cx="2514600" cy="2336800"/>
+        </a:xfrm>
+        <a:prstGeom xmlns:a="http://schemas.openxmlformats.org/drawingml/2006/main" prst="rect">
+          <a:avLst/>
+        </a:prstGeom>
+        <a:solidFill xmlns:a="http://schemas.openxmlformats.org/drawingml/2006/main">
+          <a:srgbClr val="DA56AB">
+            <a:alpha val="25000"/>
+          </a:srgbClr>
+        </a:solidFill>
+        <a:ln xmlns:a="http://schemas.openxmlformats.org/drawingml/2006/main">
+          <a:noFill/>
+        </a:ln>
+      </cdr:spPr>
+      <cdr:style>
+        <a:lnRef xmlns:a="http://schemas.openxmlformats.org/drawingml/2006/main" idx="2">
+          <a:schemeClr val="accent1">
+            <a:shade val="50000"/>
+          </a:schemeClr>
+        </a:lnRef>
+        <a:fillRef xmlns:a="http://schemas.openxmlformats.org/drawingml/2006/main" idx="1">
+          <a:schemeClr val="accent1"/>
+        </a:fillRef>
+        <a:effectRef xmlns:a="http://schemas.openxmlformats.org/drawingml/2006/main" idx="0">
+          <a:schemeClr val="accent1"/>
+        </a:effectRef>
+        <a:fontRef xmlns:a="http://schemas.openxmlformats.org/drawingml/2006/main" idx="minor">
+          <a:schemeClr val="lt1"/>
+        </a:fontRef>
+      </cdr:style>
+      <cdr:txBody>
+        <a:bodyPr xmlns:a="http://schemas.openxmlformats.org/drawingml/2006/main" rot="0" spcFirstLastPara="0" vert="horz" wrap="square" lIns="91440" tIns="45720" rIns="91440" bIns="45720" numCol="1" spcCol="0" rtlCol="0" fromWordArt="0" anchor="ctr" anchorCtr="0" forceAA="0" compatLnSpc="1">
+          <a:prstTxWarp prst="textNoShape">
+            <a:avLst/>
+          </a:prstTxWarp>
+          <a:noAutofit/>
+        </a:bodyPr>
+        <a:lstStyle xmlns:a="http://schemas.openxmlformats.org/drawingml/2006/main">
+          <a:defPPr>
+            <a:defRPr lang="zh-CN"/>
+          </a:defPPr>
+          <a:lvl1pPr marL="0" algn="l" defTabSz="914400" rtl="0" eaLnBrk="1" latinLnBrk="0" hangingPunct="1">
+            <a:defRPr sz="1800" kern="1200">
+              <a:solidFill>
+                <a:schemeClr val="lt1"/>
+              </a:solidFill>
+              <a:latin typeface="+mn-lt"/>
+              <a:ea typeface="+mn-ea"/>
+              <a:cs typeface="+mn-cs"/>
+            </a:defRPr>
+          </a:lvl1pPr>
+          <a:lvl2pPr marL="457200" algn="l" defTabSz="914400" rtl="0" eaLnBrk="1" latinLnBrk="0" hangingPunct="1">
+            <a:defRPr sz="1800" kern="1200">
+              <a:solidFill>
+                <a:schemeClr val="lt1"/>
+              </a:solidFill>
+              <a:latin typeface="+mn-lt"/>
+              <a:ea typeface="+mn-ea"/>
+              <a:cs typeface="+mn-cs"/>
+            </a:defRPr>
+          </a:lvl2pPr>
+          <a:lvl3pPr marL="914400" algn="l" defTabSz="914400" rtl="0" eaLnBrk="1" latinLnBrk="0" hangingPunct="1">
+            <a:defRPr sz="1800" kern="1200">
+              <a:solidFill>
+                <a:schemeClr val="lt1"/>
+              </a:solidFill>
+              <a:latin typeface="+mn-lt"/>
+              <a:ea typeface="+mn-ea"/>
+              <a:cs typeface="+mn-cs"/>
+            </a:defRPr>
+          </a:lvl3pPr>
+          <a:lvl4pPr marL="1371600" algn="l" defTabSz="914400" rtl="0" eaLnBrk="1" latinLnBrk="0" hangingPunct="1">
+            <a:defRPr sz="1800" kern="1200">
+              <a:solidFill>
+                <a:schemeClr val="lt1"/>
+              </a:solidFill>
+              <a:latin typeface="+mn-lt"/>
+              <a:ea typeface="+mn-ea"/>
+              <a:cs typeface="+mn-cs"/>
+            </a:defRPr>
+          </a:lvl4pPr>
+          <a:lvl5pPr marL="1828800" algn="l" defTabSz="914400" rtl="0" eaLnBrk="1" latinLnBrk="0" hangingPunct="1">
+            <a:defRPr sz="1800" kern="1200">
+              <a:solidFill>
+                <a:schemeClr val="lt1"/>
+              </a:solidFill>
+              <a:latin typeface="+mn-lt"/>
+              <a:ea typeface="+mn-ea"/>
+              <a:cs typeface="+mn-cs"/>
+            </a:defRPr>
+          </a:lvl5pPr>
+          <a:lvl6pPr marL="2286000" algn="l" defTabSz="914400" rtl="0" eaLnBrk="1" latinLnBrk="0" hangingPunct="1">
+            <a:defRPr sz="1800" kern="1200">
+              <a:solidFill>
+                <a:schemeClr val="lt1"/>
+              </a:solidFill>
+              <a:latin typeface="+mn-lt"/>
+              <a:ea typeface="+mn-ea"/>
+              <a:cs typeface="+mn-cs"/>
+            </a:defRPr>
+          </a:lvl6pPr>
+          <a:lvl7pPr marL="2743200" algn="l" defTabSz="914400" rtl="0" eaLnBrk="1" latinLnBrk="0" hangingPunct="1">
+            <a:defRPr sz="1800" kern="1200">
+              <a:solidFill>
+                <a:schemeClr val="lt1"/>
+              </a:solidFill>
+              <a:latin typeface="+mn-lt"/>
+              <a:ea typeface="+mn-ea"/>
+              <a:cs typeface="+mn-cs"/>
+            </a:defRPr>
+          </a:lvl7pPr>
+          <a:lvl8pPr marL="3200400" algn="l" defTabSz="914400" rtl="0" eaLnBrk="1" latinLnBrk="0" hangingPunct="1">
+            <a:defRPr sz="1800" kern="1200">
+              <a:solidFill>
+                <a:schemeClr val="lt1"/>
+              </a:solidFill>
+              <a:latin typeface="+mn-lt"/>
+              <a:ea typeface="+mn-ea"/>
+              <a:cs typeface="+mn-cs"/>
+            </a:defRPr>
+          </a:lvl8pPr>
+          <a:lvl9pPr marL="3657600" algn="l" defTabSz="914400" rtl="0" eaLnBrk="1" latinLnBrk="0" hangingPunct="1">
+            <a:defRPr sz="1800" kern="1200">
+              <a:solidFill>
+                <a:schemeClr val="lt1"/>
+              </a:solidFill>
+              <a:latin typeface="+mn-lt"/>
+              <a:ea typeface="+mn-ea"/>
+              <a:cs typeface="+mn-cs"/>
+            </a:defRPr>
+          </a:lvl9pPr>
+        </a:lstStyle>
+        <a:p xmlns:a="http://schemas.openxmlformats.org/drawingml/2006/main">
+          <a:pPr algn="ctr"/>
+          <a:endParaRPr lang="zh-CN" altLang="en-US"/>
+        </a:p>
+      </cdr:txBody>
+    </cdr:sp>
+  </cdr:relSizeAnchor>
+</c:userShapes>
+</file>
+
 <file path=ppt/notesMasters/notesMaster1.xml><?xml version="1.0" encoding="utf-8"?>
 <p:notesMaster xmlns:a="http://schemas.openxmlformats.org/drawingml/2006/main" xmlns:r="http://schemas.openxmlformats.org/officeDocument/2006/relationships" xmlns:p="http://schemas.openxmlformats.org/presentationml/2006/main">
   <p:cSld>
@@ -228,7 +4870,7 @@
           <a:p>
             <a:fld id="{FEE95B39-3522-4F42-AA23-24964AA85FF2}" type="datetimeFigureOut">
               <a:rPr lang="zh-CN" altLang="en-US" smtClean="0"/>
-              <a:t>2019/1/10</a:t>
+              <a:t>2019/1/11</a:t>
             </a:fld>
             <a:endParaRPr lang="zh-CN" altLang="en-US"/>
           </a:p>
@@ -939,6 +5581,262 @@
 </p:notes>
 </file>
 
+<file path=ppt/notesSlides/notesSlide6.xml><?xml version="1.0" encoding="utf-8"?>
+<p:notes xmlns:a="http://schemas.openxmlformats.org/drawingml/2006/main" xmlns:r="http://schemas.openxmlformats.org/officeDocument/2006/relationships" xmlns:p="http://schemas.openxmlformats.org/presentationml/2006/main">
+  <p:cSld>
+    <p:spTree>
+      <p:nvGrpSpPr>
+        <p:cNvPr id="1" name=""/>
+        <p:cNvGrpSpPr/>
+        <p:nvPr/>
+      </p:nvGrpSpPr>
+      <p:grpSpPr>
+        <a:xfrm>
+          <a:off x="0" y="0"/>
+          <a:ext cx="0" cy="0"/>
+          <a:chOff x="0" y="0"/>
+          <a:chExt cx="0" cy="0"/>
+        </a:xfrm>
+      </p:grpSpPr>
+      <p:sp>
+        <p:nvSpPr>
+          <p:cNvPr id="2" name="幻灯片图像占位符 1"/>
+          <p:cNvSpPr>
+            <a:spLocks noGrp="1" noRot="1" noChangeAspect="1"/>
+          </p:cNvSpPr>
+          <p:nvPr>
+            <p:ph type="sldImg"/>
+          </p:nvPr>
+        </p:nvSpPr>
+        <p:spPr/>
+      </p:sp>
+      <p:sp>
+        <p:nvSpPr>
+          <p:cNvPr id="3" name="备注占位符 2"/>
+          <p:cNvSpPr>
+            <a:spLocks noGrp="1"/>
+          </p:cNvSpPr>
+          <p:nvPr>
+            <p:ph type="body" idx="1"/>
+          </p:nvPr>
+        </p:nvSpPr>
+        <p:spPr/>
+        <p:txBody>
+          <a:bodyPr/>
+          <a:lstStyle/>
+          <a:p>
+            <a:r>
+              <a:rPr lang="zh-CN" altLang="en-US" dirty="0" smtClean="0"/>
+              <a:t>制作图表</a:t>
+            </a:r>
+            <a:endParaRPr lang="zh-CN" altLang="en-US" dirty="0"/>
+          </a:p>
+        </p:txBody>
+      </p:sp>
+      <p:sp>
+        <p:nvSpPr>
+          <p:cNvPr id="4" name="灯片编号占位符 3"/>
+          <p:cNvSpPr>
+            <a:spLocks noGrp="1"/>
+          </p:cNvSpPr>
+          <p:nvPr>
+            <p:ph type="sldNum" sz="quarter" idx="10"/>
+          </p:nvPr>
+        </p:nvSpPr>
+        <p:spPr/>
+        <p:txBody>
+          <a:bodyPr/>
+          <a:lstStyle/>
+          <a:p>
+            <a:fld id="{A2FC3198-E974-40D4-BC92-8551EBEF5290}" type="slidenum">
+              <a:rPr lang="zh-CN" altLang="en-US" smtClean="0"/>
+              <a:t>10</a:t>
+            </a:fld>
+            <a:endParaRPr lang="zh-CN" altLang="en-US"/>
+          </a:p>
+        </p:txBody>
+      </p:sp>
+    </p:spTree>
+    <p:extLst>
+      <p:ext uri="{BB962C8B-B14F-4D97-AF65-F5344CB8AC3E}">
+        <p14:creationId xmlns:p14="http://schemas.microsoft.com/office/powerpoint/2010/main" val="2579573254"/>
+      </p:ext>
+    </p:extLst>
+  </p:cSld>
+  <p:clrMapOvr>
+    <a:masterClrMapping/>
+  </p:clrMapOvr>
+</p:notes>
+</file>
+
+<file path=ppt/notesSlides/notesSlide7.xml><?xml version="1.0" encoding="utf-8"?>
+<p:notes xmlns:a="http://schemas.openxmlformats.org/drawingml/2006/main" xmlns:r="http://schemas.openxmlformats.org/officeDocument/2006/relationships" xmlns:p="http://schemas.openxmlformats.org/presentationml/2006/main">
+  <p:cSld>
+    <p:spTree>
+      <p:nvGrpSpPr>
+        <p:cNvPr id="1" name=""/>
+        <p:cNvGrpSpPr/>
+        <p:nvPr/>
+      </p:nvGrpSpPr>
+      <p:grpSpPr>
+        <a:xfrm>
+          <a:off x="0" y="0"/>
+          <a:ext cx="0" cy="0"/>
+          <a:chOff x="0" y="0"/>
+          <a:chExt cx="0" cy="0"/>
+        </a:xfrm>
+      </p:grpSpPr>
+      <p:sp>
+        <p:nvSpPr>
+          <p:cNvPr id="2" name="幻灯片图像占位符 1"/>
+          <p:cNvSpPr>
+            <a:spLocks noGrp="1" noRot="1" noChangeAspect="1"/>
+          </p:cNvSpPr>
+          <p:nvPr>
+            <p:ph type="sldImg"/>
+          </p:nvPr>
+        </p:nvSpPr>
+        <p:spPr/>
+      </p:sp>
+      <p:sp>
+        <p:nvSpPr>
+          <p:cNvPr id="3" name="备注占位符 2"/>
+          <p:cNvSpPr>
+            <a:spLocks noGrp="1"/>
+          </p:cNvSpPr>
+          <p:nvPr>
+            <p:ph type="body" idx="1"/>
+          </p:nvPr>
+        </p:nvSpPr>
+        <p:spPr/>
+        <p:txBody>
+          <a:bodyPr/>
+          <a:lstStyle/>
+          <a:p>
+            <a:endParaRPr lang="zh-CN" altLang="en-US" dirty="0"/>
+          </a:p>
+        </p:txBody>
+      </p:sp>
+      <p:sp>
+        <p:nvSpPr>
+          <p:cNvPr id="4" name="灯片编号占位符 3"/>
+          <p:cNvSpPr>
+            <a:spLocks noGrp="1"/>
+          </p:cNvSpPr>
+          <p:nvPr>
+            <p:ph type="sldNum" sz="quarter" idx="10"/>
+          </p:nvPr>
+        </p:nvSpPr>
+        <p:spPr/>
+        <p:txBody>
+          <a:bodyPr/>
+          <a:lstStyle/>
+          <a:p>
+            <a:fld id="{A2FC3198-E974-40D4-BC92-8551EBEF5290}" type="slidenum">
+              <a:rPr lang="zh-CN" altLang="en-US" smtClean="0"/>
+              <a:t>12</a:t>
+            </a:fld>
+            <a:endParaRPr lang="zh-CN" altLang="en-US"/>
+          </a:p>
+        </p:txBody>
+      </p:sp>
+    </p:spTree>
+    <p:extLst>
+      <p:ext uri="{BB962C8B-B14F-4D97-AF65-F5344CB8AC3E}">
+        <p14:creationId xmlns:p14="http://schemas.microsoft.com/office/powerpoint/2010/main" val="954980374"/>
+      </p:ext>
+    </p:extLst>
+  </p:cSld>
+  <p:clrMapOvr>
+    <a:masterClrMapping/>
+  </p:clrMapOvr>
+</p:notes>
+</file>
+
+<file path=ppt/notesSlides/notesSlide8.xml><?xml version="1.0" encoding="utf-8"?>
+<p:notes xmlns:a="http://schemas.openxmlformats.org/drawingml/2006/main" xmlns:r="http://schemas.openxmlformats.org/officeDocument/2006/relationships" xmlns:p="http://schemas.openxmlformats.org/presentationml/2006/main">
+  <p:cSld>
+    <p:spTree>
+      <p:nvGrpSpPr>
+        <p:cNvPr id="1" name=""/>
+        <p:cNvGrpSpPr/>
+        <p:nvPr/>
+      </p:nvGrpSpPr>
+      <p:grpSpPr>
+        <a:xfrm>
+          <a:off x="0" y="0"/>
+          <a:ext cx="0" cy="0"/>
+          <a:chOff x="0" y="0"/>
+          <a:chExt cx="0" cy="0"/>
+        </a:xfrm>
+      </p:grpSpPr>
+      <p:sp>
+        <p:nvSpPr>
+          <p:cNvPr id="2" name="幻灯片图像占位符 1"/>
+          <p:cNvSpPr>
+            <a:spLocks noGrp="1" noRot="1" noChangeAspect="1"/>
+          </p:cNvSpPr>
+          <p:nvPr>
+            <p:ph type="sldImg"/>
+          </p:nvPr>
+        </p:nvSpPr>
+        <p:spPr/>
+      </p:sp>
+      <p:sp>
+        <p:nvSpPr>
+          <p:cNvPr id="3" name="备注占位符 2"/>
+          <p:cNvSpPr>
+            <a:spLocks noGrp="1"/>
+          </p:cNvSpPr>
+          <p:nvPr>
+            <p:ph type="body" idx="1"/>
+          </p:nvPr>
+        </p:nvSpPr>
+        <p:spPr/>
+        <p:txBody>
+          <a:bodyPr/>
+          <a:lstStyle/>
+          <a:p>
+            <a:endParaRPr lang="zh-CN" altLang="en-US" dirty="0"/>
+          </a:p>
+        </p:txBody>
+      </p:sp>
+      <p:sp>
+        <p:nvSpPr>
+          <p:cNvPr id="4" name="灯片编号占位符 3"/>
+          <p:cNvSpPr>
+            <a:spLocks noGrp="1"/>
+          </p:cNvSpPr>
+          <p:nvPr>
+            <p:ph type="sldNum" sz="quarter" idx="10"/>
+          </p:nvPr>
+        </p:nvSpPr>
+        <p:spPr/>
+        <p:txBody>
+          <a:bodyPr/>
+          <a:lstStyle/>
+          <a:p>
+            <a:fld id="{A2FC3198-E974-40D4-BC92-8551EBEF5290}" type="slidenum">
+              <a:rPr lang="zh-CN" altLang="en-US" smtClean="0"/>
+              <a:t>13</a:t>
+            </a:fld>
+            <a:endParaRPr lang="zh-CN" altLang="en-US"/>
+          </a:p>
+        </p:txBody>
+      </p:sp>
+    </p:spTree>
+    <p:extLst>
+      <p:ext uri="{BB962C8B-B14F-4D97-AF65-F5344CB8AC3E}">
+        <p14:creationId xmlns:p14="http://schemas.microsoft.com/office/powerpoint/2010/main" val="2369784187"/>
+      </p:ext>
+    </p:extLst>
+  </p:cSld>
+  <p:clrMapOvr>
+    <a:masterClrMapping/>
+  </p:clrMapOvr>
+</p:notes>
+</file>
+
 <file path=ppt/slideLayouts/slideLayout1.xml><?xml version="1.0" encoding="utf-8"?>
 <p:sldLayout xmlns:a="http://schemas.openxmlformats.org/drawingml/2006/main" xmlns:r="http://schemas.openxmlformats.org/officeDocument/2006/relationships" xmlns:p="http://schemas.openxmlformats.org/presentationml/2006/main" type="title" preserve="1">
   <p:cSld name="标题幻灯片">
@@ -1070,7 +5968,7 @@
           <a:p>
             <a:fld id="{8C49D5E7-587D-49B1-9A00-960B17680333}" type="datetimeFigureOut">
               <a:rPr lang="zh-CN" altLang="en-US" smtClean="0"/>
-              <a:t>2019/1/10</a:t>
+              <a:t>2019/1/11</a:t>
             </a:fld>
             <a:endParaRPr lang="zh-CN" altLang="en-US"/>
           </a:p>
@@ -1240,7 +6138,7 @@
           <a:p>
             <a:fld id="{8C49D5E7-587D-49B1-9A00-960B17680333}" type="datetimeFigureOut">
               <a:rPr lang="zh-CN" altLang="en-US" smtClean="0"/>
-              <a:t>2019/1/10</a:t>
+              <a:t>2019/1/11</a:t>
             </a:fld>
             <a:endParaRPr lang="zh-CN" altLang="en-US"/>
           </a:p>
@@ -1420,7 +6318,7 @@
           <a:p>
             <a:fld id="{8C49D5E7-587D-49B1-9A00-960B17680333}" type="datetimeFigureOut">
               <a:rPr lang="zh-CN" altLang="en-US" smtClean="0"/>
-              <a:t>2019/1/10</a:t>
+              <a:t>2019/1/11</a:t>
             </a:fld>
             <a:endParaRPr lang="zh-CN" altLang="en-US"/>
           </a:p>
@@ -1590,7 +6488,7 @@
           <a:p>
             <a:fld id="{8C49D5E7-587D-49B1-9A00-960B17680333}" type="datetimeFigureOut">
               <a:rPr lang="zh-CN" altLang="en-US" smtClean="0"/>
-              <a:t>2019/1/10</a:t>
+              <a:t>2019/1/11</a:t>
             </a:fld>
             <a:endParaRPr lang="zh-CN" altLang="en-US"/>
           </a:p>
@@ -1836,7 +6734,7 @@
           <a:p>
             <a:fld id="{8C49D5E7-587D-49B1-9A00-960B17680333}" type="datetimeFigureOut">
               <a:rPr lang="zh-CN" altLang="en-US" smtClean="0"/>
-              <a:t>2019/1/10</a:t>
+              <a:t>2019/1/11</a:t>
             </a:fld>
             <a:endParaRPr lang="zh-CN" altLang="en-US"/>
           </a:p>
@@ -2068,7 +6966,7 @@
           <a:p>
             <a:fld id="{8C49D5E7-587D-49B1-9A00-960B17680333}" type="datetimeFigureOut">
               <a:rPr lang="zh-CN" altLang="en-US" smtClean="0"/>
-              <a:t>2019/1/10</a:t>
+              <a:t>2019/1/11</a:t>
             </a:fld>
             <a:endParaRPr lang="zh-CN" altLang="en-US"/>
           </a:p>
@@ -2435,7 +7333,7 @@
           <a:p>
             <a:fld id="{8C49D5E7-587D-49B1-9A00-960B17680333}" type="datetimeFigureOut">
               <a:rPr lang="zh-CN" altLang="en-US" smtClean="0"/>
-              <a:t>2019/1/10</a:t>
+              <a:t>2019/1/11</a:t>
             </a:fld>
             <a:endParaRPr lang="zh-CN" altLang="en-US"/>
           </a:p>
@@ -2553,7 +7451,7 @@
           <a:p>
             <a:fld id="{8C49D5E7-587D-49B1-9A00-960B17680333}" type="datetimeFigureOut">
               <a:rPr lang="zh-CN" altLang="en-US" smtClean="0"/>
-              <a:t>2019/1/10</a:t>
+              <a:t>2019/1/11</a:t>
             </a:fld>
             <a:endParaRPr lang="zh-CN" altLang="en-US"/>
           </a:p>
@@ -2648,7 +7546,7 @@
           <a:p>
             <a:fld id="{8C49D5E7-587D-49B1-9A00-960B17680333}" type="datetimeFigureOut">
               <a:rPr lang="zh-CN" altLang="en-US" smtClean="0"/>
-              <a:t>2019/1/10</a:t>
+              <a:t>2019/1/11</a:t>
             </a:fld>
             <a:endParaRPr lang="zh-CN" altLang="en-US"/>
           </a:p>
@@ -2925,7 +7823,7 @@
           <a:p>
             <a:fld id="{8C49D5E7-587D-49B1-9A00-960B17680333}" type="datetimeFigureOut">
               <a:rPr lang="zh-CN" altLang="en-US" smtClean="0"/>
-              <a:t>2019/1/10</a:t>
+              <a:t>2019/1/11</a:t>
             </a:fld>
             <a:endParaRPr lang="zh-CN" altLang="en-US"/>
           </a:p>
@@ -3178,7 +8076,7 @@
           <a:p>
             <a:fld id="{8C49D5E7-587D-49B1-9A00-960B17680333}" type="datetimeFigureOut">
               <a:rPr lang="zh-CN" altLang="en-US" smtClean="0"/>
-              <a:t>2019/1/10</a:t>
+              <a:t>2019/1/11</a:t>
             </a:fld>
             <a:endParaRPr lang="zh-CN" altLang="en-US"/>
           </a:p>
@@ -3394,7 +8292,7 @@
           <a:p>
             <a:fld id="{8C49D5E7-587D-49B1-9A00-960B17680333}" type="datetimeFigureOut">
               <a:rPr lang="zh-CN" altLang="en-US" smtClean="0"/>
-              <a:t>2019/1/10</a:t>
+              <a:t>2019/1/11</a:t>
             </a:fld>
             <a:endParaRPr lang="zh-CN" altLang="en-US"/>
           </a:p>
@@ -4411,6 +9309,1177 @@
 </p:sld>
 </file>
 
+<file path=ppt/slides/slide10.xml><?xml version="1.0" encoding="utf-8"?>
+<p:sld xmlns:a="http://schemas.openxmlformats.org/drawingml/2006/main" xmlns:r="http://schemas.openxmlformats.org/officeDocument/2006/relationships" xmlns:p="http://schemas.openxmlformats.org/presentationml/2006/main">
+  <p:cSld>
+    <p:bg>
+      <p:bgPr>
+        <a:solidFill>
+          <a:schemeClr val="bg1"/>
+        </a:solidFill>
+        <a:effectLst/>
+      </p:bgPr>
+    </p:bg>
+    <p:spTree>
+      <p:nvGrpSpPr>
+        <p:cNvPr id="1" name=""/>
+        <p:cNvGrpSpPr/>
+        <p:nvPr/>
+      </p:nvGrpSpPr>
+      <p:grpSpPr>
+        <a:xfrm>
+          <a:off x="0" y="0"/>
+          <a:ext cx="0" cy="0"/>
+          <a:chOff x="0" y="0"/>
+          <a:chExt cx="0" cy="0"/>
+        </a:xfrm>
+      </p:grpSpPr>
+      <p:pic>
+        <p:nvPicPr>
+          <p:cNvPr id="2" name="图片 1" descr="白嘴乌鸦 - 维基百科，自由的百科全书"/>
+          <p:cNvPicPr>
+            <a:picLocks noChangeAspect="1"/>
+          </p:cNvPicPr>
+          <p:nvPr/>
+        </p:nvPicPr>
+        <p:blipFill>
+          <a:blip r:embed="rId3">
+            <a:extLst>
+              <a:ext uri="{28A0092B-C50C-407E-A947-70E740481C1C}">
+                <a14:useLocalDpi xmlns:a14="http://schemas.microsoft.com/office/drawing/2010/main" val="0"/>
+              </a:ext>
+            </a:extLst>
+          </a:blip>
+          <a:stretch>
+            <a:fillRect/>
+          </a:stretch>
+        </p:blipFill>
+        <p:spPr>
+          <a:xfrm>
+            <a:off x="-50800" y="0"/>
+            <a:ext cx="5054600" cy="6858000"/>
+          </a:xfrm>
+          <a:prstGeom prst="rect">
+            <a:avLst/>
+          </a:prstGeom>
+        </p:spPr>
+      </p:pic>
+      <p:graphicFrame>
+        <p:nvGraphicFramePr>
+          <p:cNvPr id="5" name="图表 4"/>
+          <p:cNvGraphicFramePr/>
+          <p:nvPr>
+            <p:extLst>
+              <p:ext uri="{D42A27DB-BD31-4B8C-83A1-F6EECF244321}">
+                <p14:modId xmlns:p14="http://schemas.microsoft.com/office/powerpoint/2010/main" val="2451359031"/>
+              </p:ext>
+            </p:extLst>
+          </p:nvPr>
+        </p:nvGraphicFramePr>
+        <p:xfrm>
+          <a:off x="5395563" y="-1"/>
+          <a:ext cx="3913537" cy="6858001"/>
+        </p:xfrm>
+        <a:graphic>
+          <a:graphicData uri="http://schemas.openxmlformats.org/drawingml/2006/chart">
+            <c:chart xmlns:c="http://schemas.openxmlformats.org/drawingml/2006/chart" xmlns:r="http://schemas.openxmlformats.org/officeDocument/2006/relationships" r:id="rId4"/>
+          </a:graphicData>
+        </a:graphic>
+      </p:graphicFrame>
+      <p:sp>
+        <p:nvSpPr>
+          <p:cNvPr id="6" name="文本框 5"/>
+          <p:cNvSpPr txBox="1"/>
+          <p:nvPr/>
+        </p:nvSpPr>
+        <p:spPr>
+          <a:xfrm>
+            <a:off x="9650063" y="4330701"/>
+            <a:ext cx="2262537" cy="2154436"/>
+          </a:xfrm>
+          <a:prstGeom prst="rect">
+            <a:avLst/>
+          </a:prstGeom>
+          <a:noFill/>
+        </p:spPr>
+        <p:txBody>
+          <a:bodyPr wrap="square" rtlCol="0">
+            <a:spAutoFit/>
+          </a:bodyPr>
+          <a:lstStyle/>
+          <a:p>
+            <a:r>
+              <a:rPr lang="en-US" altLang="zh-CN" b="1" dirty="0"/>
+              <a:t>Bird love is a virtue</a:t>
+            </a:r>
+            <a:r>
+              <a:rPr lang="en-US" altLang="zh-CN" sz="1400" dirty="0"/>
+              <a:t>. </a:t>
+            </a:r>
+            <a:endParaRPr lang="en-US" altLang="zh-CN" sz="1400" dirty="0" smtClean="0"/>
+          </a:p>
+          <a:p>
+            <a:r>
+              <a:rPr lang="en-US" altLang="zh-CN" sz="1400" dirty="0" smtClean="0"/>
+              <a:t>Birds </a:t>
+            </a:r>
+            <a:r>
+              <a:rPr lang="en-US" altLang="zh-CN" sz="1400" dirty="0"/>
+              <a:t>can not only bring infinite vitality to nature and add infinite pleasure to human life, but also the vast majority of birds are beneficial birds, which is beneficial to maintaining ecological balance</a:t>
+            </a:r>
+            <a:r>
+              <a:rPr lang="en-US" altLang="zh-CN" dirty="0"/>
+              <a:t>.</a:t>
+            </a:r>
+            <a:endParaRPr lang="zh-CN" altLang="en-US" dirty="0"/>
+          </a:p>
+        </p:txBody>
+      </p:sp>
+      <p:sp>
+        <p:nvSpPr>
+          <p:cNvPr id="7" name="文本框 6"/>
+          <p:cNvSpPr txBox="1"/>
+          <p:nvPr/>
+        </p:nvSpPr>
+        <p:spPr>
+          <a:xfrm>
+            <a:off x="9600231" y="2959100"/>
+            <a:ext cx="2362200" cy="1231106"/>
+          </a:xfrm>
+          <a:prstGeom prst="rect">
+            <a:avLst/>
+          </a:prstGeom>
+          <a:noFill/>
+        </p:spPr>
+        <p:txBody>
+          <a:bodyPr wrap="square" rtlCol="0">
+            <a:spAutoFit/>
+          </a:bodyPr>
+          <a:lstStyle/>
+          <a:p>
+            <a:r>
+              <a:rPr lang="en-US" altLang="zh-CN" b="1" dirty="0"/>
+              <a:t>Great </a:t>
+            </a:r>
+            <a:endParaRPr lang="en-US" altLang="zh-CN" b="1" dirty="0" smtClean="0"/>
+          </a:p>
+          <a:p>
+            <a:r>
+              <a:rPr lang="en-US" altLang="zh-CN" sz="1400" dirty="0"/>
+              <a:t>Great </a:t>
+            </a:r>
+            <a:r>
+              <a:rPr lang="en-US" altLang="zh-CN" sz="1400" dirty="0" smtClean="0"/>
+              <a:t>tits </a:t>
+            </a:r>
+            <a:r>
+              <a:rPr lang="en-US" altLang="zh-CN" sz="1400" dirty="0"/>
+              <a:t>are " guardians of orchards". A great tits preys on pests equivalent to its own weight in a day.</a:t>
+            </a:r>
+            <a:endParaRPr lang="zh-CN" altLang="en-US" sz="1400" dirty="0"/>
+          </a:p>
+        </p:txBody>
+      </p:sp>
+      <p:sp>
+        <p:nvSpPr>
+          <p:cNvPr id="9" name="矩形 8"/>
+          <p:cNvSpPr/>
+          <p:nvPr/>
+        </p:nvSpPr>
+        <p:spPr>
+          <a:xfrm>
+            <a:off x="0" y="0"/>
+            <a:ext cx="3771900" cy="6858000"/>
+          </a:xfrm>
+          <a:prstGeom prst="rect">
+            <a:avLst/>
+          </a:prstGeom>
+          <a:solidFill>
+            <a:schemeClr val="tx1">
+              <a:alpha val="38000"/>
+            </a:schemeClr>
+          </a:solidFill>
+          <a:ln>
+            <a:noFill/>
+          </a:ln>
+        </p:spPr>
+        <p:style>
+          <a:lnRef idx="2">
+            <a:schemeClr val="accent1">
+              <a:shade val="50000"/>
+            </a:schemeClr>
+          </a:lnRef>
+          <a:fillRef idx="1">
+            <a:schemeClr val="accent1"/>
+          </a:fillRef>
+          <a:effectRef idx="0">
+            <a:schemeClr val="accent1"/>
+          </a:effectRef>
+          <a:fontRef idx="minor">
+            <a:schemeClr val="lt1"/>
+          </a:fontRef>
+        </p:style>
+        <p:txBody>
+          <a:bodyPr rtlCol="0" anchor="ctr"/>
+          <a:lstStyle/>
+          <a:p>
+            <a:pPr algn="ctr"/>
+            <a:endParaRPr lang="zh-CN" altLang="en-US"/>
+          </a:p>
+        </p:txBody>
+      </p:sp>
+      <p:sp>
+        <p:nvSpPr>
+          <p:cNvPr id="8" name="文本框 7"/>
+          <p:cNvSpPr txBox="1"/>
+          <p:nvPr/>
+        </p:nvSpPr>
+        <p:spPr>
+          <a:xfrm>
+            <a:off x="146050" y="1189384"/>
+            <a:ext cx="3479800" cy="4770537"/>
+          </a:xfrm>
+          <a:prstGeom prst="rect">
+            <a:avLst/>
+          </a:prstGeom>
+          <a:noFill/>
+        </p:spPr>
+        <p:txBody>
+          <a:bodyPr wrap="square" rtlCol="0">
+            <a:spAutoFit/>
+          </a:bodyPr>
+          <a:lstStyle/>
+          <a:p>
+            <a:r>
+              <a:rPr lang="en-US" altLang="zh-CN" sz="1600" dirty="0">
+                <a:solidFill>
+                  <a:schemeClr val="bg1"/>
+                </a:solidFill>
+              </a:rPr>
+              <a:t>Birds are usually feathered and oviparous animals with extremely high metabolic rate and mostly hollow long bones, so most birds can fly. Birds evolved from reptiles. There are more than 9,000 species of birds in the world, all of which have wings and feathers. Even those birds that have lost their flight ability ( such as ostriches, penguins, etc. ) are no exception. The earliest birds appeared 150 million years ago. The body is spindle - shaped, forelimbs are specially shaped into wings, the body surface has feathers, the body temperature is constant, the muscle chest is developed, the bone is healed, thin and hollow, and the brain is relatively developed</a:t>
+            </a:r>
+            <a:endParaRPr lang="zh-CN" altLang="en-US" sz="1600" dirty="0">
+              <a:solidFill>
+                <a:schemeClr val="bg1"/>
+              </a:solidFill>
+            </a:endParaRPr>
+          </a:p>
+        </p:txBody>
+      </p:sp>
+      <p:grpSp>
+        <p:nvGrpSpPr>
+          <p:cNvPr id="28" name="组合 27"/>
+          <p:cNvGrpSpPr/>
+          <p:nvPr/>
+        </p:nvGrpSpPr>
+        <p:grpSpPr>
+          <a:xfrm>
+            <a:off x="9966388" y="738376"/>
+            <a:ext cx="1629886" cy="1689261"/>
+            <a:chOff x="9657509" y="433576"/>
+            <a:chExt cx="1629886" cy="1689261"/>
+          </a:xfrm>
+        </p:grpSpPr>
+        <p:sp>
+          <p:nvSpPr>
+            <p:cNvPr id="11" name="椭圆 10"/>
+            <p:cNvSpPr/>
+            <p:nvPr/>
+          </p:nvSpPr>
+          <p:spPr>
+            <a:xfrm rot="21045808">
+              <a:off x="10700949" y="1526272"/>
+              <a:ext cx="575175" cy="342900"/>
+            </a:xfrm>
+            <a:prstGeom prst="ellipse">
+              <a:avLst/>
+            </a:prstGeom>
+            <a:solidFill>
+              <a:schemeClr val="bg1"/>
+            </a:solidFill>
+            <a:ln w="57150">
+              <a:solidFill>
+                <a:srgbClr val="D4E0C2"/>
+              </a:solidFill>
+            </a:ln>
+          </p:spPr>
+          <p:style>
+            <a:lnRef idx="2">
+              <a:schemeClr val="accent1">
+                <a:shade val="50000"/>
+              </a:schemeClr>
+            </a:lnRef>
+            <a:fillRef idx="1">
+              <a:schemeClr val="accent1"/>
+            </a:fillRef>
+            <a:effectRef idx="0">
+              <a:schemeClr val="accent1"/>
+            </a:effectRef>
+            <a:fontRef idx="minor">
+              <a:schemeClr val="lt1"/>
+            </a:fontRef>
+          </p:style>
+          <p:txBody>
+            <a:bodyPr rtlCol="0" anchor="ctr"/>
+            <a:lstStyle/>
+            <a:p>
+              <a:pPr algn="ctr"/>
+              <a:endParaRPr lang="zh-CN" altLang="en-US"/>
+            </a:p>
+          </p:txBody>
+        </p:sp>
+        <p:cxnSp>
+          <p:nvCxnSpPr>
+            <p:cNvPr id="16" name="直接连接符 15"/>
+            <p:cNvCxnSpPr/>
+            <p:nvPr/>
+          </p:nvCxnSpPr>
+          <p:spPr>
+            <a:xfrm flipV="1">
+              <a:off x="11254604" y="433576"/>
+              <a:ext cx="7955" cy="1231317"/>
+            </a:xfrm>
+            <a:prstGeom prst="line">
+              <a:avLst/>
+            </a:prstGeom>
+            <a:ln w="57150">
+              <a:solidFill>
+                <a:srgbClr val="D4E0C2"/>
+              </a:solidFill>
+            </a:ln>
+          </p:spPr>
+          <p:style>
+            <a:lnRef idx="1">
+              <a:schemeClr val="accent1"/>
+            </a:lnRef>
+            <a:fillRef idx="0">
+              <a:schemeClr val="accent1"/>
+            </a:fillRef>
+            <a:effectRef idx="0">
+              <a:schemeClr val="accent1"/>
+            </a:effectRef>
+            <a:fontRef idx="minor">
+              <a:schemeClr val="tx1"/>
+            </a:fontRef>
+          </p:style>
+        </p:cxnSp>
+        <p:cxnSp>
+          <p:nvCxnSpPr>
+            <p:cNvPr id="18" name="直接连接符 17"/>
+            <p:cNvCxnSpPr/>
+            <p:nvPr/>
+          </p:nvCxnSpPr>
+          <p:spPr>
+            <a:xfrm flipV="1">
+              <a:off x="10172700" y="459507"/>
+              <a:ext cx="1089859" cy="213594"/>
+            </a:xfrm>
+            <a:prstGeom prst="line">
+              <a:avLst/>
+            </a:prstGeom>
+            <a:ln w="57150">
+              <a:solidFill>
+                <a:srgbClr val="D4E0C2"/>
+              </a:solidFill>
+            </a:ln>
+          </p:spPr>
+          <p:style>
+            <a:lnRef idx="1">
+              <a:schemeClr val="accent1"/>
+            </a:lnRef>
+            <a:fillRef idx="0">
+              <a:schemeClr val="accent1"/>
+            </a:fillRef>
+            <a:effectRef idx="0">
+              <a:schemeClr val="accent1"/>
+            </a:effectRef>
+            <a:fontRef idx="minor">
+              <a:schemeClr val="tx1"/>
+            </a:fontRef>
+          </p:style>
+        </p:cxnSp>
+        <p:cxnSp>
+          <p:nvCxnSpPr>
+            <p:cNvPr id="25" name="直接连接符 24"/>
+            <p:cNvCxnSpPr/>
+            <p:nvPr/>
+          </p:nvCxnSpPr>
+          <p:spPr>
+            <a:xfrm flipV="1">
+              <a:off x="10197536" y="798072"/>
+              <a:ext cx="1089859" cy="213594"/>
+            </a:xfrm>
+            <a:prstGeom prst="line">
+              <a:avLst/>
+            </a:prstGeom>
+            <a:ln w="57150">
+              <a:solidFill>
+                <a:srgbClr val="D4E0C2"/>
+              </a:solidFill>
+            </a:ln>
+          </p:spPr>
+          <p:style>
+            <a:lnRef idx="1">
+              <a:schemeClr val="accent1"/>
+            </a:lnRef>
+            <a:fillRef idx="0">
+              <a:schemeClr val="accent1"/>
+            </a:fillRef>
+            <a:effectRef idx="0">
+              <a:schemeClr val="accent1"/>
+            </a:effectRef>
+            <a:fontRef idx="minor">
+              <a:schemeClr val="tx1"/>
+            </a:fontRef>
+          </p:style>
+        </p:cxnSp>
+        <p:sp>
+          <p:nvSpPr>
+            <p:cNvPr id="26" name="椭圆 25"/>
+            <p:cNvSpPr/>
+            <p:nvPr/>
+          </p:nvSpPr>
+          <p:spPr>
+            <a:xfrm rot="21045808">
+              <a:off x="9657509" y="1779937"/>
+              <a:ext cx="524680" cy="342900"/>
+            </a:xfrm>
+            <a:prstGeom prst="ellipse">
+              <a:avLst/>
+            </a:prstGeom>
+            <a:solidFill>
+              <a:schemeClr val="bg1"/>
+            </a:solidFill>
+            <a:ln w="57150">
+              <a:solidFill>
+                <a:srgbClr val="D4E0C2"/>
+              </a:solidFill>
+            </a:ln>
+          </p:spPr>
+          <p:style>
+            <a:lnRef idx="2">
+              <a:schemeClr val="accent1">
+                <a:shade val="50000"/>
+              </a:schemeClr>
+            </a:lnRef>
+            <a:fillRef idx="1">
+              <a:schemeClr val="accent1"/>
+            </a:fillRef>
+            <a:effectRef idx="0">
+              <a:schemeClr val="accent1"/>
+            </a:effectRef>
+            <a:fontRef idx="minor">
+              <a:schemeClr val="lt1"/>
+            </a:fontRef>
+          </p:style>
+          <p:txBody>
+            <a:bodyPr rtlCol="0" anchor="ctr"/>
+            <a:lstStyle/>
+            <a:p>
+              <a:pPr algn="ctr"/>
+              <a:endParaRPr lang="zh-CN" altLang="en-US"/>
+            </a:p>
+          </p:txBody>
+        </p:sp>
+        <p:cxnSp>
+          <p:nvCxnSpPr>
+            <p:cNvPr id="27" name="直接连接符 26"/>
+            <p:cNvCxnSpPr/>
+            <p:nvPr/>
+          </p:nvCxnSpPr>
+          <p:spPr>
+            <a:xfrm flipV="1">
+              <a:off x="10164745" y="673101"/>
+              <a:ext cx="7955" cy="1231317"/>
+            </a:xfrm>
+            <a:prstGeom prst="line">
+              <a:avLst/>
+            </a:prstGeom>
+            <a:ln w="57150">
+              <a:solidFill>
+                <a:srgbClr val="D4E0C2"/>
+              </a:solidFill>
+            </a:ln>
+          </p:spPr>
+          <p:style>
+            <a:lnRef idx="1">
+              <a:schemeClr val="accent1"/>
+            </a:lnRef>
+            <a:fillRef idx="0">
+              <a:schemeClr val="accent1"/>
+            </a:fillRef>
+            <a:effectRef idx="0">
+              <a:schemeClr val="accent1"/>
+            </a:effectRef>
+            <a:fontRef idx="minor">
+              <a:schemeClr val="tx1"/>
+            </a:fontRef>
+          </p:style>
+        </p:cxnSp>
+      </p:grpSp>
+    </p:spTree>
+    <p:extLst>
+      <p:ext uri="{BB962C8B-B14F-4D97-AF65-F5344CB8AC3E}">
+        <p14:creationId xmlns:p14="http://schemas.microsoft.com/office/powerpoint/2010/main" val="3144067128"/>
+      </p:ext>
+    </p:extLst>
+  </p:cSld>
+  <p:clrMapOvr>
+    <a:masterClrMapping/>
+  </p:clrMapOvr>
+  <p:timing>
+    <p:tnLst>
+      <p:par>
+        <p:cTn id="1" dur="indefinite" restart="never" nodeType="tmRoot"/>
+      </p:par>
+    </p:tnLst>
+  </p:timing>
+</p:sld>
+</file>
+
+<file path=ppt/slides/slide11.xml><?xml version="1.0" encoding="utf-8"?>
+<p:sld xmlns:a="http://schemas.openxmlformats.org/drawingml/2006/main" xmlns:r="http://schemas.openxmlformats.org/officeDocument/2006/relationships" xmlns:p="http://schemas.openxmlformats.org/presentationml/2006/main">
+  <p:cSld>
+    <p:bg>
+      <p:bgPr>
+        <a:blipFill>
+          <a:blip r:embed="rId2">
+            <a:alphaModFix amt="99000"/>
+          </a:blip>
+          <a:tile tx="0" ty="0" sx="100000" sy="100000" flip="none" algn="tl"/>
+        </a:blipFill>
+        <a:effectLst/>
+      </p:bgPr>
+    </p:bg>
+    <p:spTree>
+      <p:nvGrpSpPr>
+        <p:cNvPr id="1" name=""/>
+        <p:cNvGrpSpPr/>
+        <p:nvPr/>
+      </p:nvGrpSpPr>
+      <p:grpSpPr>
+        <a:xfrm>
+          <a:off x="0" y="0"/>
+          <a:ext cx="0" cy="0"/>
+          <a:chOff x="0" y="0"/>
+          <a:chExt cx="0" cy="0"/>
+        </a:xfrm>
+      </p:grpSpPr>
+      <p:grpSp>
+        <p:nvGrpSpPr>
+          <p:cNvPr id="13" name="组合 12"/>
+          <p:cNvGrpSpPr/>
+          <p:nvPr/>
+        </p:nvGrpSpPr>
+        <p:grpSpPr>
+          <a:xfrm>
+            <a:off x="4965700" y="932934"/>
+            <a:ext cx="5232400" cy="4865133"/>
+            <a:chOff x="6680200" y="856734"/>
+            <a:chExt cx="5232400" cy="4865133"/>
+          </a:xfrm>
+        </p:grpSpPr>
+        <p:graphicFrame>
+          <p:nvGraphicFramePr>
+            <p:cNvPr id="7" name="图表 6"/>
+            <p:cNvGraphicFramePr/>
+            <p:nvPr>
+              <p:extLst>
+                <p:ext uri="{D42A27DB-BD31-4B8C-83A1-F6EECF244321}">
+                  <p14:modId xmlns:p14="http://schemas.microsoft.com/office/powerpoint/2010/main" val="390974242"/>
+                </p:ext>
+              </p:extLst>
+            </p:nvPr>
+          </p:nvGraphicFramePr>
+          <p:xfrm>
+            <a:off x="6680200" y="1238766"/>
+            <a:ext cx="5232400" cy="4483101"/>
+          </p:xfrm>
+          <a:graphic>
+            <a:graphicData uri="http://schemas.openxmlformats.org/drawingml/2006/chart">
+              <c:chart xmlns:c="http://schemas.openxmlformats.org/drawingml/2006/chart" xmlns:r="http://schemas.openxmlformats.org/officeDocument/2006/relationships" r:id="rId3"/>
+            </a:graphicData>
+          </a:graphic>
+        </p:graphicFrame>
+        <p:sp>
+          <p:nvSpPr>
+            <p:cNvPr id="9" name="文本框 8"/>
+            <p:cNvSpPr txBox="1"/>
+            <p:nvPr/>
+          </p:nvSpPr>
+          <p:spPr>
+            <a:xfrm>
+              <a:off x="6680200" y="856734"/>
+              <a:ext cx="5232400" cy="369332"/>
+            </a:xfrm>
+            <a:prstGeom prst="rect">
+              <a:avLst/>
+            </a:prstGeom>
+            <a:solidFill>
+              <a:schemeClr val="tx1"/>
+            </a:solidFill>
+            <a:ln w="28575">
+              <a:solidFill>
+                <a:schemeClr val="tx1"/>
+              </a:solidFill>
+            </a:ln>
+          </p:spPr>
+          <p:txBody>
+            <a:bodyPr wrap="square" rtlCol="0">
+              <a:spAutoFit/>
+            </a:bodyPr>
+            <a:lstStyle/>
+            <a:p>
+              <a:pPr algn="ctr"/>
+              <a:r>
+                <a:rPr lang="en-US" altLang="zh-CN" dirty="0" smtClean="0">
+                  <a:solidFill>
+                    <a:schemeClr val="bg1"/>
+                  </a:solidFill>
+                </a:rPr>
+                <a:t>2018</a:t>
+              </a:r>
+              <a:r>
+                <a:rPr lang="zh-CN" altLang="en-US" dirty="0" smtClean="0">
+                  <a:solidFill>
+                    <a:schemeClr val="bg1"/>
+                  </a:solidFill>
+                </a:rPr>
+                <a:t>年度汇总表</a:t>
+              </a:r>
+              <a:endParaRPr lang="zh-CN" altLang="en-US" dirty="0">
+                <a:solidFill>
+                  <a:schemeClr val="bg1"/>
+                </a:solidFill>
+              </a:endParaRPr>
+            </a:p>
+          </p:txBody>
+        </p:sp>
+      </p:grpSp>
+      <p:grpSp>
+        <p:nvGrpSpPr>
+          <p:cNvPr id="14" name="组合 13"/>
+          <p:cNvGrpSpPr/>
+          <p:nvPr/>
+        </p:nvGrpSpPr>
+        <p:grpSpPr>
+          <a:xfrm rot="5400000">
+            <a:off x="2519036" y="1440654"/>
+            <a:ext cx="1051780" cy="2241112"/>
+            <a:chOff x="1905000" y="1041400"/>
+            <a:chExt cx="1562100" cy="2628900"/>
+          </a:xfrm>
+        </p:grpSpPr>
+        <p:sp>
+          <p:nvSpPr>
+            <p:cNvPr id="2" name="等腰三角形 1"/>
+            <p:cNvSpPr/>
+            <p:nvPr/>
+          </p:nvSpPr>
+          <p:spPr>
+            <a:xfrm>
+              <a:off x="2870200" y="1041400"/>
+              <a:ext cx="596900" cy="711200"/>
+            </a:xfrm>
+            <a:prstGeom prst="triangle">
+              <a:avLst/>
+            </a:prstGeom>
+            <a:solidFill>
+              <a:srgbClr val="00B0F0"/>
+            </a:solidFill>
+            <a:ln>
+              <a:noFill/>
+            </a:ln>
+          </p:spPr>
+          <p:style>
+            <a:lnRef idx="2">
+              <a:schemeClr val="accent1">
+                <a:shade val="50000"/>
+              </a:schemeClr>
+            </a:lnRef>
+            <a:fillRef idx="1">
+              <a:schemeClr val="accent1"/>
+            </a:fillRef>
+            <a:effectRef idx="0">
+              <a:schemeClr val="accent1"/>
+            </a:effectRef>
+            <a:fontRef idx="minor">
+              <a:schemeClr val="lt1"/>
+            </a:fontRef>
+          </p:style>
+          <p:txBody>
+            <a:bodyPr rtlCol="0" anchor="ctr"/>
+            <a:lstStyle/>
+            <a:p>
+              <a:pPr algn="ctr"/>
+              <a:endParaRPr lang="zh-CN" altLang="en-US"/>
+            </a:p>
+          </p:txBody>
+        </p:sp>
+        <p:sp>
+          <p:nvSpPr>
+            <p:cNvPr id="4" name="等腰三角形 3"/>
+            <p:cNvSpPr/>
+            <p:nvPr/>
+          </p:nvSpPr>
+          <p:spPr>
+            <a:xfrm>
+              <a:off x="1905000" y="1041400"/>
+              <a:ext cx="469900" cy="711200"/>
+            </a:xfrm>
+            <a:prstGeom prst="triangle">
+              <a:avLst/>
+            </a:prstGeom>
+            <a:solidFill>
+              <a:srgbClr val="00B050"/>
+            </a:solidFill>
+            <a:ln>
+              <a:noFill/>
+            </a:ln>
+          </p:spPr>
+          <p:style>
+            <a:lnRef idx="2">
+              <a:schemeClr val="accent1">
+                <a:shade val="50000"/>
+              </a:schemeClr>
+            </a:lnRef>
+            <a:fillRef idx="1">
+              <a:schemeClr val="accent1"/>
+            </a:fillRef>
+            <a:effectRef idx="0">
+              <a:schemeClr val="accent1"/>
+            </a:effectRef>
+            <a:fontRef idx="minor">
+              <a:schemeClr val="lt1"/>
+            </a:fontRef>
+          </p:style>
+          <p:txBody>
+            <a:bodyPr rtlCol="0" anchor="ctr"/>
+            <a:lstStyle/>
+            <a:p>
+              <a:pPr algn="ctr"/>
+              <a:endParaRPr lang="zh-CN" altLang="en-US"/>
+            </a:p>
+          </p:txBody>
+        </p:sp>
+        <p:sp>
+          <p:nvSpPr>
+            <p:cNvPr id="10" name="矩形 9"/>
+            <p:cNvSpPr/>
+            <p:nvPr/>
+          </p:nvSpPr>
+          <p:spPr>
+            <a:xfrm>
+              <a:off x="2374900" y="2616200"/>
+              <a:ext cx="127000" cy="901700"/>
+            </a:xfrm>
+            <a:prstGeom prst="rect">
+              <a:avLst/>
+            </a:prstGeom>
+            <a:solidFill>
+              <a:schemeClr val="tx1"/>
+            </a:solidFill>
+            <a:ln>
+              <a:noFill/>
+            </a:ln>
+          </p:spPr>
+          <p:style>
+            <a:lnRef idx="2">
+              <a:schemeClr val="accent1">
+                <a:shade val="50000"/>
+              </a:schemeClr>
+            </a:lnRef>
+            <a:fillRef idx="1">
+              <a:schemeClr val="accent1"/>
+            </a:fillRef>
+            <a:effectRef idx="0">
+              <a:schemeClr val="accent1"/>
+            </a:effectRef>
+            <a:fontRef idx="minor">
+              <a:schemeClr val="lt1"/>
+            </a:fontRef>
+          </p:style>
+          <p:txBody>
+            <a:bodyPr rtlCol="0" anchor="ctr"/>
+            <a:lstStyle/>
+            <a:p>
+              <a:pPr algn="ctr"/>
+              <a:endParaRPr lang="zh-CN" altLang="en-US"/>
+            </a:p>
+          </p:txBody>
+        </p:sp>
+        <p:sp>
+          <p:nvSpPr>
+            <p:cNvPr id="11" name="矩形 10"/>
+            <p:cNvSpPr/>
+            <p:nvPr/>
+          </p:nvSpPr>
+          <p:spPr>
+            <a:xfrm>
+              <a:off x="2527300" y="2768600"/>
+              <a:ext cx="127000" cy="901700"/>
+            </a:xfrm>
+            <a:prstGeom prst="rect">
+              <a:avLst/>
+            </a:prstGeom>
+            <a:solidFill>
+              <a:schemeClr val="accent2">
+                <a:lumMod val="75000"/>
+              </a:schemeClr>
+            </a:solidFill>
+            <a:ln>
+              <a:noFill/>
+            </a:ln>
+          </p:spPr>
+          <p:style>
+            <a:lnRef idx="2">
+              <a:schemeClr val="accent1">
+                <a:shade val="50000"/>
+              </a:schemeClr>
+            </a:lnRef>
+            <a:fillRef idx="1">
+              <a:schemeClr val="accent1"/>
+            </a:fillRef>
+            <a:effectRef idx="0">
+              <a:schemeClr val="accent1"/>
+            </a:effectRef>
+            <a:fontRef idx="minor">
+              <a:schemeClr val="lt1"/>
+            </a:fontRef>
+          </p:style>
+          <p:txBody>
+            <a:bodyPr rtlCol="0" anchor="ctr"/>
+            <a:lstStyle/>
+            <a:p>
+              <a:pPr algn="ctr"/>
+              <a:endParaRPr lang="zh-CN" altLang="en-US"/>
+            </a:p>
+          </p:txBody>
+        </p:sp>
+      </p:grpSp>
+    </p:spTree>
+    <p:extLst>
+      <p:ext uri="{BB962C8B-B14F-4D97-AF65-F5344CB8AC3E}">
+        <p14:creationId xmlns:p14="http://schemas.microsoft.com/office/powerpoint/2010/main" val="1510980105"/>
+      </p:ext>
+    </p:extLst>
+  </p:cSld>
+  <p:clrMapOvr>
+    <a:masterClrMapping/>
+  </p:clrMapOvr>
+  <p:timing>
+    <p:tnLst>
+      <p:par>
+        <p:cTn id="1" dur="indefinite" restart="never" nodeType="tmRoot"/>
+      </p:par>
+    </p:tnLst>
+  </p:timing>
+</p:sld>
+</file>
+
+<file path=ppt/slides/slide12.xml><?xml version="1.0" encoding="utf-8"?>
+<p:sld xmlns:a="http://schemas.openxmlformats.org/drawingml/2006/main" xmlns:r="http://schemas.openxmlformats.org/officeDocument/2006/relationships" xmlns:p="http://schemas.openxmlformats.org/presentationml/2006/main">
+  <p:cSld>
+    <p:bg>
+      <p:bgPr>
+        <a:pattFill prst="pct10">
+          <a:fgClr>
+            <a:schemeClr val="bg2"/>
+          </a:fgClr>
+          <a:bgClr>
+            <a:schemeClr val="bg1"/>
+          </a:bgClr>
+        </a:pattFill>
+        <a:effectLst/>
+      </p:bgPr>
+    </p:bg>
+    <p:spTree>
+      <p:nvGrpSpPr>
+        <p:cNvPr id="1" name=""/>
+        <p:cNvGrpSpPr/>
+        <p:nvPr/>
+      </p:nvGrpSpPr>
+      <p:grpSpPr>
+        <a:xfrm>
+          <a:off x="0" y="0"/>
+          <a:ext cx="0" cy="0"/>
+          <a:chOff x="0" y="0"/>
+          <a:chExt cx="0" cy="0"/>
+        </a:xfrm>
+      </p:grpSpPr>
+      <p:graphicFrame>
+        <p:nvGraphicFramePr>
+          <p:cNvPr id="4" name="图表 3"/>
+          <p:cNvGraphicFramePr/>
+          <p:nvPr>
+            <p:extLst>
+              <p:ext uri="{D42A27DB-BD31-4B8C-83A1-F6EECF244321}">
+                <p14:modId xmlns:p14="http://schemas.microsoft.com/office/powerpoint/2010/main" val="492644198"/>
+              </p:ext>
+            </p:extLst>
+          </p:nvPr>
+        </p:nvGraphicFramePr>
+        <p:xfrm>
+          <a:off x="3479800" y="1879600"/>
+          <a:ext cx="6819900" cy="3644900"/>
+        </p:xfrm>
+        <a:graphic>
+          <a:graphicData uri="http://schemas.openxmlformats.org/drawingml/2006/chart">
+            <c:chart xmlns:c="http://schemas.openxmlformats.org/drawingml/2006/chart" xmlns:r="http://schemas.openxmlformats.org/officeDocument/2006/relationships" r:id="rId3"/>
+          </a:graphicData>
+        </a:graphic>
+      </p:graphicFrame>
+      <p:sp>
+        <p:nvSpPr>
+          <p:cNvPr id="5" name="矩形 4"/>
+          <p:cNvSpPr/>
+          <p:nvPr/>
+        </p:nvSpPr>
+        <p:spPr>
+          <a:xfrm>
+            <a:off x="5118100" y="2120900"/>
+            <a:ext cx="1714500" cy="3035300"/>
+          </a:xfrm>
+          <a:prstGeom prst="rect">
+            <a:avLst/>
+          </a:prstGeom>
+          <a:solidFill>
+            <a:schemeClr val="accent1">
+              <a:alpha val="31000"/>
+            </a:schemeClr>
+          </a:solidFill>
+          <a:ln>
+            <a:noFill/>
+          </a:ln>
+        </p:spPr>
+        <p:style>
+          <a:lnRef idx="2">
+            <a:schemeClr val="accent1">
+              <a:shade val="50000"/>
+            </a:schemeClr>
+          </a:lnRef>
+          <a:fillRef idx="1">
+            <a:schemeClr val="accent1"/>
+          </a:fillRef>
+          <a:effectRef idx="0">
+            <a:schemeClr val="accent1"/>
+          </a:effectRef>
+          <a:fontRef idx="minor">
+            <a:schemeClr val="lt1"/>
+          </a:fontRef>
+        </p:style>
+        <p:txBody>
+          <a:bodyPr rtlCol="0" anchor="ctr"/>
+          <a:lstStyle/>
+          <a:p>
+            <a:pPr algn="ctr"/>
+            <a:endParaRPr lang="zh-CN" altLang="en-US"/>
+          </a:p>
+        </p:txBody>
+      </p:sp>
+    </p:spTree>
+    <p:extLst>
+      <p:ext uri="{BB962C8B-B14F-4D97-AF65-F5344CB8AC3E}">
+        <p14:creationId xmlns:p14="http://schemas.microsoft.com/office/powerpoint/2010/main" val="1054406826"/>
+      </p:ext>
+    </p:extLst>
+  </p:cSld>
+  <p:clrMapOvr>
+    <a:masterClrMapping/>
+  </p:clrMapOvr>
+  <p:timing>
+    <p:tnLst>
+      <p:par>
+        <p:cTn id="1" dur="indefinite" restart="never" nodeType="tmRoot"/>
+      </p:par>
+    </p:tnLst>
+  </p:timing>
+</p:sld>
+</file>
+
+<file path=ppt/slides/slide13.xml><?xml version="1.0" encoding="utf-8"?>
+<p:sld xmlns:a="http://schemas.openxmlformats.org/drawingml/2006/main" xmlns:r="http://schemas.openxmlformats.org/officeDocument/2006/relationships" xmlns:p="http://schemas.openxmlformats.org/presentationml/2006/main">
+  <p:cSld>
+    <p:bg>
+      <p:bgPr>
+        <a:pattFill prst="pct5">
+          <a:fgClr>
+            <a:schemeClr val="accent1"/>
+          </a:fgClr>
+          <a:bgClr>
+            <a:schemeClr val="bg1"/>
+          </a:bgClr>
+        </a:pattFill>
+        <a:effectLst/>
+      </p:bgPr>
+    </p:bg>
+    <p:spTree>
+      <p:nvGrpSpPr>
+        <p:cNvPr id="1" name=""/>
+        <p:cNvGrpSpPr/>
+        <p:nvPr/>
+      </p:nvGrpSpPr>
+      <p:grpSpPr>
+        <a:xfrm>
+          <a:off x="0" y="0"/>
+          <a:ext cx="0" cy="0"/>
+          <a:chOff x="0" y="0"/>
+          <a:chExt cx="0" cy="0"/>
+        </a:xfrm>
+      </p:grpSpPr>
+      <p:graphicFrame>
+        <p:nvGraphicFramePr>
+          <p:cNvPr id="4" name="图表 3"/>
+          <p:cNvGraphicFramePr/>
+          <p:nvPr>
+            <p:extLst>
+              <p:ext uri="{D42A27DB-BD31-4B8C-83A1-F6EECF244321}">
+                <p14:modId xmlns:p14="http://schemas.microsoft.com/office/powerpoint/2010/main" val="1868037694"/>
+              </p:ext>
+            </p:extLst>
+          </p:nvPr>
+        </p:nvGraphicFramePr>
+        <p:xfrm>
+          <a:off x="5704114" y="1430867"/>
+          <a:ext cx="5326743" cy="3649134"/>
+        </p:xfrm>
+        <a:graphic>
+          <a:graphicData uri="http://schemas.openxmlformats.org/drawingml/2006/chart">
+            <c:chart xmlns:c="http://schemas.openxmlformats.org/drawingml/2006/chart" xmlns:r="http://schemas.openxmlformats.org/officeDocument/2006/relationships" r:id="rId3"/>
+          </a:graphicData>
+        </a:graphic>
+      </p:graphicFrame>
+      <p:graphicFrame>
+        <p:nvGraphicFramePr>
+          <p:cNvPr id="7" name="图表 6"/>
+          <p:cNvGraphicFramePr/>
+          <p:nvPr>
+            <p:extLst>
+              <p:ext uri="{D42A27DB-BD31-4B8C-83A1-F6EECF244321}">
+                <p14:modId xmlns:p14="http://schemas.microsoft.com/office/powerpoint/2010/main" val="3017662071"/>
+              </p:ext>
+            </p:extLst>
+          </p:nvPr>
+        </p:nvGraphicFramePr>
+        <p:xfrm>
+          <a:off x="493486" y="653143"/>
+          <a:ext cx="3672114" cy="4991704"/>
+        </p:xfrm>
+        <a:graphic>
+          <a:graphicData uri="http://schemas.openxmlformats.org/drawingml/2006/chart">
+            <c:chart xmlns:c="http://schemas.openxmlformats.org/drawingml/2006/chart" xmlns:r="http://schemas.openxmlformats.org/officeDocument/2006/relationships" r:id="rId4"/>
+          </a:graphicData>
+        </a:graphic>
+      </p:graphicFrame>
+      <p:sp>
+        <p:nvSpPr>
+          <p:cNvPr id="8" name="椭圆 7"/>
+          <p:cNvSpPr/>
+          <p:nvPr/>
+        </p:nvSpPr>
+        <p:spPr>
+          <a:xfrm>
+            <a:off x="994228" y="1813680"/>
+            <a:ext cx="2670629" cy="2670629"/>
+          </a:xfrm>
+          <a:prstGeom prst="ellipse">
+            <a:avLst/>
+          </a:prstGeom>
+          <a:noFill/>
+          <a:ln w="76200"/>
+        </p:spPr>
+        <p:style>
+          <a:lnRef idx="2">
+            <a:schemeClr val="accent1">
+              <a:shade val="50000"/>
+            </a:schemeClr>
+          </a:lnRef>
+          <a:fillRef idx="1">
+            <a:schemeClr val="accent1"/>
+          </a:fillRef>
+          <a:effectRef idx="0">
+            <a:schemeClr val="accent1"/>
+          </a:effectRef>
+          <a:fontRef idx="minor">
+            <a:schemeClr val="lt1"/>
+          </a:fontRef>
+        </p:style>
+        <p:txBody>
+          <a:bodyPr rtlCol="0" anchor="ctr"/>
+          <a:lstStyle/>
+          <a:p>
+            <a:pPr algn="ctr"/>
+            <a:endParaRPr lang="zh-CN" altLang="en-US"/>
+          </a:p>
+        </p:txBody>
+      </p:sp>
+      <p:sp>
+        <p:nvSpPr>
+          <p:cNvPr id="9" name="文本框 8"/>
+          <p:cNvSpPr txBox="1"/>
+          <p:nvPr/>
+        </p:nvSpPr>
+        <p:spPr>
+          <a:xfrm>
+            <a:off x="1338941" y="2724228"/>
+            <a:ext cx="1981202" cy="646331"/>
+          </a:xfrm>
+          <a:prstGeom prst="rect">
+            <a:avLst/>
+          </a:prstGeom>
+          <a:noFill/>
+        </p:spPr>
+        <p:txBody>
+          <a:bodyPr wrap="square" rtlCol="0">
+            <a:spAutoFit/>
+          </a:bodyPr>
+          <a:lstStyle/>
+          <a:p>
+            <a:pPr algn="ctr"/>
+            <a:r>
+              <a:rPr lang="en-US" altLang="zh-CN" dirty="0" smtClean="0">
+                <a:latin typeface="微软雅黑" panose="020B0503020204020204" pitchFamily="34" charset="-122"/>
+                <a:ea typeface="微软雅黑" panose="020B0503020204020204" pitchFamily="34" charset="-122"/>
+              </a:rPr>
+              <a:t>45% </a:t>
+            </a:r>
+          </a:p>
+          <a:p>
+            <a:pPr algn="ctr"/>
+            <a:r>
+              <a:rPr lang="en-US" altLang="zh-CN" dirty="0" smtClean="0">
+                <a:latin typeface="微软雅黑" panose="020B0503020204020204" pitchFamily="34" charset="-122"/>
+                <a:ea typeface="微软雅黑" panose="020B0503020204020204" pitchFamily="34" charset="-122"/>
+              </a:rPr>
+              <a:t>Made in china</a:t>
+            </a:r>
+            <a:endParaRPr lang="zh-CN" altLang="en-US" dirty="0">
+              <a:latin typeface="微软雅黑" panose="020B0503020204020204" pitchFamily="34" charset="-122"/>
+              <a:ea typeface="微软雅黑" panose="020B0503020204020204" pitchFamily="34" charset="-122"/>
+            </a:endParaRPr>
+          </a:p>
+        </p:txBody>
+      </p:sp>
+    </p:spTree>
+    <p:extLst>
+      <p:ext uri="{BB962C8B-B14F-4D97-AF65-F5344CB8AC3E}">
+        <p14:creationId xmlns:p14="http://schemas.microsoft.com/office/powerpoint/2010/main" val="3387620924"/>
+      </p:ext>
+    </p:extLst>
+  </p:cSld>
+  <p:clrMapOvr>
+    <a:masterClrMapping/>
+  </p:clrMapOvr>
+  <p:timing>
+    <p:tnLst>
+      <p:par>
+        <p:cTn id="1" dur="indefinite" restart="never" nodeType="tmRoot"/>
+      </p:par>
+    </p:tnLst>
+  </p:timing>
+</p:sld>
+</file>
+
 <file path=ppt/slides/slide2.xml><?xml version="1.0" encoding="utf-8"?>
 <p:sld xmlns:a="http://schemas.openxmlformats.org/drawingml/2006/main" xmlns:r="http://schemas.openxmlformats.org/officeDocument/2006/relationships" xmlns:p="http://schemas.openxmlformats.org/presentationml/2006/main">
   <p:cSld>
@@ -4717,926 +10786,941 @@
           <a:chExt cx="0" cy="0"/>
         </a:xfrm>
       </p:grpSpPr>
-      <p:sp>
-        <p:nvSpPr>
-          <p:cNvPr id="10" name="任意多边形 9"/>
-          <p:cNvSpPr/>
+      <p:grpSp>
+        <p:nvGrpSpPr>
+          <p:cNvPr id="3" name="组合 2"/>
+          <p:cNvGrpSpPr/>
           <p:nvPr/>
-        </p:nvSpPr>
-        <p:spPr>
+        </p:nvGrpSpPr>
+        <p:grpSpPr>
           <a:xfrm>
             <a:off x="5074920" y="1375410"/>
-            <a:ext cx="2423160" cy="769441"/>
+            <a:ext cx="2423160" cy="1077218"/>
+            <a:chOff x="5074920" y="1375410"/>
+            <a:chExt cx="2423160" cy="1077218"/>
           </a:xfrm>
-          <a:custGeom>
-            <a:avLst/>
-            <a:gdLst/>
-            <a:ahLst/>
-            <a:cxnLst/>
-            <a:rect l="l" t="t" r="r" b="b"/>
-            <a:pathLst>
-              <a:path w="2423160" h="769441">
-                <a:moveTo>
-                  <a:pt x="768115" y="438157"/>
-                </a:moveTo>
-                <a:lnTo>
-                  <a:pt x="768115" y="473006"/>
-                </a:lnTo>
-                <a:cubicBezTo>
-                  <a:pt x="785311" y="470627"/>
-                  <a:pt x="800860" y="469438"/>
-                  <a:pt x="814763" y="469438"/>
-                </a:cubicBezTo>
-                <a:lnTo>
-                  <a:pt x="922055" y="469438"/>
-                </a:lnTo>
-                <a:lnTo>
-                  <a:pt x="922055" y="603347"/>
-                </a:lnTo>
-                <a:lnTo>
-                  <a:pt x="739852" y="603347"/>
-                </a:lnTo>
-                <a:cubicBezTo>
-                  <a:pt x="727229" y="603347"/>
-                  <a:pt x="711680" y="602249"/>
-                  <a:pt x="693203" y="600054"/>
-                </a:cubicBezTo>
-                <a:lnTo>
-                  <a:pt x="693203" y="634903"/>
-                </a:lnTo>
-                <a:cubicBezTo>
-                  <a:pt x="710582" y="632525"/>
-                  <a:pt x="726132" y="631336"/>
-                  <a:pt x="739852" y="631336"/>
-                </a:cubicBezTo>
-                <a:lnTo>
-                  <a:pt x="1123740" y="631336"/>
-                </a:lnTo>
-                <a:cubicBezTo>
-                  <a:pt x="1139472" y="631336"/>
-                  <a:pt x="1155937" y="632525"/>
-                  <a:pt x="1173132" y="634903"/>
-                </a:cubicBezTo>
-                <a:lnTo>
-                  <a:pt x="1173132" y="600054"/>
-                </a:lnTo>
-                <a:cubicBezTo>
-                  <a:pt x="1156668" y="602249"/>
-                  <a:pt x="1140204" y="603347"/>
-                  <a:pt x="1123740" y="603347"/>
-                </a:cubicBezTo>
-                <a:lnTo>
-                  <a:pt x="953611" y="603347"/>
-                </a:lnTo>
-                <a:lnTo>
-                  <a:pt x="953611" y="469438"/>
-                </a:lnTo>
-                <a:lnTo>
-                  <a:pt x="1064744" y="469438"/>
-                </a:lnTo>
-                <a:cubicBezTo>
-                  <a:pt x="1079378" y="469438"/>
-                  <a:pt x="1093647" y="470627"/>
-                  <a:pt x="1107550" y="473006"/>
-                </a:cubicBezTo>
-                <a:lnTo>
-                  <a:pt x="1107550" y="438157"/>
-                </a:lnTo>
-                <a:cubicBezTo>
-                  <a:pt x="1093647" y="440352"/>
-                  <a:pt x="1079378" y="441449"/>
-                  <a:pt x="1064744" y="441449"/>
-                </a:cubicBezTo>
-                <a:lnTo>
-                  <a:pt x="814763" y="441449"/>
-                </a:lnTo>
-                <a:cubicBezTo>
-                  <a:pt x="801226" y="441449"/>
-                  <a:pt x="785677" y="440352"/>
-                  <a:pt x="768115" y="438157"/>
-                </a:cubicBezTo>
-                <a:close/>
-                <a:moveTo>
-                  <a:pt x="865802" y="296565"/>
-                </a:moveTo>
-                <a:cubicBezTo>
-                  <a:pt x="826105" y="348153"/>
-                  <a:pt x="773695" y="385197"/>
-                  <a:pt x="708570" y="407698"/>
-                </a:cubicBezTo>
-                <a:cubicBezTo>
-                  <a:pt x="722290" y="415930"/>
-                  <a:pt x="733906" y="425717"/>
-                  <a:pt x="743419" y="437059"/>
-                </a:cubicBezTo>
-                <a:cubicBezTo>
-                  <a:pt x="797019" y="403216"/>
-                  <a:pt x="839094" y="372483"/>
-                  <a:pt x="869644" y="344860"/>
-                </a:cubicBezTo>
-                <a:cubicBezTo>
-                  <a:pt x="883181" y="332420"/>
-                  <a:pt x="893151" y="326018"/>
-                  <a:pt x="899554" y="325652"/>
-                </a:cubicBezTo>
-                <a:cubicBezTo>
-                  <a:pt x="903761" y="325286"/>
-                  <a:pt x="906231" y="324371"/>
-                  <a:pt x="906963" y="322908"/>
-                </a:cubicBezTo>
-                <a:cubicBezTo>
-                  <a:pt x="907328" y="321810"/>
-                  <a:pt x="905956" y="320347"/>
-                  <a:pt x="902846" y="318517"/>
-                </a:cubicBezTo>
-                <a:close/>
-                <a:moveTo>
-                  <a:pt x="993948" y="296016"/>
-                </a:moveTo>
-                <a:lnTo>
-                  <a:pt x="972545" y="324005"/>
-                </a:lnTo>
-                <a:cubicBezTo>
-                  <a:pt x="1032913" y="358397"/>
-                  <a:pt x="1087062" y="394710"/>
-                  <a:pt x="1134990" y="432943"/>
-                </a:cubicBezTo>
-                <a:lnTo>
-                  <a:pt x="1155845" y="403856"/>
-                </a:lnTo>
-                <a:cubicBezTo>
-                  <a:pt x="1107916" y="367818"/>
-                  <a:pt x="1053950" y="331872"/>
-                  <a:pt x="993948" y="296016"/>
-                </a:cubicBezTo>
-                <a:close/>
-                <a:moveTo>
-                  <a:pt x="1286735" y="285864"/>
-                </a:moveTo>
-                <a:lnTo>
-                  <a:pt x="1286186" y="320713"/>
-                </a:lnTo>
-                <a:cubicBezTo>
-                  <a:pt x="1300821" y="317969"/>
-                  <a:pt x="1312986" y="316780"/>
-                  <a:pt x="1322681" y="317145"/>
-                </a:cubicBezTo>
-                <a:lnTo>
-                  <a:pt x="1608334" y="317145"/>
-                </a:lnTo>
-                <a:cubicBezTo>
-                  <a:pt x="1540831" y="392149"/>
-                  <a:pt x="1455217" y="460932"/>
-                  <a:pt x="1351494" y="523496"/>
-                </a:cubicBezTo>
-                <a:cubicBezTo>
-                  <a:pt x="1323322" y="530264"/>
-                  <a:pt x="1288107" y="552948"/>
-                  <a:pt x="1245849" y="591547"/>
-                </a:cubicBezTo>
-                <a:lnTo>
-                  <a:pt x="1281247" y="624201"/>
-                </a:lnTo>
-                <a:cubicBezTo>
-                  <a:pt x="1292406" y="601700"/>
-                  <a:pt x="1304205" y="585602"/>
-                  <a:pt x="1316645" y="575906"/>
-                </a:cubicBezTo>
-                <a:cubicBezTo>
-                  <a:pt x="1332377" y="562003"/>
-                  <a:pt x="1344725" y="555235"/>
-                  <a:pt x="1353689" y="555601"/>
-                </a:cubicBezTo>
-                <a:cubicBezTo>
-                  <a:pt x="1362652" y="554869"/>
-                  <a:pt x="1377470" y="560814"/>
-                  <a:pt x="1398142" y="573437"/>
-                </a:cubicBezTo>
-                <a:cubicBezTo>
-                  <a:pt x="1418265" y="585510"/>
-                  <a:pt x="1440491" y="595846"/>
-                  <a:pt x="1464822" y="604444"/>
-                </a:cubicBezTo>
-                <a:cubicBezTo>
-                  <a:pt x="1480554" y="610481"/>
-                  <a:pt x="1507537" y="614414"/>
-                  <a:pt x="1545770" y="616243"/>
-                </a:cubicBezTo>
-                <a:cubicBezTo>
-                  <a:pt x="1572844" y="617524"/>
-                  <a:pt x="1612724" y="618164"/>
-                  <a:pt x="1665409" y="618164"/>
-                </a:cubicBezTo>
-                <a:cubicBezTo>
-                  <a:pt x="1689374" y="618164"/>
-                  <a:pt x="1712240" y="618073"/>
-                  <a:pt x="1734010" y="617890"/>
-                </a:cubicBezTo>
-                <a:cubicBezTo>
-                  <a:pt x="1736388" y="600694"/>
-                  <a:pt x="1741693" y="583681"/>
-                  <a:pt x="1749925" y="566851"/>
-                </a:cubicBezTo>
-                <a:cubicBezTo>
-                  <a:pt x="1712606" y="577827"/>
-                  <a:pt x="1658824" y="583315"/>
-                  <a:pt x="1588577" y="583315"/>
-                </a:cubicBezTo>
-                <a:cubicBezTo>
-                  <a:pt x="1573759" y="583315"/>
-                  <a:pt x="1557478" y="583041"/>
-                  <a:pt x="1539733" y="582492"/>
-                </a:cubicBezTo>
-                <a:cubicBezTo>
-                  <a:pt x="1492170" y="583224"/>
-                  <a:pt x="1443601" y="567308"/>
-                  <a:pt x="1394026" y="534746"/>
-                </a:cubicBezTo>
-                <a:cubicBezTo>
-                  <a:pt x="1471224" y="491208"/>
-                  <a:pt x="1569826" y="408247"/>
-                  <a:pt x="1689831" y="285864"/>
-                </a:cubicBezTo>
-                <a:cubicBezTo>
-                  <a:pt x="1669159" y="288425"/>
-                  <a:pt x="1651872" y="289522"/>
-                  <a:pt x="1637969" y="289156"/>
-                </a:cubicBezTo>
-                <a:lnTo>
-                  <a:pt x="1322681" y="289156"/>
-                </a:lnTo>
-                <a:cubicBezTo>
-                  <a:pt x="1311522" y="289522"/>
-                  <a:pt x="1299540" y="288425"/>
-                  <a:pt x="1286735" y="285864"/>
-                </a:cubicBezTo>
-                <a:close/>
-                <a:moveTo>
-                  <a:pt x="711863" y="220556"/>
-                </a:moveTo>
-                <a:cubicBezTo>
-                  <a:pt x="714058" y="238484"/>
-                  <a:pt x="715156" y="253850"/>
-                  <a:pt x="715156" y="266655"/>
-                </a:cubicBezTo>
-                <a:lnTo>
-                  <a:pt x="715156" y="281199"/>
-                </a:lnTo>
-                <a:cubicBezTo>
-                  <a:pt x="715156" y="295833"/>
-                  <a:pt x="714058" y="311017"/>
-                  <a:pt x="711863" y="326749"/>
-                </a:cubicBezTo>
-                <a:lnTo>
-                  <a:pt x="750005" y="326749"/>
-                </a:lnTo>
-                <a:cubicBezTo>
-                  <a:pt x="747809" y="312115"/>
-                  <a:pt x="746712" y="296931"/>
-                  <a:pt x="746712" y="281199"/>
-                </a:cubicBezTo>
-                <a:lnTo>
-                  <a:pt x="746712" y="252112"/>
-                </a:lnTo>
-                <a:lnTo>
-                  <a:pt x="1118801" y="252112"/>
-                </a:lnTo>
-                <a:lnTo>
-                  <a:pt x="1118801" y="277906"/>
-                </a:lnTo>
-                <a:cubicBezTo>
-                  <a:pt x="1118801" y="291443"/>
-                  <a:pt x="1117612" y="306261"/>
-                  <a:pt x="1115233" y="322359"/>
-                </a:cubicBezTo>
-                <a:lnTo>
-                  <a:pt x="1153650" y="322359"/>
-                </a:lnTo>
-                <a:cubicBezTo>
-                  <a:pt x="1151272" y="307358"/>
-                  <a:pt x="1150083" y="292541"/>
-                  <a:pt x="1150083" y="277906"/>
-                </a:cubicBezTo>
-                <a:lnTo>
-                  <a:pt x="1150083" y="266107"/>
-                </a:lnTo>
-                <a:cubicBezTo>
-                  <a:pt x="1150083" y="250740"/>
-                  <a:pt x="1151272" y="235557"/>
-                  <a:pt x="1153650" y="220556"/>
-                </a:cubicBezTo>
-                <a:cubicBezTo>
-                  <a:pt x="1135173" y="222751"/>
-                  <a:pt x="1117703" y="223849"/>
-                  <a:pt x="1101239" y="223849"/>
-                </a:cubicBezTo>
-                <a:lnTo>
-                  <a:pt x="760158" y="223849"/>
-                </a:lnTo>
-                <a:cubicBezTo>
-                  <a:pt x="746254" y="223849"/>
-                  <a:pt x="730156" y="222751"/>
-                  <a:pt x="711863" y="220556"/>
-                </a:cubicBezTo>
-                <a:close/>
-                <a:moveTo>
-                  <a:pt x="184188" y="168420"/>
-                </a:moveTo>
-                <a:lnTo>
-                  <a:pt x="184188" y="203269"/>
-                </a:lnTo>
-                <a:cubicBezTo>
-                  <a:pt x="202847" y="200890"/>
-                  <a:pt x="218214" y="199701"/>
-                  <a:pt x="230287" y="199701"/>
-                </a:cubicBezTo>
-                <a:lnTo>
-                  <a:pt x="355689" y="199701"/>
-                </a:lnTo>
-                <a:cubicBezTo>
-                  <a:pt x="356055" y="243972"/>
-                  <a:pt x="353768" y="287236"/>
-                  <a:pt x="348829" y="329493"/>
-                </a:cubicBezTo>
-                <a:lnTo>
-                  <a:pt x="188578" y="329493"/>
-                </a:lnTo>
-                <a:cubicBezTo>
-                  <a:pt x="176688" y="329493"/>
-                  <a:pt x="160955" y="328396"/>
-                  <a:pt x="141381" y="326201"/>
-                </a:cubicBezTo>
-                <a:lnTo>
-                  <a:pt x="141381" y="361050"/>
-                </a:lnTo>
-                <a:cubicBezTo>
-                  <a:pt x="160224" y="358854"/>
-                  <a:pt x="175956" y="357757"/>
-                  <a:pt x="188578" y="357757"/>
-                </a:cubicBezTo>
-                <a:lnTo>
-                  <a:pt x="344439" y="357757"/>
-                </a:lnTo>
-                <a:cubicBezTo>
-                  <a:pt x="317364" y="484348"/>
-                  <a:pt x="243001" y="565113"/>
-                  <a:pt x="121350" y="600054"/>
-                </a:cubicBezTo>
-                <a:cubicBezTo>
-                  <a:pt x="136168" y="611579"/>
-                  <a:pt x="148699" y="623378"/>
-                  <a:pt x="158943" y="635452"/>
-                </a:cubicBezTo>
-                <a:cubicBezTo>
-                  <a:pt x="275838" y="576912"/>
-                  <a:pt x="347366" y="493494"/>
-                  <a:pt x="373525" y="385197"/>
-                </a:cubicBezTo>
-                <a:cubicBezTo>
-                  <a:pt x="403892" y="489470"/>
-                  <a:pt x="475054" y="572705"/>
-                  <a:pt x="587010" y="634903"/>
-                </a:cubicBezTo>
-                <a:cubicBezTo>
-                  <a:pt x="598718" y="619902"/>
-                  <a:pt x="612072" y="607097"/>
-                  <a:pt x="627073" y="596486"/>
-                </a:cubicBezTo>
-                <a:cubicBezTo>
-                  <a:pt x="513470" y="565388"/>
-                  <a:pt x="437187" y="485811"/>
-                  <a:pt x="398221" y="357757"/>
-                </a:cubicBezTo>
-                <a:lnTo>
-                  <a:pt x="551612" y="357757"/>
-                </a:lnTo>
-                <a:cubicBezTo>
-                  <a:pt x="565515" y="357757"/>
-                  <a:pt x="580516" y="358854"/>
-                  <a:pt x="596614" y="361050"/>
-                </a:cubicBezTo>
-                <a:lnTo>
-                  <a:pt x="596614" y="326201"/>
-                </a:lnTo>
-                <a:cubicBezTo>
-                  <a:pt x="579418" y="328396"/>
-                  <a:pt x="564417" y="329493"/>
-                  <a:pt x="551612" y="329493"/>
-                </a:cubicBezTo>
-                <a:lnTo>
-                  <a:pt x="384227" y="329493"/>
-                </a:lnTo>
-                <a:cubicBezTo>
-                  <a:pt x="387520" y="296931"/>
-                  <a:pt x="389806" y="253667"/>
-                  <a:pt x="391087" y="199701"/>
-                </a:cubicBezTo>
-                <a:lnTo>
-                  <a:pt x="515117" y="199701"/>
-                </a:lnTo>
-                <a:cubicBezTo>
-                  <a:pt x="529020" y="199701"/>
-                  <a:pt x="544020" y="200890"/>
-                  <a:pt x="560119" y="203269"/>
-                </a:cubicBezTo>
-                <a:lnTo>
-                  <a:pt x="560119" y="168420"/>
-                </a:lnTo>
-                <a:cubicBezTo>
-                  <a:pt x="544020" y="170615"/>
-                  <a:pt x="529020" y="171712"/>
-                  <a:pt x="515117" y="171712"/>
-                </a:cubicBezTo>
-                <a:lnTo>
-                  <a:pt x="230287" y="171712"/>
-                </a:lnTo>
-                <a:cubicBezTo>
-                  <a:pt x="217482" y="171712"/>
-                  <a:pt x="202116" y="170615"/>
-                  <a:pt x="184188" y="168420"/>
-                </a:cubicBezTo>
-                <a:close/>
-                <a:moveTo>
-                  <a:pt x="2210097" y="154974"/>
-                </a:moveTo>
-                <a:lnTo>
-                  <a:pt x="2190340" y="178572"/>
-                </a:lnTo>
-                <a:cubicBezTo>
-                  <a:pt x="2220341" y="201439"/>
-                  <a:pt x="2244123" y="222385"/>
-                  <a:pt x="2261684" y="241410"/>
-                </a:cubicBezTo>
-                <a:lnTo>
-                  <a:pt x="2281990" y="216714"/>
-                </a:lnTo>
-                <a:cubicBezTo>
-                  <a:pt x="2262233" y="198787"/>
-                  <a:pt x="2238269" y="178207"/>
-                  <a:pt x="2210097" y="154974"/>
-                </a:cubicBezTo>
-                <a:close/>
-                <a:moveTo>
-                  <a:pt x="1867918" y="153602"/>
-                </a:moveTo>
-                <a:cubicBezTo>
-                  <a:pt x="1870113" y="174273"/>
-                  <a:pt x="1871211" y="194030"/>
-                  <a:pt x="1871211" y="212873"/>
-                </a:cubicBezTo>
-                <a:lnTo>
-                  <a:pt x="1871211" y="296016"/>
-                </a:lnTo>
-                <a:lnTo>
-                  <a:pt x="1855021" y="296016"/>
-                </a:lnTo>
-                <a:cubicBezTo>
-                  <a:pt x="1841484" y="296016"/>
-                  <a:pt x="1825111" y="294827"/>
-                  <a:pt x="1805903" y="292449"/>
-                </a:cubicBezTo>
-                <a:lnTo>
-                  <a:pt x="1805903" y="327298"/>
-                </a:lnTo>
-                <a:cubicBezTo>
-                  <a:pt x="1825843" y="325103"/>
-                  <a:pt x="1842216" y="324005"/>
-                  <a:pt x="1855021" y="324005"/>
-                </a:cubicBezTo>
-                <a:lnTo>
-                  <a:pt x="1871211" y="324005"/>
-                </a:lnTo>
-                <a:lnTo>
-                  <a:pt x="1871211" y="494409"/>
-                </a:lnTo>
-                <a:cubicBezTo>
-                  <a:pt x="1841209" y="504470"/>
-                  <a:pt x="1814958" y="510782"/>
-                  <a:pt x="1792457" y="513343"/>
-                </a:cubicBezTo>
-                <a:lnTo>
-                  <a:pt x="1811665" y="550387"/>
-                </a:lnTo>
-                <a:cubicBezTo>
-                  <a:pt x="1857033" y="530630"/>
-                  <a:pt x="1907615" y="514166"/>
-                  <a:pt x="1963410" y="500995"/>
-                </a:cubicBezTo>
-                <a:cubicBezTo>
-                  <a:pt x="1962678" y="488189"/>
-                  <a:pt x="1963593" y="475109"/>
-                  <a:pt x="1966154" y="461755"/>
-                </a:cubicBezTo>
-                <a:cubicBezTo>
-                  <a:pt x="1942921" y="471451"/>
-                  <a:pt x="1921792" y="479134"/>
-                  <a:pt x="1902767" y="484805"/>
-                </a:cubicBezTo>
-                <a:lnTo>
-                  <a:pt x="1902767" y="324005"/>
-                </a:lnTo>
-                <a:lnTo>
-                  <a:pt x="1914017" y="324005"/>
-                </a:lnTo>
-                <a:cubicBezTo>
-                  <a:pt x="1927371" y="324005"/>
-                  <a:pt x="1942372" y="325103"/>
-                  <a:pt x="1959019" y="327298"/>
-                </a:cubicBezTo>
-                <a:lnTo>
-                  <a:pt x="1959019" y="292449"/>
-                </a:lnTo>
-                <a:cubicBezTo>
-                  <a:pt x="1943104" y="294827"/>
-                  <a:pt x="1928103" y="296016"/>
-                  <a:pt x="1914017" y="296016"/>
-                </a:cubicBezTo>
-                <a:lnTo>
-                  <a:pt x="1902767" y="296016"/>
-                </a:lnTo>
-                <a:lnTo>
-                  <a:pt x="1902767" y="212873"/>
-                </a:lnTo>
-                <a:cubicBezTo>
-                  <a:pt x="1902401" y="187262"/>
-                  <a:pt x="1904962" y="172810"/>
-                  <a:pt x="1910450" y="169517"/>
-                </a:cubicBezTo>
-                <a:cubicBezTo>
-                  <a:pt x="1913926" y="166041"/>
-                  <a:pt x="1915664" y="163572"/>
-                  <a:pt x="1915664" y="162108"/>
-                </a:cubicBezTo>
-                <a:cubicBezTo>
-                  <a:pt x="1915664" y="160645"/>
-                  <a:pt x="1913560" y="159730"/>
-                  <a:pt x="1909353" y="159364"/>
-                </a:cubicBezTo>
-                <a:close/>
-                <a:moveTo>
-                  <a:pt x="1459882" y="147565"/>
-                </a:moveTo>
-                <a:lnTo>
-                  <a:pt x="1427228" y="171712"/>
-                </a:lnTo>
-                <a:cubicBezTo>
-                  <a:pt x="1456864" y="194945"/>
-                  <a:pt x="1484761" y="226044"/>
-                  <a:pt x="1510921" y="265009"/>
-                </a:cubicBezTo>
-                <a:lnTo>
-                  <a:pt x="1544124" y="239764"/>
-                </a:lnTo>
-                <a:cubicBezTo>
-                  <a:pt x="1515952" y="204458"/>
-                  <a:pt x="1487871" y="173725"/>
-                  <a:pt x="1459882" y="147565"/>
-                </a:cubicBezTo>
-                <a:close/>
-                <a:moveTo>
-                  <a:pt x="2125856" y="140156"/>
-                </a:moveTo>
-                <a:cubicBezTo>
-                  <a:pt x="2126953" y="183695"/>
-                  <a:pt x="2128966" y="221928"/>
-                  <a:pt x="2131892" y="254856"/>
-                </a:cubicBezTo>
-                <a:lnTo>
-                  <a:pt x="2030913" y="254856"/>
-                </a:lnTo>
-                <a:cubicBezTo>
-                  <a:pt x="2017010" y="254856"/>
-                  <a:pt x="2000454" y="253759"/>
-                  <a:pt x="1981246" y="251563"/>
-                </a:cubicBezTo>
-                <a:cubicBezTo>
-                  <a:pt x="1983258" y="269125"/>
-                  <a:pt x="1984630" y="285406"/>
-                  <a:pt x="1985362" y="300407"/>
-                </a:cubicBezTo>
-                <a:cubicBezTo>
-                  <a:pt x="1986277" y="323822"/>
-                  <a:pt x="1986734" y="346141"/>
-                  <a:pt x="1986734" y="367361"/>
-                </a:cubicBezTo>
-                <a:cubicBezTo>
-                  <a:pt x="1986734" y="436144"/>
-                  <a:pt x="1981612" y="487275"/>
-                  <a:pt x="1971367" y="520752"/>
-                </a:cubicBezTo>
-                <a:cubicBezTo>
-                  <a:pt x="1960025" y="563741"/>
-                  <a:pt x="1933225" y="598590"/>
-                  <a:pt x="1890968" y="625299"/>
-                </a:cubicBezTo>
-                <a:cubicBezTo>
-                  <a:pt x="1906334" y="630421"/>
-                  <a:pt x="1919780" y="637098"/>
-                  <a:pt x="1931305" y="645330"/>
-                </a:cubicBezTo>
-                <a:cubicBezTo>
-                  <a:pt x="1990575" y="587340"/>
-                  <a:pt x="2018656" y="504562"/>
-                  <a:pt x="2015546" y="396996"/>
-                </a:cubicBezTo>
-                <a:lnTo>
-                  <a:pt x="2082500" y="396996"/>
-                </a:lnTo>
-                <a:cubicBezTo>
-                  <a:pt x="2082500" y="443096"/>
-                  <a:pt x="2081768" y="473829"/>
-                  <a:pt x="2080305" y="489195"/>
-                </a:cubicBezTo>
-                <a:cubicBezTo>
-                  <a:pt x="2079207" y="504928"/>
-                  <a:pt x="2076555" y="514532"/>
-                  <a:pt x="2072347" y="518008"/>
-                </a:cubicBezTo>
-                <a:cubicBezTo>
-                  <a:pt x="2068872" y="521666"/>
-                  <a:pt x="2060640" y="523496"/>
-                  <a:pt x="2047651" y="523496"/>
-                </a:cubicBezTo>
-                <a:cubicBezTo>
-                  <a:pt x="2039785" y="523496"/>
-                  <a:pt x="2031187" y="522947"/>
-                  <a:pt x="2021857" y="521849"/>
-                </a:cubicBezTo>
-                <a:cubicBezTo>
-                  <a:pt x="2028992" y="535020"/>
-                  <a:pt x="2034023" y="548283"/>
-                  <a:pt x="2036949" y="561637"/>
-                </a:cubicBezTo>
-                <a:cubicBezTo>
-                  <a:pt x="2069512" y="557247"/>
-                  <a:pt x="2090092" y="549747"/>
-                  <a:pt x="2098690" y="539136"/>
-                </a:cubicBezTo>
-                <a:cubicBezTo>
-                  <a:pt x="2104727" y="534380"/>
-                  <a:pt x="2108477" y="524319"/>
-                  <a:pt x="2109940" y="508952"/>
-                </a:cubicBezTo>
-                <a:cubicBezTo>
-                  <a:pt x="2111953" y="494318"/>
-                  <a:pt x="2112959" y="464316"/>
-                  <a:pt x="2112959" y="418948"/>
-                </a:cubicBezTo>
-                <a:cubicBezTo>
-                  <a:pt x="2112959" y="403948"/>
-                  <a:pt x="2114422" y="386203"/>
-                  <a:pt x="2117349" y="365714"/>
-                </a:cubicBezTo>
-                <a:cubicBezTo>
-                  <a:pt x="2101251" y="367910"/>
-                  <a:pt x="2084970" y="369007"/>
-                  <a:pt x="2068506" y="369007"/>
-                </a:cubicBezTo>
-                <a:lnTo>
-                  <a:pt x="2016095" y="369007"/>
-                </a:lnTo>
-                <a:lnTo>
-                  <a:pt x="2016095" y="283120"/>
-                </a:lnTo>
-                <a:lnTo>
-                  <a:pt x="2134911" y="283120"/>
-                </a:lnTo>
-                <a:cubicBezTo>
-                  <a:pt x="2138570" y="354281"/>
-                  <a:pt x="2152015" y="428461"/>
-                  <a:pt x="2175248" y="505659"/>
-                </a:cubicBezTo>
-                <a:cubicBezTo>
-                  <a:pt x="2140490" y="564381"/>
-                  <a:pt x="2100793" y="602340"/>
-                  <a:pt x="2056158" y="619536"/>
-                </a:cubicBezTo>
-                <a:cubicBezTo>
-                  <a:pt x="2070792" y="627402"/>
-                  <a:pt x="2083872" y="636000"/>
-                  <a:pt x="2095397" y="645330"/>
-                </a:cubicBezTo>
-                <a:cubicBezTo>
-                  <a:pt x="2133996" y="609841"/>
-                  <a:pt x="2165095" y="576181"/>
-                  <a:pt x="2188694" y="544350"/>
-                </a:cubicBezTo>
-                <a:cubicBezTo>
-                  <a:pt x="2221622" y="616243"/>
-                  <a:pt x="2250891" y="651458"/>
-                  <a:pt x="2276502" y="649995"/>
-                </a:cubicBezTo>
-                <a:cubicBezTo>
-                  <a:pt x="2285100" y="650727"/>
-                  <a:pt x="2291411" y="646976"/>
-                  <a:pt x="2295436" y="638744"/>
-                </a:cubicBezTo>
-                <a:cubicBezTo>
-                  <a:pt x="2300375" y="630878"/>
-                  <a:pt x="2306595" y="612859"/>
-                  <a:pt x="2314095" y="584687"/>
-                </a:cubicBezTo>
-                <a:cubicBezTo>
-                  <a:pt x="2301290" y="578284"/>
-                  <a:pt x="2290039" y="569869"/>
-                  <a:pt x="2280344" y="559442"/>
-                </a:cubicBezTo>
-                <a:cubicBezTo>
-                  <a:pt x="2279612" y="592005"/>
-                  <a:pt x="2275679" y="607554"/>
-                  <a:pt x="2268545" y="606091"/>
-                </a:cubicBezTo>
-                <a:cubicBezTo>
-                  <a:pt x="2249885" y="600054"/>
-                  <a:pt x="2230403" y="567857"/>
-                  <a:pt x="2210097" y="509501"/>
-                </a:cubicBezTo>
-                <a:cubicBezTo>
-                  <a:pt x="2231134" y="464865"/>
-                  <a:pt x="2247782" y="417302"/>
-                  <a:pt x="2260038" y="366812"/>
-                </a:cubicBezTo>
-                <a:cubicBezTo>
-                  <a:pt x="2262782" y="354373"/>
-                  <a:pt x="2267081" y="346689"/>
-                  <a:pt x="2272935" y="343762"/>
-                </a:cubicBezTo>
-                <a:cubicBezTo>
-                  <a:pt x="2278606" y="339555"/>
-                  <a:pt x="2281441" y="336902"/>
-                  <a:pt x="2281441" y="335805"/>
-                </a:cubicBezTo>
-                <a:cubicBezTo>
-                  <a:pt x="2282173" y="334341"/>
-                  <a:pt x="2280161" y="332878"/>
-                  <a:pt x="2275405" y="331414"/>
-                </a:cubicBezTo>
-                <a:lnTo>
-                  <a:pt x="2232598" y="316597"/>
-                </a:lnTo>
-                <a:cubicBezTo>
-                  <a:pt x="2229488" y="367635"/>
-                  <a:pt x="2217323" y="417851"/>
-                  <a:pt x="2196102" y="467243"/>
-                </a:cubicBezTo>
-                <a:cubicBezTo>
-                  <a:pt x="2179638" y="417119"/>
-                  <a:pt x="2169851" y="355745"/>
-                  <a:pt x="2166741" y="283120"/>
-                </a:cubicBezTo>
-                <a:lnTo>
-                  <a:pt x="2252355" y="283120"/>
-                </a:lnTo>
-                <a:cubicBezTo>
-                  <a:pt x="2268087" y="283120"/>
-                  <a:pt x="2284551" y="284217"/>
-                  <a:pt x="2301747" y="286412"/>
-                </a:cubicBezTo>
-                <a:lnTo>
-                  <a:pt x="2301747" y="251563"/>
-                </a:lnTo>
-                <a:cubicBezTo>
-                  <a:pt x="2283637" y="253759"/>
-                  <a:pt x="2267172" y="254856"/>
-                  <a:pt x="2252355" y="254856"/>
-                </a:cubicBezTo>
-                <a:lnTo>
-                  <a:pt x="2162900" y="254856"/>
-                </a:lnTo>
-                <a:cubicBezTo>
-                  <a:pt x="2161802" y="236380"/>
-                  <a:pt x="2161253" y="220556"/>
-                  <a:pt x="2161253" y="207385"/>
-                </a:cubicBezTo>
-                <a:cubicBezTo>
-                  <a:pt x="2161253" y="199335"/>
-                  <a:pt x="2161436" y="193024"/>
-                  <a:pt x="2161802" y="188451"/>
-                </a:cubicBezTo>
-                <a:cubicBezTo>
-                  <a:pt x="2162900" y="175463"/>
-                  <a:pt x="2165918" y="166316"/>
-                  <a:pt x="2170857" y="161011"/>
-                </a:cubicBezTo>
-                <a:cubicBezTo>
-                  <a:pt x="2175614" y="155340"/>
-                  <a:pt x="2177809" y="151955"/>
-                  <a:pt x="2177443" y="150858"/>
-                </a:cubicBezTo>
-                <a:cubicBezTo>
-                  <a:pt x="2177077" y="149394"/>
-                  <a:pt x="2173510" y="148114"/>
-                  <a:pt x="2166741" y="147016"/>
-                </a:cubicBezTo>
-                <a:close/>
-                <a:moveTo>
-                  <a:pt x="903944" y="136315"/>
-                </a:moveTo>
-                <a:lnTo>
-                  <a:pt x="878150" y="161560"/>
-                </a:lnTo>
-                <a:cubicBezTo>
-                  <a:pt x="908883" y="183695"/>
-                  <a:pt x="934220" y="203543"/>
-                  <a:pt x="954160" y="221105"/>
-                </a:cubicBezTo>
-                <a:lnTo>
-                  <a:pt x="980502" y="194762"/>
-                </a:lnTo>
-                <a:cubicBezTo>
-                  <a:pt x="957270" y="175737"/>
-                  <a:pt x="931750" y="156254"/>
-                  <a:pt x="903944" y="136315"/>
-                </a:cubicBezTo>
-                <a:close/>
-                <a:moveTo>
-                  <a:pt x="0" y="0"/>
-                </a:moveTo>
-                <a:lnTo>
-                  <a:pt x="2423160" y="0"/>
-                </a:lnTo>
-                <a:lnTo>
-                  <a:pt x="2423160" y="769441"/>
-                </a:lnTo>
-                <a:lnTo>
-                  <a:pt x="0" y="769441"/>
-                </a:lnTo>
-                <a:close/>
-              </a:path>
-            </a:pathLst>
-          </a:custGeom>
-          <a:noFill/>
-          <a:ln w="3175">
-            <a:solidFill>
-              <a:schemeClr val="bg1">
-                <a:lumMod val="85000"/>
+        </p:grpSpPr>
+        <p:sp>
+          <p:nvSpPr>
+            <p:cNvPr id="10" name="任意多边形 9"/>
+            <p:cNvSpPr/>
+            <p:nvPr/>
+          </p:nvSpPr>
+          <p:spPr>
+            <a:xfrm>
+              <a:off x="5074920" y="1375410"/>
+              <a:ext cx="2423160" cy="769441"/>
+            </a:xfrm>
+            <a:custGeom>
+              <a:avLst/>
+              <a:gdLst/>
+              <a:ahLst/>
+              <a:cxnLst/>
+              <a:rect l="l" t="t" r="r" b="b"/>
+              <a:pathLst>
+                <a:path w="2423160" h="769441">
+                  <a:moveTo>
+                    <a:pt x="768115" y="438157"/>
+                  </a:moveTo>
+                  <a:lnTo>
+                    <a:pt x="768115" y="473006"/>
+                  </a:lnTo>
+                  <a:cubicBezTo>
+                    <a:pt x="785311" y="470627"/>
+                    <a:pt x="800860" y="469438"/>
+                    <a:pt x="814763" y="469438"/>
+                  </a:cubicBezTo>
+                  <a:lnTo>
+                    <a:pt x="922055" y="469438"/>
+                  </a:lnTo>
+                  <a:lnTo>
+                    <a:pt x="922055" y="603347"/>
+                  </a:lnTo>
+                  <a:lnTo>
+                    <a:pt x="739852" y="603347"/>
+                  </a:lnTo>
+                  <a:cubicBezTo>
+                    <a:pt x="727229" y="603347"/>
+                    <a:pt x="711680" y="602249"/>
+                    <a:pt x="693203" y="600054"/>
+                  </a:cubicBezTo>
+                  <a:lnTo>
+                    <a:pt x="693203" y="634903"/>
+                  </a:lnTo>
+                  <a:cubicBezTo>
+                    <a:pt x="710582" y="632525"/>
+                    <a:pt x="726132" y="631336"/>
+                    <a:pt x="739852" y="631336"/>
+                  </a:cubicBezTo>
+                  <a:lnTo>
+                    <a:pt x="1123740" y="631336"/>
+                  </a:lnTo>
+                  <a:cubicBezTo>
+                    <a:pt x="1139472" y="631336"/>
+                    <a:pt x="1155937" y="632525"/>
+                    <a:pt x="1173132" y="634903"/>
+                  </a:cubicBezTo>
+                  <a:lnTo>
+                    <a:pt x="1173132" y="600054"/>
+                  </a:lnTo>
+                  <a:cubicBezTo>
+                    <a:pt x="1156668" y="602249"/>
+                    <a:pt x="1140204" y="603347"/>
+                    <a:pt x="1123740" y="603347"/>
+                  </a:cubicBezTo>
+                  <a:lnTo>
+                    <a:pt x="953611" y="603347"/>
+                  </a:lnTo>
+                  <a:lnTo>
+                    <a:pt x="953611" y="469438"/>
+                  </a:lnTo>
+                  <a:lnTo>
+                    <a:pt x="1064744" y="469438"/>
+                  </a:lnTo>
+                  <a:cubicBezTo>
+                    <a:pt x="1079378" y="469438"/>
+                    <a:pt x="1093647" y="470627"/>
+                    <a:pt x="1107550" y="473006"/>
+                  </a:cubicBezTo>
+                  <a:lnTo>
+                    <a:pt x="1107550" y="438157"/>
+                  </a:lnTo>
+                  <a:cubicBezTo>
+                    <a:pt x="1093647" y="440352"/>
+                    <a:pt x="1079378" y="441449"/>
+                    <a:pt x="1064744" y="441449"/>
+                  </a:cubicBezTo>
+                  <a:lnTo>
+                    <a:pt x="814763" y="441449"/>
+                  </a:lnTo>
+                  <a:cubicBezTo>
+                    <a:pt x="801226" y="441449"/>
+                    <a:pt x="785677" y="440352"/>
+                    <a:pt x="768115" y="438157"/>
+                  </a:cubicBezTo>
+                  <a:close/>
+                  <a:moveTo>
+                    <a:pt x="865802" y="296565"/>
+                  </a:moveTo>
+                  <a:cubicBezTo>
+                    <a:pt x="826105" y="348153"/>
+                    <a:pt x="773695" y="385197"/>
+                    <a:pt x="708570" y="407698"/>
+                  </a:cubicBezTo>
+                  <a:cubicBezTo>
+                    <a:pt x="722290" y="415930"/>
+                    <a:pt x="733906" y="425717"/>
+                    <a:pt x="743419" y="437059"/>
+                  </a:cubicBezTo>
+                  <a:cubicBezTo>
+                    <a:pt x="797019" y="403216"/>
+                    <a:pt x="839094" y="372483"/>
+                    <a:pt x="869644" y="344860"/>
+                  </a:cubicBezTo>
+                  <a:cubicBezTo>
+                    <a:pt x="883181" y="332420"/>
+                    <a:pt x="893151" y="326018"/>
+                    <a:pt x="899554" y="325652"/>
+                  </a:cubicBezTo>
+                  <a:cubicBezTo>
+                    <a:pt x="903761" y="325286"/>
+                    <a:pt x="906231" y="324371"/>
+                    <a:pt x="906963" y="322908"/>
+                  </a:cubicBezTo>
+                  <a:cubicBezTo>
+                    <a:pt x="907328" y="321810"/>
+                    <a:pt x="905956" y="320347"/>
+                    <a:pt x="902846" y="318517"/>
+                  </a:cubicBezTo>
+                  <a:close/>
+                  <a:moveTo>
+                    <a:pt x="993948" y="296016"/>
+                  </a:moveTo>
+                  <a:lnTo>
+                    <a:pt x="972545" y="324005"/>
+                  </a:lnTo>
+                  <a:cubicBezTo>
+                    <a:pt x="1032913" y="358397"/>
+                    <a:pt x="1087062" y="394710"/>
+                    <a:pt x="1134990" y="432943"/>
+                  </a:cubicBezTo>
+                  <a:lnTo>
+                    <a:pt x="1155845" y="403856"/>
+                  </a:lnTo>
+                  <a:cubicBezTo>
+                    <a:pt x="1107916" y="367818"/>
+                    <a:pt x="1053950" y="331872"/>
+                    <a:pt x="993948" y="296016"/>
+                  </a:cubicBezTo>
+                  <a:close/>
+                  <a:moveTo>
+                    <a:pt x="1286735" y="285864"/>
+                  </a:moveTo>
+                  <a:lnTo>
+                    <a:pt x="1286186" y="320713"/>
+                  </a:lnTo>
+                  <a:cubicBezTo>
+                    <a:pt x="1300821" y="317969"/>
+                    <a:pt x="1312986" y="316780"/>
+                    <a:pt x="1322681" y="317145"/>
+                  </a:cubicBezTo>
+                  <a:lnTo>
+                    <a:pt x="1608334" y="317145"/>
+                  </a:lnTo>
+                  <a:cubicBezTo>
+                    <a:pt x="1540831" y="392149"/>
+                    <a:pt x="1455217" y="460932"/>
+                    <a:pt x="1351494" y="523496"/>
+                  </a:cubicBezTo>
+                  <a:cubicBezTo>
+                    <a:pt x="1323322" y="530264"/>
+                    <a:pt x="1288107" y="552948"/>
+                    <a:pt x="1245849" y="591547"/>
+                  </a:cubicBezTo>
+                  <a:lnTo>
+                    <a:pt x="1281247" y="624201"/>
+                  </a:lnTo>
+                  <a:cubicBezTo>
+                    <a:pt x="1292406" y="601700"/>
+                    <a:pt x="1304205" y="585602"/>
+                    <a:pt x="1316645" y="575906"/>
+                  </a:cubicBezTo>
+                  <a:cubicBezTo>
+                    <a:pt x="1332377" y="562003"/>
+                    <a:pt x="1344725" y="555235"/>
+                    <a:pt x="1353689" y="555601"/>
+                  </a:cubicBezTo>
+                  <a:cubicBezTo>
+                    <a:pt x="1362652" y="554869"/>
+                    <a:pt x="1377470" y="560814"/>
+                    <a:pt x="1398142" y="573437"/>
+                  </a:cubicBezTo>
+                  <a:cubicBezTo>
+                    <a:pt x="1418265" y="585510"/>
+                    <a:pt x="1440491" y="595846"/>
+                    <a:pt x="1464822" y="604444"/>
+                  </a:cubicBezTo>
+                  <a:cubicBezTo>
+                    <a:pt x="1480554" y="610481"/>
+                    <a:pt x="1507537" y="614414"/>
+                    <a:pt x="1545770" y="616243"/>
+                  </a:cubicBezTo>
+                  <a:cubicBezTo>
+                    <a:pt x="1572844" y="617524"/>
+                    <a:pt x="1612724" y="618164"/>
+                    <a:pt x="1665409" y="618164"/>
+                  </a:cubicBezTo>
+                  <a:cubicBezTo>
+                    <a:pt x="1689374" y="618164"/>
+                    <a:pt x="1712240" y="618073"/>
+                    <a:pt x="1734010" y="617890"/>
+                  </a:cubicBezTo>
+                  <a:cubicBezTo>
+                    <a:pt x="1736388" y="600694"/>
+                    <a:pt x="1741693" y="583681"/>
+                    <a:pt x="1749925" y="566851"/>
+                  </a:cubicBezTo>
+                  <a:cubicBezTo>
+                    <a:pt x="1712606" y="577827"/>
+                    <a:pt x="1658824" y="583315"/>
+                    <a:pt x="1588577" y="583315"/>
+                  </a:cubicBezTo>
+                  <a:cubicBezTo>
+                    <a:pt x="1573759" y="583315"/>
+                    <a:pt x="1557478" y="583041"/>
+                    <a:pt x="1539733" y="582492"/>
+                  </a:cubicBezTo>
+                  <a:cubicBezTo>
+                    <a:pt x="1492170" y="583224"/>
+                    <a:pt x="1443601" y="567308"/>
+                    <a:pt x="1394026" y="534746"/>
+                  </a:cubicBezTo>
+                  <a:cubicBezTo>
+                    <a:pt x="1471224" y="491208"/>
+                    <a:pt x="1569826" y="408247"/>
+                    <a:pt x="1689831" y="285864"/>
+                  </a:cubicBezTo>
+                  <a:cubicBezTo>
+                    <a:pt x="1669159" y="288425"/>
+                    <a:pt x="1651872" y="289522"/>
+                    <a:pt x="1637969" y="289156"/>
+                  </a:cubicBezTo>
+                  <a:lnTo>
+                    <a:pt x="1322681" y="289156"/>
+                  </a:lnTo>
+                  <a:cubicBezTo>
+                    <a:pt x="1311522" y="289522"/>
+                    <a:pt x="1299540" y="288425"/>
+                    <a:pt x="1286735" y="285864"/>
+                  </a:cubicBezTo>
+                  <a:close/>
+                  <a:moveTo>
+                    <a:pt x="711863" y="220556"/>
+                  </a:moveTo>
+                  <a:cubicBezTo>
+                    <a:pt x="714058" y="238484"/>
+                    <a:pt x="715156" y="253850"/>
+                    <a:pt x="715156" y="266655"/>
+                  </a:cubicBezTo>
+                  <a:lnTo>
+                    <a:pt x="715156" y="281199"/>
+                  </a:lnTo>
+                  <a:cubicBezTo>
+                    <a:pt x="715156" y="295833"/>
+                    <a:pt x="714058" y="311017"/>
+                    <a:pt x="711863" y="326749"/>
+                  </a:cubicBezTo>
+                  <a:lnTo>
+                    <a:pt x="750005" y="326749"/>
+                  </a:lnTo>
+                  <a:cubicBezTo>
+                    <a:pt x="747809" y="312115"/>
+                    <a:pt x="746712" y="296931"/>
+                    <a:pt x="746712" y="281199"/>
+                  </a:cubicBezTo>
+                  <a:lnTo>
+                    <a:pt x="746712" y="252112"/>
+                  </a:lnTo>
+                  <a:lnTo>
+                    <a:pt x="1118801" y="252112"/>
+                  </a:lnTo>
+                  <a:lnTo>
+                    <a:pt x="1118801" y="277906"/>
+                  </a:lnTo>
+                  <a:cubicBezTo>
+                    <a:pt x="1118801" y="291443"/>
+                    <a:pt x="1117612" y="306261"/>
+                    <a:pt x="1115233" y="322359"/>
+                  </a:cubicBezTo>
+                  <a:lnTo>
+                    <a:pt x="1153650" y="322359"/>
+                  </a:lnTo>
+                  <a:cubicBezTo>
+                    <a:pt x="1151272" y="307358"/>
+                    <a:pt x="1150083" y="292541"/>
+                    <a:pt x="1150083" y="277906"/>
+                  </a:cubicBezTo>
+                  <a:lnTo>
+                    <a:pt x="1150083" y="266107"/>
+                  </a:lnTo>
+                  <a:cubicBezTo>
+                    <a:pt x="1150083" y="250740"/>
+                    <a:pt x="1151272" y="235557"/>
+                    <a:pt x="1153650" y="220556"/>
+                  </a:cubicBezTo>
+                  <a:cubicBezTo>
+                    <a:pt x="1135173" y="222751"/>
+                    <a:pt x="1117703" y="223849"/>
+                    <a:pt x="1101239" y="223849"/>
+                  </a:cubicBezTo>
+                  <a:lnTo>
+                    <a:pt x="760158" y="223849"/>
+                  </a:lnTo>
+                  <a:cubicBezTo>
+                    <a:pt x="746254" y="223849"/>
+                    <a:pt x="730156" y="222751"/>
+                    <a:pt x="711863" y="220556"/>
+                  </a:cubicBezTo>
+                  <a:close/>
+                  <a:moveTo>
+                    <a:pt x="184188" y="168420"/>
+                  </a:moveTo>
+                  <a:lnTo>
+                    <a:pt x="184188" y="203269"/>
+                  </a:lnTo>
+                  <a:cubicBezTo>
+                    <a:pt x="202847" y="200890"/>
+                    <a:pt x="218214" y="199701"/>
+                    <a:pt x="230287" y="199701"/>
+                  </a:cubicBezTo>
+                  <a:lnTo>
+                    <a:pt x="355689" y="199701"/>
+                  </a:lnTo>
+                  <a:cubicBezTo>
+                    <a:pt x="356055" y="243972"/>
+                    <a:pt x="353768" y="287236"/>
+                    <a:pt x="348829" y="329493"/>
+                  </a:cubicBezTo>
+                  <a:lnTo>
+                    <a:pt x="188578" y="329493"/>
+                  </a:lnTo>
+                  <a:cubicBezTo>
+                    <a:pt x="176688" y="329493"/>
+                    <a:pt x="160955" y="328396"/>
+                    <a:pt x="141381" y="326201"/>
+                  </a:cubicBezTo>
+                  <a:lnTo>
+                    <a:pt x="141381" y="361050"/>
+                  </a:lnTo>
+                  <a:cubicBezTo>
+                    <a:pt x="160224" y="358854"/>
+                    <a:pt x="175956" y="357757"/>
+                    <a:pt x="188578" y="357757"/>
+                  </a:cubicBezTo>
+                  <a:lnTo>
+                    <a:pt x="344439" y="357757"/>
+                  </a:lnTo>
+                  <a:cubicBezTo>
+                    <a:pt x="317364" y="484348"/>
+                    <a:pt x="243001" y="565113"/>
+                    <a:pt x="121350" y="600054"/>
+                  </a:cubicBezTo>
+                  <a:cubicBezTo>
+                    <a:pt x="136168" y="611579"/>
+                    <a:pt x="148699" y="623378"/>
+                    <a:pt x="158943" y="635452"/>
+                  </a:cubicBezTo>
+                  <a:cubicBezTo>
+                    <a:pt x="275838" y="576912"/>
+                    <a:pt x="347366" y="493494"/>
+                    <a:pt x="373525" y="385197"/>
+                  </a:cubicBezTo>
+                  <a:cubicBezTo>
+                    <a:pt x="403892" y="489470"/>
+                    <a:pt x="475054" y="572705"/>
+                    <a:pt x="587010" y="634903"/>
+                  </a:cubicBezTo>
+                  <a:cubicBezTo>
+                    <a:pt x="598718" y="619902"/>
+                    <a:pt x="612072" y="607097"/>
+                    <a:pt x="627073" y="596486"/>
+                  </a:cubicBezTo>
+                  <a:cubicBezTo>
+                    <a:pt x="513470" y="565388"/>
+                    <a:pt x="437187" y="485811"/>
+                    <a:pt x="398221" y="357757"/>
+                  </a:cubicBezTo>
+                  <a:lnTo>
+                    <a:pt x="551612" y="357757"/>
+                  </a:lnTo>
+                  <a:cubicBezTo>
+                    <a:pt x="565515" y="357757"/>
+                    <a:pt x="580516" y="358854"/>
+                    <a:pt x="596614" y="361050"/>
+                  </a:cubicBezTo>
+                  <a:lnTo>
+                    <a:pt x="596614" y="326201"/>
+                  </a:lnTo>
+                  <a:cubicBezTo>
+                    <a:pt x="579418" y="328396"/>
+                    <a:pt x="564417" y="329493"/>
+                    <a:pt x="551612" y="329493"/>
+                  </a:cubicBezTo>
+                  <a:lnTo>
+                    <a:pt x="384227" y="329493"/>
+                  </a:lnTo>
+                  <a:cubicBezTo>
+                    <a:pt x="387520" y="296931"/>
+                    <a:pt x="389806" y="253667"/>
+                    <a:pt x="391087" y="199701"/>
+                  </a:cubicBezTo>
+                  <a:lnTo>
+                    <a:pt x="515117" y="199701"/>
+                  </a:lnTo>
+                  <a:cubicBezTo>
+                    <a:pt x="529020" y="199701"/>
+                    <a:pt x="544020" y="200890"/>
+                    <a:pt x="560119" y="203269"/>
+                  </a:cubicBezTo>
+                  <a:lnTo>
+                    <a:pt x="560119" y="168420"/>
+                  </a:lnTo>
+                  <a:cubicBezTo>
+                    <a:pt x="544020" y="170615"/>
+                    <a:pt x="529020" y="171712"/>
+                    <a:pt x="515117" y="171712"/>
+                  </a:cubicBezTo>
+                  <a:lnTo>
+                    <a:pt x="230287" y="171712"/>
+                  </a:lnTo>
+                  <a:cubicBezTo>
+                    <a:pt x="217482" y="171712"/>
+                    <a:pt x="202116" y="170615"/>
+                    <a:pt x="184188" y="168420"/>
+                  </a:cubicBezTo>
+                  <a:close/>
+                  <a:moveTo>
+                    <a:pt x="2210097" y="154974"/>
+                  </a:moveTo>
+                  <a:lnTo>
+                    <a:pt x="2190340" y="178572"/>
+                  </a:lnTo>
+                  <a:cubicBezTo>
+                    <a:pt x="2220341" y="201439"/>
+                    <a:pt x="2244123" y="222385"/>
+                    <a:pt x="2261684" y="241410"/>
+                  </a:cubicBezTo>
+                  <a:lnTo>
+                    <a:pt x="2281990" y="216714"/>
+                  </a:lnTo>
+                  <a:cubicBezTo>
+                    <a:pt x="2262233" y="198787"/>
+                    <a:pt x="2238269" y="178207"/>
+                    <a:pt x="2210097" y="154974"/>
+                  </a:cubicBezTo>
+                  <a:close/>
+                  <a:moveTo>
+                    <a:pt x="1867918" y="153602"/>
+                  </a:moveTo>
+                  <a:cubicBezTo>
+                    <a:pt x="1870113" y="174273"/>
+                    <a:pt x="1871211" y="194030"/>
+                    <a:pt x="1871211" y="212873"/>
+                  </a:cubicBezTo>
+                  <a:lnTo>
+                    <a:pt x="1871211" y="296016"/>
+                  </a:lnTo>
+                  <a:lnTo>
+                    <a:pt x="1855021" y="296016"/>
+                  </a:lnTo>
+                  <a:cubicBezTo>
+                    <a:pt x="1841484" y="296016"/>
+                    <a:pt x="1825111" y="294827"/>
+                    <a:pt x="1805903" y="292449"/>
+                  </a:cubicBezTo>
+                  <a:lnTo>
+                    <a:pt x="1805903" y="327298"/>
+                  </a:lnTo>
+                  <a:cubicBezTo>
+                    <a:pt x="1825843" y="325103"/>
+                    <a:pt x="1842216" y="324005"/>
+                    <a:pt x="1855021" y="324005"/>
+                  </a:cubicBezTo>
+                  <a:lnTo>
+                    <a:pt x="1871211" y="324005"/>
+                  </a:lnTo>
+                  <a:lnTo>
+                    <a:pt x="1871211" y="494409"/>
+                  </a:lnTo>
+                  <a:cubicBezTo>
+                    <a:pt x="1841209" y="504470"/>
+                    <a:pt x="1814958" y="510782"/>
+                    <a:pt x="1792457" y="513343"/>
+                  </a:cubicBezTo>
+                  <a:lnTo>
+                    <a:pt x="1811665" y="550387"/>
+                  </a:lnTo>
+                  <a:cubicBezTo>
+                    <a:pt x="1857033" y="530630"/>
+                    <a:pt x="1907615" y="514166"/>
+                    <a:pt x="1963410" y="500995"/>
+                  </a:cubicBezTo>
+                  <a:cubicBezTo>
+                    <a:pt x="1962678" y="488189"/>
+                    <a:pt x="1963593" y="475109"/>
+                    <a:pt x="1966154" y="461755"/>
+                  </a:cubicBezTo>
+                  <a:cubicBezTo>
+                    <a:pt x="1942921" y="471451"/>
+                    <a:pt x="1921792" y="479134"/>
+                    <a:pt x="1902767" y="484805"/>
+                  </a:cubicBezTo>
+                  <a:lnTo>
+                    <a:pt x="1902767" y="324005"/>
+                  </a:lnTo>
+                  <a:lnTo>
+                    <a:pt x="1914017" y="324005"/>
+                  </a:lnTo>
+                  <a:cubicBezTo>
+                    <a:pt x="1927371" y="324005"/>
+                    <a:pt x="1942372" y="325103"/>
+                    <a:pt x="1959019" y="327298"/>
+                  </a:cubicBezTo>
+                  <a:lnTo>
+                    <a:pt x="1959019" y="292449"/>
+                  </a:lnTo>
+                  <a:cubicBezTo>
+                    <a:pt x="1943104" y="294827"/>
+                    <a:pt x="1928103" y="296016"/>
+                    <a:pt x="1914017" y="296016"/>
+                  </a:cubicBezTo>
+                  <a:lnTo>
+                    <a:pt x="1902767" y="296016"/>
+                  </a:lnTo>
+                  <a:lnTo>
+                    <a:pt x="1902767" y="212873"/>
+                  </a:lnTo>
+                  <a:cubicBezTo>
+                    <a:pt x="1902401" y="187262"/>
+                    <a:pt x="1904962" y="172810"/>
+                    <a:pt x="1910450" y="169517"/>
+                  </a:cubicBezTo>
+                  <a:cubicBezTo>
+                    <a:pt x="1913926" y="166041"/>
+                    <a:pt x="1915664" y="163572"/>
+                    <a:pt x="1915664" y="162108"/>
+                  </a:cubicBezTo>
+                  <a:cubicBezTo>
+                    <a:pt x="1915664" y="160645"/>
+                    <a:pt x="1913560" y="159730"/>
+                    <a:pt x="1909353" y="159364"/>
+                  </a:cubicBezTo>
+                  <a:close/>
+                  <a:moveTo>
+                    <a:pt x="1459882" y="147565"/>
+                  </a:moveTo>
+                  <a:lnTo>
+                    <a:pt x="1427228" y="171712"/>
+                  </a:lnTo>
+                  <a:cubicBezTo>
+                    <a:pt x="1456864" y="194945"/>
+                    <a:pt x="1484761" y="226044"/>
+                    <a:pt x="1510921" y="265009"/>
+                  </a:cubicBezTo>
+                  <a:lnTo>
+                    <a:pt x="1544124" y="239764"/>
+                  </a:lnTo>
+                  <a:cubicBezTo>
+                    <a:pt x="1515952" y="204458"/>
+                    <a:pt x="1487871" y="173725"/>
+                    <a:pt x="1459882" y="147565"/>
+                  </a:cubicBezTo>
+                  <a:close/>
+                  <a:moveTo>
+                    <a:pt x="2125856" y="140156"/>
+                  </a:moveTo>
+                  <a:cubicBezTo>
+                    <a:pt x="2126953" y="183695"/>
+                    <a:pt x="2128966" y="221928"/>
+                    <a:pt x="2131892" y="254856"/>
+                  </a:cubicBezTo>
+                  <a:lnTo>
+                    <a:pt x="2030913" y="254856"/>
+                  </a:lnTo>
+                  <a:cubicBezTo>
+                    <a:pt x="2017010" y="254856"/>
+                    <a:pt x="2000454" y="253759"/>
+                    <a:pt x="1981246" y="251563"/>
+                  </a:cubicBezTo>
+                  <a:cubicBezTo>
+                    <a:pt x="1983258" y="269125"/>
+                    <a:pt x="1984630" y="285406"/>
+                    <a:pt x="1985362" y="300407"/>
+                  </a:cubicBezTo>
+                  <a:cubicBezTo>
+                    <a:pt x="1986277" y="323822"/>
+                    <a:pt x="1986734" y="346141"/>
+                    <a:pt x="1986734" y="367361"/>
+                  </a:cubicBezTo>
+                  <a:cubicBezTo>
+                    <a:pt x="1986734" y="436144"/>
+                    <a:pt x="1981612" y="487275"/>
+                    <a:pt x="1971367" y="520752"/>
+                  </a:cubicBezTo>
+                  <a:cubicBezTo>
+                    <a:pt x="1960025" y="563741"/>
+                    <a:pt x="1933225" y="598590"/>
+                    <a:pt x="1890968" y="625299"/>
+                  </a:cubicBezTo>
+                  <a:cubicBezTo>
+                    <a:pt x="1906334" y="630421"/>
+                    <a:pt x="1919780" y="637098"/>
+                    <a:pt x="1931305" y="645330"/>
+                  </a:cubicBezTo>
+                  <a:cubicBezTo>
+                    <a:pt x="1990575" y="587340"/>
+                    <a:pt x="2018656" y="504562"/>
+                    <a:pt x="2015546" y="396996"/>
+                  </a:cubicBezTo>
+                  <a:lnTo>
+                    <a:pt x="2082500" y="396996"/>
+                  </a:lnTo>
+                  <a:cubicBezTo>
+                    <a:pt x="2082500" y="443096"/>
+                    <a:pt x="2081768" y="473829"/>
+                    <a:pt x="2080305" y="489195"/>
+                  </a:cubicBezTo>
+                  <a:cubicBezTo>
+                    <a:pt x="2079207" y="504928"/>
+                    <a:pt x="2076555" y="514532"/>
+                    <a:pt x="2072347" y="518008"/>
+                  </a:cubicBezTo>
+                  <a:cubicBezTo>
+                    <a:pt x="2068872" y="521666"/>
+                    <a:pt x="2060640" y="523496"/>
+                    <a:pt x="2047651" y="523496"/>
+                  </a:cubicBezTo>
+                  <a:cubicBezTo>
+                    <a:pt x="2039785" y="523496"/>
+                    <a:pt x="2031187" y="522947"/>
+                    <a:pt x="2021857" y="521849"/>
+                  </a:cubicBezTo>
+                  <a:cubicBezTo>
+                    <a:pt x="2028992" y="535020"/>
+                    <a:pt x="2034023" y="548283"/>
+                    <a:pt x="2036949" y="561637"/>
+                  </a:cubicBezTo>
+                  <a:cubicBezTo>
+                    <a:pt x="2069512" y="557247"/>
+                    <a:pt x="2090092" y="549747"/>
+                    <a:pt x="2098690" y="539136"/>
+                  </a:cubicBezTo>
+                  <a:cubicBezTo>
+                    <a:pt x="2104727" y="534380"/>
+                    <a:pt x="2108477" y="524319"/>
+                    <a:pt x="2109940" y="508952"/>
+                  </a:cubicBezTo>
+                  <a:cubicBezTo>
+                    <a:pt x="2111953" y="494318"/>
+                    <a:pt x="2112959" y="464316"/>
+                    <a:pt x="2112959" y="418948"/>
+                  </a:cubicBezTo>
+                  <a:cubicBezTo>
+                    <a:pt x="2112959" y="403948"/>
+                    <a:pt x="2114422" y="386203"/>
+                    <a:pt x="2117349" y="365714"/>
+                  </a:cubicBezTo>
+                  <a:cubicBezTo>
+                    <a:pt x="2101251" y="367910"/>
+                    <a:pt x="2084970" y="369007"/>
+                    <a:pt x="2068506" y="369007"/>
+                  </a:cubicBezTo>
+                  <a:lnTo>
+                    <a:pt x="2016095" y="369007"/>
+                  </a:lnTo>
+                  <a:lnTo>
+                    <a:pt x="2016095" y="283120"/>
+                  </a:lnTo>
+                  <a:lnTo>
+                    <a:pt x="2134911" y="283120"/>
+                  </a:lnTo>
+                  <a:cubicBezTo>
+                    <a:pt x="2138570" y="354281"/>
+                    <a:pt x="2152015" y="428461"/>
+                    <a:pt x="2175248" y="505659"/>
+                  </a:cubicBezTo>
+                  <a:cubicBezTo>
+                    <a:pt x="2140490" y="564381"/>
+                    <a:pt x="2100793" y="602340"/>
+                    <a:pt x="2056158" y="619536"/>
+                  </a:cubicBezTo>
+                  <a:cubicBezTo>
+                    <a:pt x="2070792" y="627402"/>
+                    <a:pt x="2083872" y="636000"/>
+                    <a:pt x="2095397" y="645330"/>
+                  </a:cubicBezTo>
+                  <a:cubicBezTo>
+                    <a:pt x="2133996" y="609841"/>
+                    <a:pt x="2165095" y="576181"/>
+                    <a:pt x="2188694" y="544350"/>
+                  </a:cubicBezTo>
+                  <a:cubicBezTo>
+                    <a:pt x="2221622" y="616243"/>
+                    <a:pt x="2250891" y="651458"/>
+                    <a:pt x="2276502" y="649995"/>
+                  </a:cubicBezTo>
+                  <a:cubicBezTo>
+                    <a:pt x="2285100" y="650727"/>
+                    <a:pt x="2291411" y="646976"/>
+                    <a:pt x="2295436" y="638744"/>
+                  </a:cubicBezTo>
+                  <a:cubicBezTo>
+                    <a:pt x="2300375" y="630878"/>
+                    <a:pt x="2306595" y="612859"/>
+                    <a:pt x="2314095" y="584687"/>
+                  </a:cubicBezTo>
+                  <a:cubicBezTo>
+                    <a:pt x="2301290" y="578284"/>
+                    <a:pt x="2290039" y="569869"/>
+                    <a:pt x="2280344" y="559442"/>
+                  </a:cubicBezTo>
+                  <a:cubicBezTo>
+                    <a:pt x="2279612" y="592005"/>
+                    <a:pt x="2275679" y="607554"/>
+                    <a:pt x="2268545" y="606091"/>
+                  </a:cubicBezTo>
+                  <a:cubicBezTo>
+                    <a:pt x="2249885" y="600054"/>
+                    <a:pt x="2230403" y="567857"/>
+                    <a:pt x="2210097" y="509501"/>
+                  </a:cubicBezTo>
+                  <a:cubicBezTo>
+                    <a:pt x="2231134" y="464865"/>
+                    <a:pt x="2247782" y="417302"/>
+                    <a:pt x="2260038" y="366812"/>
+                  </a:cubicBezTo>
+                  <a:cubicBezTo>
+                    <a:pt x="2262782" y="354373"/>
+                    <a:pt x="2267081" y="346689"/>
+                    <a:pt x="2272935" y="343762"/>
+                  </a:cubicBezTo>
+                  <a:cubicBezTo>
+                    <a:pt x="2278606" y="339555"/>
+                    <a:pt x="2281441" y="336902"/>
+                    <a:pt x="2281441" y="335805"/>
+                  </a:cubicBezTo>
+                  <a:cubicBezTo>
+                    <a:pt x="2282173" y="334341"/>
+                    <a:pt x="2280161" y="332878"/>
+                    <a:pt x="2275405" y="331414"/>
+                  </a:cubicBezTo>
+                  <a:lnTo>
+                    <a:pt x="2232598" y="316597"/>
+                  </a:lnTo>
+                  <a:cubicBezTo>
+                    <a:pt x="2229488" y="367635"/>
+                    <a:pt x="2217323" y="417851"/>
+                    <a:pt x="2196102" y="467243"/>
+                  </a:cubicBezTo>
+                  <a:cubicBezTo>
+                    <a:pt x="2179638" y="417119"/>
+                    <a:pt x="2169851" y="355745"/>
+                    <a:pt x="2166741" y="283120"/>
+                  </a:cubicBezTo>
+                  <a:lnTo>
+                    <a:pt x="2252355" y="283120"/>
+                  </a:lnTo>
+                  <a:cubicBezTo>
+                    <a:pt x="2268087" y="283120"/>
+                    <a:pt x="2284551" y="284217"/>
+                    <a:pt x="2301747" y="286412"/>
+                  </a:cubicBezTo>
+                  <a:lnTo>
+                    <a:pt x="2301747" y="251563"/>
+                  </a:lnTo>
+                  <a:cubicBezTo>
+                    <a:pt x="2283637" y="253759"/>
+                    <a:pt x="2267172" y="254856"/>
+                    <a:pt x="2252355" y="254856"/>
+                  </a:cubicBezTo>
+                  <a:lnTo>
+                    <a:pt x="2162900" y="254856"/>
+                  </a:lnTo>
+                  <a:cubicBezTo>
+                    <a:pt x="2161802" y="236380"/>
+                    <a:pt x="2161253" y="220556"/>
+                    <a:pt x="2161253" y="207385"/>
+                  </a:cubicBezTo>
+                  <a:cubicBezTo>
+                    <a:pt x="2161253" y="199335"/>
+                    <a:pt x="2161436" y="193024"/>
+                    <a:pt x="2161802" y="188451"/>
+                  </a:cubicBezTo>
+                  <a:cubicBezTo>
+                    <a:pt x="2162900" y="175463"/>
+                    <a:pt x="2165918" y="166316"/>
+                    <a:pt x="2170857" y="161011"/>
+                  </a:cubicBezTo>
+                  <a:cubicBezTo>
+                    <a:pt x="2175614" y="155340"/>
+                    <a:pt x="2177809" y="151955"/>
+                    <a:pt x="2177443" y="150858"/>
+                  </a:cubicBezTo>
+                  <a:cubicBezTo>
+                    <a:pt x="2177077" y="149394"/>
+                    <a:pt x="2173510" y="148114"/>
+                    <a:pt x="2166741" y="147016"/>
+                  </a:cubicBezTo>
+                  <a:close/>
+                  <a:moveTo>
+                    <a:pt x="903944" y="136315"/>
+                  </a:moveTo>
+                  <a:lnTo>
+                    <a:pt x="878150" y="161560"/>
+                  </a:lnTo>
+                  <a:cubicBezTo>
+                    <a:pt x="908883" y="183695"/>
+                    <a:pt x="934220" y="203543"/>
+                    <a:pt x="954160" y="221105"/>
+                  </a:cubicBezTo>
+                  <a:lnTo>
+                    <a:pt x="980502" y="194762"/>
+                  </a:lnTo>
+                  <a:cubicBezTo>
+                    <a:pt x="957270" y="175737"/>
+                    <a:pt x="931750" y="156254"/>
+                    <a:pt x="903944" y="136315"/>
+                  </a:cubicBezTo>
+                  <a:close/>
+                  <a:moveTo>
+                    <a:pt x="0" y="0"/>
+                  </a:moveTo>
+                  <a:lnTo>
+                    <a:pt x="2423160" y="0"/>
+                  </a:lnTo>
+                  <a:lnTo>
+                    <a:pt x="2423160" y="769441"/>
+                  </a:lnTo>
+                  <a:lnTo>
+                    <a:pt x="0" y="769441"/>
+                  </a:lnTo>
+                  <a:close/>
+                </a:path>
+              </a:pathLst>
+            </a:custGeom>
+            <a:noFill/>
+            <a:ln w="3175">
+              <a:solidFill>
+                <a:schemeClr val="bg1">
+                  <a:lumMod val="85000"/>
+                </a:schemeClr>
+              </a:solidFill>
+            </a:ln>
+          </p:spPr>
+          <p:style>
+            <a:lnRef idx="2">
+              <a:schemeClr val="accent5">
+                <a:shade val="50000"/>
               </a:schemeClr>
-            </a:solidFill>
-          </a:ln>
-        </p:spPr>
-        <p:style>
-          <a:lnRef idx="2">
-            <a:schemeClr val="accent5">
-              <a:shade val="50000"/>
-            </a:schemeClr>
-          </a:lnRef>
-          <a:fillRef idx="1">
-            <a:schemeClr val="accent5"/>
-          </a:fillRef>
-          <a:effectRef idx="0">
-            <a:schemeClr val="accent5"/>
-          </a:effectRef>
-          <a:fontRef idx="minor">
-            <a:schemeClr val="lt1"/>
-          </a:fontRef>
-        </p:style>
-        <p:txBody>
-          <a:bodyPr rtlCol="0" anchor="ctr"/>
-          <a:lstStyle/>
-          <a:p>
-            <a:pPr algn="ctr"/>
-            <a:endParaRPr lang="zh-CN" altLang="en-US"/>
-          </a:p>
-        </p:txBody>
-      </p:sp>
-      <p:sp>
-        <p:nvSpPr>
-          <p:cNvPr id="11" name="文本框 10"/>
-          <p:cNvSpPr txBox="1"/>
-          <p:nvPr/>
-        </p:nvSpPr>
-        <p:spPr>
-          <a:xfrm>
-            <a:off x="5534024" y="2689681"/>
-            <a:ext cx="1064895" cy="307777"/>
-          </a:xfrm>
-          <a:prstGeom prst="rect">
-            <a:avLst/>
-          </a:prstGeom>
-          <a:noFill/>
-        </p:spPr>
-        <p:txBody>
-          <a:bodyPr wrap="square" rtlCol="0">
-            <a:spAutoFit/>
-          </a:bodyPr>
-          <a:lstStyle/>
-          <a:p>
-            <a:r>
-              <a:rPr lang="en-US" altLang="zh-CN" sz="1400" i="1" dirty="0" smtClean="0">
+            </a:lnRef>
+            <a:fillRef idx="1">
+              <a:schemeClr val="accent5"/>
+            </a:fillRef>
+            <a:effectRef idx="0">
+              <a:schemeClr val="accent5"/>
+            </a:effectRef>
+            <a:fontRef idx="minor">
+              <a:schemeClr val="lt1"/>
+            </a:fontRef>
+          </p:style>
+          <p:txBody>
+            <a:bodyPr rtlCol="0" anchor="ctr"/>
+            <a:lstStyle/>
+            <a:p>
+              <a:pPr algn="ctr"/>
+              <a:endParaRPr lang="zh-CN" altLang="en-US"/>
+            </a:p>
+          </p:txBody>
+        </p:sp>
+        <p:sp>
+          <p:nvSpPr>
+            <p:cNvPr id="11" name="文本框 10"/>
+            <p:cNvSpPr txBox="1"/>
+            <p:nvPr/>
+          </p:nvSpPr>
+          <p:spPr>
+            <a:xfrm>
+              <a:off x="5754052" y="2144851"/>
+              <a:ext cx="1064895" cy="307777"/>
+            </a:xfrm>
+            <a:prstGeom prst="rect">
+              <a:avLst/>
+            </a:prstGeom>
+            <a:noFill/>
+          </p:spPr>
+          <p:txBody>
+            <a:bodyPr wrap="square" rtlCol="0">
+              <a:spAutoFit/>
+            </a:bodyPr>
+            <a:lstStyle/>
+            <a:p>
+              <a:r>
+                <a:rPr lang="en-US" altLang="zh-CN" sz="1400" i="1" dirty="0" smtClean="0">
+                  <a:solidFill>
+                    <a:schemeClr val="bg1"/>
+                  </a:solidFill>
+                </a:rPr>
+                <a:t>SKY IN FLY</a:t>
+              </a:r>
+              <a:endParaRPr lang="zh-CN" altLang="en-US" sz="1400" i="1" dirty="0">
                 <a:solidFill>
                   <a:schemeClr val="bg1"/>
                 </a:solidFill>
-              </a:rPr>
-              <a:t>SKY IN FLY</a:t>
-            </a:r>
-            <a:endParaRPr lang="zh-CN" altLang="en-US" sz="1400" i="1" dirty="0">
-              <a:solidFill>
-                <a:schemeClr val="bg1"/>
-              </a:solidFill>
-            </a:endParaRPr>
-          </a:p>
-        </p:txBody>
-      </p:sp>
+              </a:endParaRPr>
+            </a:p>
+          </p:txBody>
+        </p:sp>
+      </p:grpSp>
     </p:spTree>
     <p:extLst>
       <p:ext uri="{BB962C8B-B14F-4D97-AF65-F5344CB8AC3E}">
@@ -9843,7 +15927,7 @@
         </p:nvGrpSpPr>
         <p:grpSpPr>
           <a:xfrm>
-            <a:off x="647700" y="1647379"/>
+            <a:off x="205740" y="1464499"/>
             <a:ext cx="11087100" cy="2772221"/>
             <a:chOff x="228600" y="1437829"/>
             <a:chExt cx="11087100" cy="2772221"/>
